--- a/PowerPoitnProgram/PB 01-05.pptx
+++ b/PowerPoitnProgram/PB 01-05.pptx
@@ -40117,7 +40117,7 @@
             <a:fld id="{3109AF80-D803-4371-B9F1-B9ABBE55B9B4}" type="slidenum">
               <a:rPr lang="es-MX" smtClean="0"/>
               <a:pPr/>
-              <a:t>‹#›</a:t>
+              <a:t>‹Nº›</a:t>
             </a:fld>
             <a:endParaRPr lang="es-MX"/>
           </a:p>
@@ -40289,7 +40289,7 @@
             <a:fld id="{3109AF80-D803-4371-B9F1-B9ABBE55B9B4}" type="slidenum">
               <a:rPr lang="es-MX" smtClean="0"/>
               <a:pPr/>
-              <a:t>‹#›</a:t>
+              <a:t>‹Nº›</a:t>
             </a:fld>
             <a:endParaRPr lang="es-MX"/>
           </a:p>
@@ -40471,7 +40471,7 @@
             <a:fld id="{3109AF80-D803-4371-B9F1-B9ABBE55B9B4}" type="slidenum">
               <a:rPr lang="es-MX" smtClean="0"/>
               <a:pPr/>
-              <a:t>‹#›</a:t>
+              <a:t>‹Nº›</a:t>
             </a:fld>
             <a:endParaRPr lang="es-MX"/>
           </a:p>
@@ -40643,7 +40643,7 @@
             <a:fld id="{3109AF80-D803-4371-B9F1-B9ABBE55B9B4}" type="slidenum">
               <a:rPr lang="es-MX" smtClean="0"/>
               <a:pPr/>
-              <a:t>‹#›</a:t>
+              <a:t>‹Nº›</a:t>
             </a:fld>
             <a:endParaRPr lang="es-MX"/>
           </a:p>
@@ -40891,7 +40891,7 @@
             <a:fld id="{3109AF80-D803-4371-B9F1-B9ABBE55B9B4}" type="slidenum">
               <a:rPr lang="es-MX" smtClean="0"/>
               <a:pPr/>
-              <a:t>‹#›</a:t>
+              <a:t>‹Nº›</a:t>
             </a:fld>
             <a:endParaRPr lang="es-MX"/>
           </a:p>
@@ -41181,7 +41181,7 @@
             <a:fld id="{3109AF80-D803-4371-B9F1-B9ABBE55B9B4}" type="slidenum">
               <a:rPr lang="es-MX" smtClean="0"/>
               <a:pPr/>
-              <a:t>‹#›</a:t>
+              <a:t>‹Nº›</a:t>
             </a:fld>
             <a:endParaRPr lang="es-MX"/>
           </a:p>
@@ -41605,7 +41605,7 @@
             <a:fld id="{3109AF80-D803-4371-B9F1-B9ABBE55B9B4}" type="slidenum">
               <a:rPr lang="es-MX" smtClean="0"/>
               <a:pPr/>
-              <a:t>‹#›</a:t>
+              <a:t>‹Nº›</a:t>
             </a:fld>
             <a:endParaRPr lang="es-MX"/>
           </a:p>
@@ -41725,7 +41725,7 @@
             <a:fld id="{3109AF80-D803-4371-B9F1-B9ABBE55B9B4}" type="slidenum">
               <a:rPr lang="es-MX" smtClean="0"/>
               <a:pPr/>
-              <a:t>‹#›</a:t>
+              <a:t>‹Nº›</a:t>
             </a:fld>
             <a:endParaRPr lang="es-MX"/>
           </a:p>
@@ -41822,7 +41822,7 @@
             <a:fld id="{3109AF80-D803-4371-B9F1-B9ABBE55B9B4}" type="slidenum">
               <a:rPr lang="es-MX" smtClean="0"/>
               <a:pPr/>
-              <a:t>‹#›</a:t>
+              <a:t>‹Nº›</a:t>
             </a:fld>
             <a:endParaRPr lang="es-MX"/>
           </a:p>
@@ -42101,7 +42101,7 @@
             <a:fld id="{3109AF80-D803-4371-B9F1-B9ABBE55B9B4}" type="slidenum">
               <a:rPr lang="es-MX" smtClean="0"/>
               <a:pPr/>
-              <a:t>‹#›</a:t>
+              <a:t>‹Nº›</a:t>
             </a:fld>
             <a:endParaRPr lang="es-MX"/>
           </a:p>
@@ -42356,7 +42356,7 @@
             <a:fld id="{3109AF80-D803-4371-B9F1-B9ABBE55B9B4}" type="slidenum">
               <a:rPr lang="es-MX" smtClean="0"/>
               <a:pPr/>
-              <a:t>‹#›</a:t>
+              <a:t>‹Nº›</a:t>
             </a:fld>
             <a:endParaRPr lang="es-MX"/>
           </a:p>
@@ -42616,7 +42616,7 @@
             <a:fld id="{3109AF80-D803-4371-B9F1-B9ABBE55B9B4}" type="slidenum">
               <a:rPr lang="es-MX" smtClean="0"/>
               <a:pPr/>
-              <a:t>‹#›</a:t>
+              <a:t>‹Nº›</a:t>
             </a:fld>
             <a:endParaRPr lang="es-MX"/>
           </a:p>
@@ -44552,12 +44552,15 @@
         </p:nvSpPr>
         <p:spPr>
           <a:xfrm>
-            <a:off x="368659" y="1403648"/>
-            <a:ext cx="2985801" cy="6624736"/>
+            <a:off x="368659" y="1353980"/>
+            <a:ext cx="6172200" cy="6764571"/>
           </a:xfrm>
           <a:prstGeom prst="roundRect">
             <a:avLst/>
           </a:prstGeom>
+          <a:solidFill>
+            <a:schemeClr val="tx1"/>
+          </a:solidFill>
           <a:effectLst>
             <a:glow rad="228600">
               <a:schemeClr val="accent4">
@@ -44584,6 +44587,2444 @@
         <p:txBody>
           <a:bodyPr lIns="91435" tIns="45718" rIns="91435" bIns="45718" rtlCol="0" anchor="t"/>
           <a:lstStyle/>
+          <a:p>
+            <a:r>
+              <a:rPr lang="es-MX" sz="1200" b="0" dirty="0">
+                <a:solidFill>
+                  <a:srgbClr val="C678DD"/>
+                </a:solidFill>
+                <a:effectLst/>
+                <a:latin typeface="Consolas" panose="020B0609020204030204" pitchFamily="49" charset="0"/>
+              </a:rPr>
+              <a:t>#include</a:t>
+            </a:r>
+            <a:r>
+              <a:rPr lang="es-MX" sz="1200" b="0" dirty="0">
+                <a:solidFill>
+                  <a:srgbClr val="ABB2BF"/>
+                </a:solidFill>
+                <a:effectLst/>
+                <a:latin typeface="Consolas" panose="020B0609020204030204" pitchFamily="49" charset="0"/>
+              </a:rPr>
+              <a:t> </a:t>
+            </a:r>
+            <a:r>
+              <a:rPr lang="es-MX" sz="1200" b="0" dirty="0">
+                <a:solidFill>
+                  <a:srgbClr val="98C379"/>
+                </a:solidFill>
+                <a:effectLst/>
+                <a:latin typeface="Consolas" panose="020B0609020204030204" pitchFamily="49" charset="0"/>
+              </a:rPr>
+              <a:t>&lt;</a:t>
+            </a:r>
+            <a:r>
+              <a:rPr lang="es-MX" sz="1200" b="0" dirty="0" err="1">
+                <a:solidFill>
+                  <a:srgbClr val="98C379"/>
+                </a:solidFill>
+                <a:effectLst/>
+                <a:latin typeface="Consolas" panose="020B0609020204030204" pitchFamily="49" charset="0"/>
+              </a:rPr>
+              <a:t>stdio.h</a:t>
+            </a:r>
+            <a:r>
+              <a:rPr lang="es-MX" sz="1200" b="0" dirty="0">
+                <a:solidFill>
+                  <a:srgbClr val="98C379"/>
+                </a:solidFill>
+                <a:effectLst/>
+                <a:latin typeface="Consolas" panose="020B0609020204030204" pitchFamily="49" charset="0"/>
+              </a:rPr>
+              <a:t>&gt;</a:t>
+            </a:r>
+            <a:endParaRPr lang="es-MX" sz="1200" b="0" dirty="0">
+              <a:solidFill>
+                <a:srgbClr val="ABB2BF"/>
+              </a:solidFill>
+              <a:effectLst/>
+              <a:latin typeface="Consolas" panose="020B0609020204030204" pitchFamily="49" charset="0"/>
+            </a:endParaRPr>
+          </a:p>
+          <a:p>
+            <a:br>
+              <a:rPr lang="es-MX" sz="1200" b="0" dirty="0">
+                <a:solidFill>
+                  <a:srgbClr val="ABB2BF"/>
+                </a:solidFill>
+                <a:effectLst/>
+                <a:latin typeface="Consolas" panose="020B0609020204030204" pitchFamily="49" charset="0"/>
+              </a:rPr>
+            </a:br>
+            <a:r>
+              <a:rPr lang="es-MX" sz="1200" b="0" dirty="0" err="1">
+                <a:solidFill>
+                  <a:srgbClr val="C678DD"/>
+                </a:solidFill>
+                <a:effectLst/>
+                <a:latin typeface="Consolas" panose="020B0609020204030204" pitchFamily="49" charset="0"/>
+              </a:rPr>
+              <a:t>void</a:t>
+            </a:r>
+            <a:r>
+              <a:rPr lang="es-MX" sz="1200" b="0" dirty="0">
+                <a:solidFill>
+                  <a:srgbClr val="ABB2BF"/>
+                </a:solidFill>
+                <a:effectLst/>
+                <a:latin typeface="Consolas" panose="020B0609020204030204" pitchFamily="49" charset="0"/>
+              </a:rPr>
+              <a:t> </a:t>
+            </a:r>
+            <a:r>
+              <a:rPr lang="es-MX" sz="1200" b="1" dirty="0" err="1">
+                <a:solidFill>
+                  <a:srgbClr val="61AFEF"/>
+                </a:solidFill>
+                <a:effectLst/>
+                <a:latin typeface="Consolas" panose="020B0609020204030204" pitchFamily="49" charset="0"/>
+              </a:rPr>
+              <a:t>main</a:t>
+            </a:r>
+            <a:r>
+              <a:rPr lang="es-MX" sz="1200" b="0" dirty="0">
+                <a:solidFill>
+                  <a:srgbClr val="ABB2BF"/>
+                </a:solidFill>
+                <a:effectLst/>
+                <a:latin typeface="Consolas" panose="020B0609020204030204" pitchFamily="49" charset="0"/>
+              </a:rPr>
+              <a:t>()</a:t>
+            </a:r>
+          </a:p>
+          <a:p>
+            <a:r>
+              <a:rPr lang="es-MX" sz="1200" b="0" dirty="0">
+                <a:solidFill>
+                  <a:srgbClr val="ABB2BF"/>
+                </a:solidFill>
+                <a:effectLst/>
+                <a:latin typeface="Consolas" panose="020B0609020204030204" pitchFamily="49" charset="0"/>
+              </a:rPr>
+              <a:t>{</a:t>
+            </a:r>
+          </a:p>
+          <a:p>
+            <a:r>
+              <a:rPr lang="es-MX" sz="1200" b="0" dirty="0">
+                <a:solidFill>
+                  <a:srgbClr val="ABB2BF"/>
+                </a:solidFill>
+                <a:effectLst/>
+                <a:latin typeface="Consolas" panose="020B0609020204030204" pitchFamily="49" charset="0"/>
+              </a:rPr>
+              <a:t>    </a:t>
+            </a:r>
+            <a:r>
+              <a:rPr lang="es-MX" sz="1200" b="0" dirty="0" err="1">
+                <a:solidFill>
+                  <a:srgbClr val="C678DD"/>
+                </a:solidFill>
+                <a:effectLst/>
+                <a:latin typeface="Consolas" panose="020B0609020204030204" pitchFamily="49" charset="0"/>
+              </a:rPr>
+              <a:t>float</a:t>
+            </a:r>
+            <a:r>
+              <a:rPr lang="es-MX" sz="1200" b="0" dirty="0">
+                <a:solidFill>
+                  <a:srgbClr val="ABB2BF"/>
+                </a:solidFill>
+                <a:effectLst/>
+                <a:latin typeface="Consolas" panose="020B0609020204030204" pitchFamily="49" charset="0"/>
+              </a:rPr>
+              <a:t> </a:t>
+            </a:r>
+            <a:r>
+              <a:rPr lang="es-MX" sz="1200" b="0" dirty="0" err="1">
+                <a:solidFill>
+                  <a:srgbClr val="E06C75"/>
+                </a:solidFill>
+                <a:effectLst/>
+                <a:latin typeface="Consolas" panose="020B0609020204030204" pitchFamily="49" charset="0"/>
+              </a:rPr>
+              <a:t>cuadradoL</a:t>
+            </a:r>
+            <a:r>
+              <a:rPr lang="es-MX" sz="1200" b="0" dirty="0">
+                <a:solidFill>
+                  <a:srgbClr val="ABB2BF"/>
+                </a:solidFill>
+                <a:effectLst/>
+                <a:latin typeface="Consolas" panose="020B0609020204030204" pitchFamily="49" charset="0"/>
+              </a:rPr>
+              <a:t>, </a:t>
+            </a:r>
+            <a:r>
+              <a:rPr lang="es-MX" sz="1200" b="0" dirty="0" err="1">
+                <a:solidFill>
+                  <a:srgbClr val="E06C75"/>
+                </a:solidFill>
+                <a:effectLst/>
+                <a:latin typeface="Consolas" panose="020B0609020204030204" pitchFamily="49" charset="0"/>
+              </a:rPr>
+              <a:t>rectanguloB</a:t>
+            </a:r>
+            <a:r>
+              <a:rPr lang="es-MX" sz="1200" b="0" dirty="0">
+                <a:solidFill>
+                  <a:srgbClr val="ABB2BF"/>
+                </a:solidFill>
+                <a:effectLst/>
+                <a:latin typeface="Consolas" panose="020B0609020204030204" pitchFamily="49" charset="0"/>
+              </a:rPr>
+              <a:t> , </a:t>
+            </a:r>
+            <a:r>
+              <a:rPr lang="es-MX" sz="1200" b="0" dirty="0" err="1">
+                <a:solidFill>
+                  <a:srgbClr val="E06C75"/>
+                </a:solidFill>
+                <a:effectLst/>
+                <a:latin typeface="Consolas" panose="020B0609020204030204" pitchFamily="49" charset="0"/>
+              </a:rPr>
+              <a:t>rectanguloA</a:t>
+            </a:r>
+            <a:r>
+              <a:rPr lang="es-MX" sz="1200" b="0" dirty="0">
+                <a:solidFill>
+                  <a:srgbClr val="ABB2BF"/>
+                </a:solidFill>
+                <a:effectLst/>
+                <a:latin typeface="Consolas" panose="020B0609020204030204" pitchFamily="49" charset="0"/>
+              </a:rPr>
+              <a:t> , </a:t>
+            </a:r>
+            <a:r>
+              <a:rPr lang="es-MX" sz="1200" b="0" dirty="0" err="1">
+                <a:solidFill>
+                  <a:srgbClr val="E06C75"/>
+                </a:solidFill>
+                <a:effectLst/>
+                <a:latin typeface="Consolas" panose="020B0609020204030204" pitchFamily="49" charset="0"/>
+              </a:rPr>
+              <a:t>trianguloL</a:t>
+            </a:r>
+            <a:r>
+              <a:rPr lang="es-MX" sz="1200" b="0" dirty="0">
+                <a:solidFill>
+                  <a:srgbClr val="ABB2BF"/>
+                </a:solidFill>
+                <a:effectLst/>
+                <a:latin typeface="Consolas" panose="020B0609020204030204" pitchFamily="49" charset="0"/>
+              </a:rPr>
+              <a:t> , </a:t>
+            </a:r>
+            <a:r>
+              <a:rPr lang="es-MX" sz="1200" b="0" dirty="0" err="1">
+                <a:solidFill>
+                  <a:srgbClr val="E06C75"/>
+                </a:solidFill>
+                <a:effectLst/>
+                <a:latin typeface="Consolas" panose="020B0609020204030204" pitchFamily="49" charset="0"/>
+              </a:rPr>
+              <a:t>trianguloA</a:t>
+            </a:r>
+            <a:r>
+              <a:rPr lang="es-MX" sz="1200" b="0" dirty="0">
+                <a:solidFill>
+                  <a:srgbClr val="ABB2BF"/>
+                </a:solidFill>
+                <a:effectLst/>
+                <a:latin typeface="Consolas" panose="020B0609020204030204" pitchFamily="49" charset="0"/>
+              </a:rPr>
+              <a:t>, </a:t>
+            </a:r>
+            <a:r>
+              <a:rPr lang="es-MX" sz="1200" b="0" dirty="0">
+                <a:solidFill>
+                  <a:srgbClr val="E06C75"/>
+                </a:solidFill>
+                <a:effectLst/>
+                <a:latin typeface="Consolas" panose="020B0609020204030204" pitchFamily="49" charset="0"/>
+              </a:rPr>
+              <a:t>cuadrado</a:t>
+            </a:r>
+            <a:r>
+              <a:rPr lang="es-MX" sz="1200" b="0" dirty="0">
+                <a:solidFill>
+                  <a:srgbClr val="ABB2BF"/>
+                </a:solidFill>
+                <a:effectLst/>
+                <a:latin typeface="Consolas" panose="020B0609020204030204" pitchFamily="49" charset="0"/>
+              </a:rPr>
+              <a:t>, </a:t>
+            </a:r>
+            <a:r>
+              <a:rPr lang="es-MX" sz="1200" b="0" dirty="0">
+                <a:solidFill>
+                  <a:srgbClr val="E06C75"/>
+                </a:solidFill>
+                <a:effectLst/>
+                <a:latin typeface="Consolas" panose="020B0609020204030204" pitchFamily="49" charset="0"/>
+              </a:rPr>
+              <a:t>triangulo</a:t>
+            </a:r>
+            <a:r>
+              <a:rPr lang="es-MX" sz="1200" b="0" dirty="0">
+                <a:solidFill>
+                  <a:srgbClr val="ABB2BF"/>
+                </a:solidFill>
+                <a:effectLst/>
+                <a:latin typeface="Consolas" panose="020B0609020204030204" pitchFamily="49" charset="0"/>
+              </a:rPr>
+              <a:t>, </a:t>
+            </a:r>
+            <a:r>
+              <a:rPr lang="es-MX" sz="1200" b="0" dirty="0" err="1">
+                <a:solidFill>
+                  <a:srgbClr val="E06C75"/>
+                </a:solidFill>
+                <a:effectLst/>
+                <a:latin typeface="Consolas" panose="020B0609020204030204" pitchFamily="49" charset="0"/>
+              </a:rPr>
+              <a:t>rectangulo</a:t>
+            </a:r>
+            <a:r>
+              <a:rPr lang="es-MX" sz="1200" b="0" dirty="0">
+                <a:solidFill>
+                  <a:srgbClr val="ABB2BF"/>
+                </a:solidFill>
+                <a:effectLst/>
+                <a:latin typeface="Consolas" panose="020B0609020204030204" pitchFamily="49" charset="0"/>
+              </a:rPr>
+              <a:t>;</a:t>
+            </a:r>
+          </a:p>
+          <a:p>
+            <a:r>
+              <a:rPr lang="es-MX" sz="1200" b="0" dirty="0">
+                <a:solidFill>
+                  <a:srgbClr val="ABB2BF"/>
+                </a:solidFill>
+                <a:effectLst/>
+                <a:latin typeface="Consolas" panose="020B0609020204030204" pitchFamily="49" charset="0"/>
+              </a:rPr>
+              <a:t>    </a:t>
+            </a:r>
+          </a:p>
+          <a:p>
+            <a:r>
+              <a:rPr lang="es-MX" sz="1200" b="0" dirty="0">
+                <a:solidFill>
+                  <a:srgbClr val="ABB2BF"/>
+                </a:solidFill>
+                <a:effectLst/>
+                <a:latin typeface="Consolas" panose="020B0609020204030204" pitchFamily="49" charset="0"/>
+              </a:rPr>
+              <a:t>    </a:t>
+            </a:r>
+            <a:r>
+              <a:rPr lang="es-MX" sz="1200" b="1" dirty="0" err="1">
+                <a:solidFill>
+                  <a:srgbClr val="61AFEF"/>
+                </a:solidFill>
+                <a:effectLst/>
+                <a:latin typeface="Consolas" panose="020B0609020204030204" pitchFamily="49" charset="0"/>
+              </a:rPr>
+              <a:t>printf</a:t>
+            </a:r>
+            <a:r>
+              <a:rPr lang="es-MX" sz="1200" b="0" dirty="0">
+                <a:solidFill>
+                  <a:srgbClr val="ABB2BF"/>
+                </a:solidFill>
+                <a:effectLst/>
+                <a:latin typeface="Consolas" panose="020B0609020204030204" pitchFamily="49" charset="0"/>
+              </a:rPr>
+              <a:t>(</a:t>
+            </a:r>
+            <a:r>
+              <a:rPr lang="es-MX" sz="1200" b="0" dirty="0">
+                <a:solidFill>
+                  <a:srgbClr val="98C379"/>
+                </a:solidFill>
+                <a:effectLst/>
+                <a:latin typeface="Consolas" panose="020B0609020204030204" pitchFamily="49" charset="0"/>
+              </a:rPr>
+              <a:t>"Este programa te ayudara a calcular el </a:t>
+            </a:r>
+            <a:r>
+              <a:rPr lang="es-MX" sz="1200" b="0" dirty="0" err="1">
+                <a:solidFill>
+                  <a:srgbClr val="98C379"/>
+                </a:solidFill>
+                <a:effectLst/>
+                <a:latin typeface="Consolas" panose="020B0609020204030204" pitchFamily="49" charset="0"/>
+              </a:rPr>
+              <a:t>area</a:t>
+            </a:r>
+            <a:r>
+              <a:rPr lang="es-MX" sz="1200" b="0" dirty="0">
+                <a:solidFill>
+                  <a:srgbClr val="98C379"/>
+                </a:solidFill>
+                <a:effectLst/>
+                <a:latin typeface="Consolas" panose="020B0609020204030204" pitchFamily="49" charset="0"/>
+              </a:rPr>
+              <a:t> de un cuadrado, </a:t>
+            </a:r>
+            <a:r>
+              <a:rPr lang="es-MX" sz="1200" b="0" dirty="0" err="1">
+                <a:solidFill>
+                  <a:srgbClr val="98C379"/>
+                </a:solidFill>
+                <a:effectLst/>
+                <a:latin typeface="Consolas" panose="020B0609020204030204" pitchFamily="49" charset="0"/>
+              </a:rPr>
+              <a:t>rectangulo</a:t>
+            </a:r>
+            <a:r>
+              <a:rPr lang="es-MX" sz="1200" b="0" dirty="0">
+                <a:solidFill>
+                  <a:srgbClr val="98C379"/>
+                </a:solidFill>
+                <a:effectLst/>
+                <a:latin typeface="Consolas" panose="020B0609020204030204" pitchFamily="49" charset="0"/>
+              </a:rPr>
+              <a:t>, triangulo </a:t>
+            </a:r>
+            <a:r>
+              <a:rPr lang="es-MX" sz="1200" b="0" dirty="0" err="1">
+                <a:solidFill>
+                  <a:srgbClr val="98C379"/>
+                </a:solidFill>
+                <a:effectLst/>
+                <a:latin typeface="Consolas" panose="020B0609020204030204" pitchFamily="49" charset="0"/>
+              </a:rPr>
+              <a:t>equilatero</a:t>
+            </a:r>
+            <a:r>
+              <a:rPr lang="es-MX" sz="1200" b="0" dirty="0">
+                <a:solidFill>
+                  <a:srgbClr val="56B6C2"/>
+                </a:solidFill>
+                <a:effectLst/>
+                <a:latin typeface="Consolas" panose="020B0609020204030204" pitchFamily="49" charset="0"/>
+              </a:rPr>
+              <a:t>\n</a:t>
+            </a:r>
+            <a:r>
+              <a:rPr lang="es-MX" sz="1200" b="0" dirty="0">
+                <a:solidFill>
+                  <a:srgbClr val="98C379"/>
+                </a:solidFill>
+                <a:effectLst/>
+                <a:latin typeface="Consolas" panose="020B0609020204030204" pitchFamily="49" charset="0"/>
+              </a:rPr>
+              <a:t>"</a:t>
+            </a:r>
+            <a:r>
+              <a:rPr lang="es-MX" sz="1200" b="0" dirty="0">
+                <a:solidFill>
+                  <a:srgbClr val="ABB2BF"/>
+                </a:solidFill>
+                <a:effectLst/>
+                <a:latin typeface="Consolas" panose="020B0609020204030204" pitchFamily="49" charset="0"/>
+              </a:rPr>
+              <a:t>);</a:t>
+            </a:r>
+          </a:p>
+          <a:p>
+            <a:r>
+              <a:rPr lang="es-MX" sz="1200" b="0" dirty="0">
+                <a:solidFill>
+                  <a:srgbClr val="ABB2BF"/>
+                </a:solidFill>
+                <a:effectLst/>
+                <a:latin typeface="Consolas" panose="020B0609020204030204" pitchFamily="49" charset="0"/>
+              </a:rPr>
+              <a:t>    </a:t>
+            </a:r>
+            <a:r>
+              <a:rPr lang="es-MX" sz="1200" b="1" dirty="0" err="1">
+                <a:solidFill>
+                  <a:srgbClr val="61AFEF"/>
+                </a:solidFill>
+                <a:effectLst/>
+                <a:latin typeface="Consolas" panose="020B0609020204030204" pitchFamily="49" charset="0"/>
+              </a:rPr>
+              <a:t>printf</a:t>
+            </a:r>
+            <a:r>
+              <a:rPr lang="es-MX" sz="1200" b="0" dirty="0">
+                <a:solidFill>
+                  <a:srgbClr val="ABB2BF"/>
+                </a:solidFill>
+                <a:effectLst/>
+                <a:latin typeface="Consolas" panose="020B0609020204030204" pitchFamily="49" charset="0"/>
+              </a:rPr>
+              <a:t>(</a:t>
+            </a:r>
+            <a:r>
+              <a:rPr lang="es-MX" sz="1200" b="0" dirty="0">
+                <a:solidFill>
+                  <a:srgbClr val="98C379"/>
+                </a:solidFill>
+                <a:effectLst/>
+                <a:latin typeface="Consolas" panose="020B0609020204030204" pitchFamily="49" charset="0"/>
+              </a:rPr>
+              <a:t>"</a:t>
+            </a:r>
+            <a:r>
+              <a:rPr lang="es-MX" sz="1200" b="0" dirty="0">
+                <a:solidFill>
+                  <a:srgbClr val="56B6C2"/>
+                </a:solidFill>
+                <a:effectLst/>
+                <a:latin typeface="Consolas" panose="020B0609020204030204" pitchFamily="49" charset="0"/>
+              </a:rPr>
+              <a:t>\</a:t>
+            </a:r>
+            <a:r>
+              <a:rPr lang="es-MX" sz="1200" b="0" dirty="0" err="1">
+                <a:solidFill>
+                  <a:srgbClr val="56B6C2"/>
+                </a:solidFill>
+                <a:effectLst/>
+                <a:latin typeface="Consolas" panose="020B0609020204030204" pitchFamily="49" charset="0"/>
+              </a:rPr>
+              <a:t>n</a:t>
+            </a:r>
+            <a:r>
+              <a:rPr lang="es-MX" sz="1200" b="0" dirty="0" err="1">
+                <a:solidFill>
+                  <a:srgbClr val="98C379"/>
+                </a:solidFill>
+                <a:effectLst/>
+                <a:latin typeface="Consolas" panose="020B0609020204030204" pitchFamily="49" charset="0"/>
+              </a:rPr>
+              <a:t>Introduce</a:t>
+            </a:r>
+            <a:r>
+              <a:rPr lang="es-MX" sz="1200" b="0" dirty="0">
+                <a:solidFill>
+                  <a:srgbClr val="98C379"/>
+                </a:solidFill>
+                <a:effectLst/>
+                <a:latin typeface="Consolas" panose="020B0609020204030204" pitchFamily="49" charset="0"/>
+              </a:rPr>
+              <a:t> la medida del lado del cuadrado: "</a:t>
+            </a:r>
+            <a:r>
+              <a:rPr lang="es-MX" sz="1200" b="0" dirty="0">
+                <a:solidFill>
+                  <a:srgbClr val="ABB2BF"/>
+                </a:solidFill>
+                <a:effectLst/>
+                <a:latin typeface="Consolas" panose="020B0609020204030204" pitchFamily="49" charset="0"/>
+              </a:rPr>
+              <a:t>);</a:t>
+            </a:r>
+          </a:p>
+          <a:p>
+            <a:r>
+              <a:rPr lang="es-MX" sz="1200" b="0" dirty="0">
+                <a:solidFill>
+                  <a:srgbClr val="ABB2BF"/>
+                </a:solidFill>
+                <a:effectLst/>
+                <a:latin typeface="Consolas" panose="020B0609020204030204" pitchFamily="49" charset="0"/>
+              </a:rPr>
+              <a:t>    </a:t>
+            </a:r>
+            <a:r>
+              <a:rPr lang="es-MX" sz="1200" b="1" dirty="0" err="1">
+                <a:solidFill>
+                  <a:srgbClr val="61AFEF"/>
+                </a:solidFill>
+                <a:effectLst/>
+                <a:latin typeface="Consolas" panose="020B0609020204030204" pitchFamily="49" charset="0"/>
+              </a:rPr>
+              <a:t>scanf</a:t>
+            </a:r>
+            <a:r>
+              <a:rPr lang="es-MX" sz="1200" b="0" dirty="0">
+                <a:solidFill>
+                  <a:srgbClr val="ABB2BF"/>
+                </a:solidFill>
+                <a:effectLst/>
+                <a:latin typeface="Consolas" panose="020B0609020204030204" pitchFamily="49" charset="0"/>
+              </a:rPr>
+              <a:t>(</a:t>
+            </a:r>
+            <a:r>
+              <a:rPr lang="es-MX" sz="1200" b="0" dirty="0">
+                <a:solidFill>
+                  <a:srgbClr val="98C379"/>
+                </a:solidFill>
+                <a:effectLst/>
+                <a:latin typeface="Consolas" panose="020B0609020204030204" pitchFamily="49" charset="0"/>
+              </a:rPr>
+              <a:t>"</a:t>
+            </a:r>
+            <a:r>
+              <a:rPr lang="es-MX" sz="1200" b="0" dirty="0">
+                <a:solidFill>
+                  <a:srgbClr val="D19A66"/>
+                </a:solidFill>
+                <a:effectLst/>
+                <a:latin typeface="Consolas" panose="020B0609020204030204" pitchFamily="49" charset="0"/>
+              </a:rPr>
+              <a:t>%f</a:t>
+            </a:r>
+            <a:r>
+              <a:rPr lang="es-MX" sz="1200" b="0" dirty="0">
+                <a:solidFill>
+                  <a:srgbClr val="98C379"/>
+                </a:solidFill>
+                <a:effectLst/>
+                <a:latin typeface="Consolas" panose="020B0609020204030204" pitchFamily="49" charset="0"/>
+              </a:rPr>
+              <a:t>"</a:t>
+            </a:r>
+            <a:r>
+              <a:rPr lang="es-MX" sz="1200" b="0" dirty="0">
+                <a:solidFill>
+                  <a:srgbClr val="ABB2BF"/>
+                </a:solidFill>
+                <a:effectLst/>
+                <a:latin typeface="Consolas" panose="020B0609020204030204" pitchFamily="49" charset="0"/>
+              </a:rPr>
+              <a:t>, </a:t>
+            </a:r>
+            <a:r>
+              <a:rPr lang="es-MX" sz="1200" b="0" dirty="0">
+                <a:solidFill>
+                  <a:srgbClr val="C678DD"/>
+                </a:solidFill>
+                <a:effectLst/>
+                <a:latin typeface="Consolas" panose="020B0609020204030204" pitchFamily="49" charset="0"/>
+              </a:rPr>
+              <a:t>&amp;</a:t>
+            </a:r>
+            <a:r>
+              <a:rPr lang="es-MX" sz="1200" b="0" dirty="0" err="1">
+                <a:solidFill>
+                  <a:srgbClr val="E06C75"/>
+                </a:solidFill>
+                <a:effectLst/>
+                <a:latin typeface="Consolas" panose="020B0609020204030204" pitchFamily="49" charset="0"/>
+              </a:rPr>
+              <a:t>cuadradoL</a:t>
+            </a:r>
+            <a:r>
+              <a:rPr lang="es-MX" sz="1200" b="0" dirty="0">
+                <a:solidFill>
+                  <a:srgbClr val="ABB2BF"/>
+                </a:solidFill>
+                <a:effectLst/>
+                <a:latin typeface="Consolas" panose="020B0609020204030204" pitchFamily="49" charset="0"/>
+              </a:rPr>
+              <a:t>);</a:t>
+            </a:r>
+          </a:p>
+          <a:p>
+            <a:r>
+              <a:rPr lang="es-MX" sz="1200" b="0" dirty="0">
+                <a:solidFill>
+                  <a:srgbClr val="ABB2BF"/>
+                </a:solidFill>
+                <a:effectLst/>
+                <a:latin typeface="Consolas" panose="020B0609020204030204" pitchFamily="49" charset="0"/>
+              </a:rPr>
+              <a:t>    </a:t>
+            </a:r>
+            <a:r>
+              <a:rPr lang="es-MX" sz="1200" b="1" dirty="0" err="1">
+                <a:solidFill>
+                  <a:srgbClr val="61AFEF"/>
+                </a:solidFill>
+                <a:effectLst/>
+                <a:latin typeface="Consolas" panose="020B0609020204030204" pitchFamily="49" charset="0"/>
+              </a:rPr>
+              <a:t>printf</a:t>
+            </a:r>
+            <a:r>
+              <a:rPr lang="es-MX" sz="1200" b="0" dirty="0">
+                <a:solidFill>
+                  <a:srgbClr val="ABB2BF"/>
+                </a:solidFill>
+                <a:effectLst/>
+                <a:latin typeface="Consolas" panose="020B0609020204030204" pitchFamily="49" charset="0"/>
+              </a:rPr>
+              <a:t>(</a:t>
+            </a:r>
+            <a:r>
+              <a:rPr lang="es-MX" sz="1200" b="0" dirty="0">
+                <a:solidFill>
+                  <a:srgbClr val="98C379"/>
+                </a:solidFill>
+                <a:effectLst/>
+                <a:latin typeface="Consolas" panose="020B0609020204030204" pitchFamily="49" charset="0"/>
+              </a:rPr>
+              <a:t>"</a:t>
+            </a:r>
+            <a:r>
+              <a:rPr lang="es-MX" sz="1200" b="0" dirty="0">
+                <a:solidFill>
+                  <a:srgbClr val="56B6C2"/>
+                </a:solidFill>
+                <a:effectLst/>
+                <a:latin typeface="Consolas" panose="020B0609020204030204" pitchFamily="49" charset="0"/>
+              </a:rPr>
+              <a:t>\</a:t>
+            </a:r>
+            <a:r>
+              <a:rPr lang="es-MX" sz="1200" b="0" dirty="0" err="1">
+                <a:solidFill>
+                  <a:srgbClr val="56B6C2"/>
+                </a:solidFill>
+                <a:effectLst/>
+                <a:latin typeface="Consolas" panose="020B0609020204030204" pitchFamily="49" charset="0"/>
+              </a:rPr>
+              <a:t>n</a:t>
+            </a:r>
+            <a:r>
+              <a:rPr lang="es-MX" sz="1200" b="0" dirty="0" err="1">
+                <a:solidFill>
+                  <a:srgbClr val="98C379"/>
+                </a:solidFill>
+                <a:effectLst/>
+                <a:latin typeface="Consolas" panose="020B0609020204030204" pitchFamily="49" charset="0"/>
+              </a:rPr>
+              <a:t>Introduce</a:t>
+            </a:r>
+            <a:r>
+              <a:rPr lang="es-MX" sz="1200" b="0" dirty="0">
+                <a:solidFill>
+                  <a:srgbClr val="98C379"/>
+                </a:solidFill>
+                <a:effectLst/>
+                <a:latin typeface="Consolas" panose="020B0609020204030204" pitchFamily="49" charset="0"/>
+              </a:rPr>
+              <a:t> la medida de la base del </a:t>
+            </a:r>
+            <a:r>
+              <a:rPr lang="es-MX" sz="1200" b="0" dirty="0" err="1">
+                <a:solidFill>
+                  <a:srgbClr val="98C379"/>
+                </a:solidFill>
+                <a:effectLst/>
+                <a:latin typeface="Consolas" panose="020B0609020204030204" pitchFamily="49" charset="0"/>
+              </a:rPr>
+              <a:t>rectandulo</a:t>
+            </a:r>
+            <a:r>
+              <a:rPr lang="es-MX" sz="1200" b="0" dirty="0">
+                <a:solidFill>
+                  <a:srgbClr val="98C379"/>
+                </a:solidFill>
+                <a:effectLst/>
+                <a:latin typeface="Consolas" panose="020B0609020204030204" pitchFamily="49" charset="0"/>
+              </a:rPr>
+              <a:t>: "</a:t>
+            </a:r>
+            <a:r>
+              <a:rPr lang="es-MX" sz="1200" b="0" dirty="0">
+                <a:solidFill>
+                  <a:srgbClr val="ABB2BF"/>
+                </a:solidFill>
+                <a:effectLst/>
+                <a:latin typeface="Consolas" panose="020B0609020204030204" pitchFamily="49" charset="0"/>
+              </a:rPr>
+              <a:t>);</a:t>
+            </a:r>
+          </a:p>
+          <a:p>
+            <a:r>
+              <a:rPr lang="es-MX" sz="1200" b="0" dirty="0">
+                <a:solidFill>
+                  <a:srgbClr val="ABB2BF"/>
+                </a:solidFill>
+                <a:effectLst/>
+                <a:latin typeface="Consolas" panose="020B0609020204030204" pitchFamily="49" charset="0"/>
+              </a:rPr>
+              <a:t>    </a:t>
+            </a:r>
+            <a:r>
+              <a:rPr lang="es-MX" sz="1200" b="1" dirty="0" err="1">
+                <a:solidFill>
+                  <a:srgbClr val="61AFEF"/>
+                </a:solidFill>
+                <a:effectLst/>
+                <a:latin typeface="Consolas" panose="020B0609020204030204" pitchFamily="49" charset="0"/>
+              </a:rPr>
+              <a:t>scanf</a:t>
+            </a:r>
+            <a:r>
+              <a:rPr lang="es-MX" sz="1200" b="0" dirty="0">
+                <a:solidFill>
+                  <a:srgbClr val="ABB2BF"/>
+                </a:solidFill>
+                <a:effectLst/>
+                <a:latin typeface="Consolas" panose="020B0609020204030204" pitchFamily="49" charset="0"/>
+              </a:rPr>
+              <a:t>(</a:t>
+            </a:r>
+            <a:r>
+              <a:rPr lang="es-MX" sz="1200" b="0" dirty="0">
+                <a:solidFill>
+                  <a:srgbClr val="98C379"/>
+                </a:solidFill>
+                <a:effectLst/>
+                <a:latin typeface="Consolas" panose="020B0609020204030204" pitchFamily="49" charset="0"/>
+              </a:rPr>
+              <a:t>"</a:t>
+            </a:r>
+            <a:r>
+              <a:rPr lang="es-MX" sz="1200" b="0" dirty="0">
+                <a:solidFill>
+                  <a:srgbClr val="D19A66"/>
+                </a:solidFill>
+                <a:effectLst/>
+                <a:latin typeface="Consolas" panose="020B0609020204030204" pitchFamily="49" charset="0"/>
+              </a:rPr>
+              <a:t>%f</a:t>
+            </a:r>
+            <a:r>
+              <a:rPr lang="es-MX" sz="1200" b="0" dirty="0">
+                <a:solidFill>
+                  <a:srgbClr val="98C379"/>
+                </a:solidFill>
+                <a:effectLst/>
+                <a:latin typeface="Consolas" panose="020B0609020204030204" pitchFamily="49" charset="0"/>
+              </a:rPr>
+              <a:t>"</a:t>
+            </a:r>
+            <a:r>
+              <a:rPr lang="es-MX" sz="1200" b="0" dirty="0">
+                <a:solidFill>
+                  <a:srgbClr val="ABB2BF"/>
+                </a:solidFill>
+                <a:effectLst/>
+                <a:latin typeface="Consolas" panose="020B0609020204030204" pitchFamily="49" charset="0"/>
+              </a:rPr>
+              <a:t>, </a:t>
+            </a:r>
+            <a:r>
+              <a:rPr lang="es-MX" sz="1200" b="0" dirty="0">
+                <a:solidFill>
+                  <a:srgbClr val="C678DD"/>
+                </a:solidFill>
+                <a:effectLst/>
+                <a:latin typeface="Consolas" panose="020B0609020204030204" pitchFamily="49" charset="0"/>
+              </a:rPr>
+              <a:t>&amp;</a:t>
+            </a:r>
+            <a:r>
+              <a:rPr lang="es-MX" sz="1200" b="0" dirty="0" err="1">
+                <a:solidFill>
+                  <a:srgbClr val="E06C75"/>
+                </a:solidFill>
+                <a:effectLst/>
+                <a:latin typeface="Consolas" panose="020B0609020204030204" pitchFamily="49" charset="0"/>
+              </a:rPr>
+              <a:t>rectanguloB</a:t>
+            </a:r>
+            <a:r>
+              <a:rPr lang="es-MX" sz="1200" b="0" dirty="0">
+                <a:solidFill>
+                  <a:srgbClr val="ABB2BF"/>
+                </a:solidFill>
+                <a:effectLst/>
+                <a:latin typeface="Consolas" panose="020B0609020204030204" pitchFamily="49" charset="0"/>
+              </a:rPr>
+              <a:t>);</a:t>
+            </a:r>
+          </a:p>
+          <a:p>
+            <a:r>
+              <a:rPr lang="es-MX" sz="1200" b="0" dirty="0">
+                <a:solidFill>
+                  <a:srgbClr val="ABB2BF"/>
+                </a:solidFill>
+                <a:effectLst/>
+                <a:latin typeface="Consolas" panose="020B0609020204030204" pitchFamily="49" charset="0"/>
+              </a:rPr>
+              <a:t>    </a:t>
+            </a:r>
+            <a:r>
+              <a:rPr lang="es-MX" sz="1200" b="1" dirty="0" err="1">
+                <a:solidFill>
+                  <a:srgbClr val="61AFEF"/>
+                </a:solidFill>
+                <a:effectLst/>
+                <a:latin typeface="Consolas" panose="020B0609020204030204" pitchFamily="49" charset="0"/>
+              </a:rPr>
+              <a:t>printf</a:t>
+            </a:r>
+            <a:r>
+              <a:rPr lang="es-MX" sz="1200" b="0" dirty="0">
+                <a:solidFill>
+                  <a:srgbClr val="ABB2BF"/>
+                </a:solidFill>
+                <a:effectLst/>
+                <a:latin typeface="Consolas" panose="020B0609020204030204" pitchFamily="49" charset="0"/>
+              </a:rPr>
+              <a:t>(</a:t>
+            </a:r>
+            <a:r>
+              <a:rPr lang="es-MX" sz="1200" b="0" dirty="0">
+                <a:solidFill>
+                  <a:srgbClr val="98C379"/>
+                </a:solidFill>
+                <a:effectLst/>
+                <a:latin typeface="Consolas" panose="020B0609020204030204" pitchFamily="49" charset="0"/>
+              </a:rPr>
+              <a:t>"</a:t>
+            </a:r>
+            <a:r>
+              <a:rPr lang="es-MX" sz="1200" b="0" dirty="0">
+                <a:solidFill>
+                  <a:srgbClr val="56B6C2"/>
+                </a:solidFill>
+                <a:effectLst/>
+                <a:latin typeface="Consolas" panose="020B0609020204030204" pitchFamily="49" charset="0"/>
+              </a:rPr>
+              <a:t>\</a:t>
+            </a:r>
+            <a:r>
+              <a:rPr lang="es-MX" sz="1200" b="0" dirty="0" err="1">
+                <a:solidFill>
+                  <a:srgbClr val="56B6C2"/>
+                </a:solidFill>
+                <a:effectLst/>
+                <a:latin typeface="Consolas" panose="020B0609020204030204" pitchFamily="49" charset="0"/>
+              </a:rPr>
+              <a:t>n</a:t>
+            </a:r>
+            <a:r>
+              <a:rPr lang="es-MX" sz="1200" b="0" dirty="0" err="1">
+                <a:solidFill>
+                  <a:srgbClr val="98C379"/>
+                </a:solidFill>
+                <a:effectLst/>
+                <a:latin typeface="Consolas" panose="020B0609020204030204" pitchFamily="49" charset="0"/>
+              </a:rPr>
+              <a:t>Introduce</a:t>
+            </a:r>
+            <a:r>
+              <a:rPr lang="es-MX" sz="1200" b="0" dirty="0">
+                <a:solidFill>
+                  <a:srgbClr val="98C379"/>
+                </a:solidFill>
+                <a:effectLst/>
+                <a:latin typeface="Consolas" panose="020B0609020204030204" pitchFamily="49" charset="0"/>
+              </a:rPr>
+              <a:t> la medida de la altura del </a:t>
+            </a:r>
+            <a:r>
+              <a:rPr lang="es-MX" sz="1200" b="0" dirty="0" err="1">
+                <a:solidFill>
+                  <a:srgbClr val="98C379"/>
+                </a:solidFill>
+                <a:effectLst/>
+                <a:latin typeface="Consolas" panose="020B0609020204030204" pitchFamily="49" charset="0"/>
+              </a:rPr>
+              <a:t>rectangulo</a:t>
+            </a:r>
+            <a:r>
+              <a:rPr lang="es-MX" sz="1200" b="0" dirty="0">
+                <a:solidFill>
+                  <a:srgbClr val="98C379"/>
+                </a:solidFill>
+                <a:effectLst/>
+                <a:latin typeface="Consolas" panose="020B0609020204030204" pitchFamily="49" charset="0"/>
+              </a:rPr>
+              <a:t>: "</a:t>
+            </a:r>
+            <a:r>
+              <a:rPr lang="es-MX" sz="1200" b="0" dirty="0">
+                <a:solidFill>
+                  <a:srgbClr val="ABB2BF"/>
+                </a:solidFill>
+                <a:effectLst/>
+                <a:latin typeface="Consolas" panose="020B0609020204030204" pitchFamily="49" charset="0"/>
+              </a:rPr>
+              <a:t>);</a:t>
+            </a:r>
+          </a:p>
+          <a:p>
+            <a:r>
+              <a:rPr lang="es-MX" sz="1200" b="0" dirty="0">
+                <a:solidFill>
+                  <a:srgbClr val="ABB2BF"/>
+                </a:solidFill>
+                <a:effectLst/>
+                <a:latin typeface="Consolas" panose="020B0609020204030204" pitchFamily="49" charset="0"/>
+              </a:rPr>
+              <a:t>    </a:t>
+            </a:r>
+            <a:r>
+              <a:rPr lang="es-MX" sz="1200" b="1" dirty="0" err="1">
+                <a:solidFill>
+                  <a:srgbClr val="61AFEF"/>
+                </a:solidFill>
+                <a:effectLst/>
+                <a:latin typeface="Consolas" panose="020B0609020204030204" pitchFamily="49" charset="0"/>
+              </a:rPr>
+              <a:t>scanf</a:t>
+            </a:r>
+            <a:r>
+              <a:rPr lang="es-MX" sz="1200" b="0" dirty="0">
+                <a:solidFill>
+                  <a:srgbClr val="ABB2BF"/>
+                </a:solidFill>
+                <a:effectLst/>
+                <a:latin typeface="Consolas" panose="020B0609020204030204" pitchFamily="49" charset="0"/>
+              </a:rPr>
+              <a:t>(</a:t>
+            </a:r>
+            <a:r>
+              <a:rPr lang="es-MX" sz="1200" b="0" dirty="0">
+                <a:solidFill>
+                  <a:srgbClr val="98C379"/>
+                </a:solidFill>
+                <a:effectLst/>
+                <a:latin typeface="Consolas" panose="020B0609020204030204" pitchFamily="49" charset="0"/>
+              </a:rPr>
+              <a:t>"</a:t>
+            </a:r>
+            <a:r>
+              <a:rPr lang="es-MX" sz="1200" b="0" dirty="0">
+                <a:solidFill>
+                  <a:srgbClr val="D19A66"/>
+                </a:solidFill>
+                <a:effectLst/>
+                <a:latin typeface="Consolas" panose="020B0609020204030204" pitchFamily="49" charset="0"/>
+              </a:rPr>
+              <a:t>%f</a:t>
+            </a:r>
+            <a:r>
+              <a:rPr lang="es-MX" sz="1200" b="0" dirty="0">
+                <a:solidFill>
+                  <a:srgbClr val="98C379"/>
+                </a:solidFill>
+                <a:effectLst/>
+                <a:latin typeface="Consolas" panose="020B0609020204030204" pitchFamily="49" charset="0"/>
+              </a:rPr>
+              <a:t>"</a:t>
+            </a:r>
+            <a:r>
+              <a:rPr lang="es-MX" sz="1200" b="0" dirty="0">
+                <a:solidFill>
+                  <a:srgbClr val="ABB2BF"/>
+                </a:solidFill>
+                <a:effectLst/>
+                <a:latin typeface="Consolas" panose="020B0609020204030204" pitchFamily="49" charset="0"/>
+              </a:rPr>
+              <a:t>, </a:t>
+            </a:r>
+            <a:r>
+              <a:rPr lang="es-MX" sz="1200" b="0" dirty="0">
+                <a:solidFill>
+                  <a:srgbClr val="C678DD"/>
+                </a:solidFill>
+                <a:effectLst/>
+                <a:latin typeface="Consolas" panose="020B0609020204030204" pitchFamily="49" charset="0"/>
+              </a:rPr>
+              <a:t>&amp;</a:t>
+            </a:r>
+            <a:r>
+              <a:rPr lang="es-MX" sz="1200" b="0" dirty="0" err="1">
+                <a:solidFill>
+                  <a:srgbClr val="E06C75"/>
+                </a:solidFill>
+                <a:effectLst/>
+                <a:latin typeface="Consolas" panose="020B0609020204030204" pitchFamily="49" charset="0"/>
+              </a:rPr>
+              <a:t>rectanguloA</a:t>
+            </a:r>
+            <a:r>
+              <a:rPr lang="es-MX" sz="1200" b="0" dirty="0">
+                <a:solidFill>
+                  <a:srgbClr val="ABB2BF"/>
+                </a:solidFill>
+                <a:effectLst/>
+                <a:latin typeface="Consolas" panose="020B0609020204030204" pitchFamily="49" charset="0"/>
+              </a:rPr>
+              <a:t>);</a:t>
+            </a:r>
+          </a:p>
+          <a:p>
+            <a:r>
+              <a:rPr lang="es-MX" sz="1200" b="0" dirty="0">
+                <a:solidFill>
+                  <a:srgbClr val="ABB2BF"/>
+                </a:solidFill>
+                <a:effectLst/>
+                <a:latin typeface="Consolas" panose="020B0609020204030204" pitchFamily="49" charset="0"/>
+              </a:rPr>
+              <a:t>    </a:t>
+            </a:r>
+            <a:r>
+              <a:rPr lang="es-MX" sz="1200" b="1" dirty="0" err="1">
+                <a:solidFill>
+                  <a:srgbClr val="61AFEF"/>
+                </a:solidFill>
+                <a:effectLst/>
+                <a:latin typeface="Consolas" panose="020B0609020204030204" pitchFamily="49" charset="0"/>
+              </a:rPr>
+              <a:t>printf</a:t>
+            </a:r>
+            <a:r>
+              <a:rPr lang="es-MX" sz="1200" b="0" dirty="0">
+                <a:solidFill>
+                  <a:srgbClr val="ABB2BF"/>
+                </a:solidFill>
+                <a:effectLst/>
+                <a:latin typeface="Consolas" panose="020B0609020204030204" pitchFamily="49" charset="0"/>
+              </a:rPr>
+              <a:t>(</a:t>
+            </a:r>
+            <a:r>
+              <a:rPr lang="es-MX" sz="1200" b="0" dirty="0">
+                <a:solidFill>
+                  <a:srgbClr val="98C379"/>
+                </a:solidFill>
+                <a:effectLst/>
+                <a:latin typeface="Consolas" panose="020B0609020204030204" pitchFamily="49" charset="0"/>
+              </a:rPr>
+              <a:t>"</a:t>
+            </a:r>
+            <a:r>
+              <a:rPr lang="es-MX" sz="1200" b="0" dirty="0">
+                <a:solidFill>
+                  <a:srgbClr val="56B6C2"/>
+                </a:solidFill>
+                <a:effectLst/>
+                <a:latin typeface="Consolas" panose="020B0609020204030204" pitchFamily="49" charset="0"/>
+              </a:rPr>
+              <a:t>\</a:t>
+            </a:r>
+            <a:r>
+              <a:rPr lang="es-MX" sz="1200" b="0" dirty="0" err="1">
+                <a:solidFill>
+                  <a:srgbClr val="56B6C2"/>
+                </a:solidFill>
+                <a:effectLst/>
+                <a:latin typeface="Consolas" panose="020B0609020204030204" pitchFamily="49" charset="0"/>
+              </a:rPr>
+              <a:t>n</a:t>
+            </a:r>
+            <a:r>
+              <a:rPr lang="es-MX" sz="1200" b="0" dirty="0" err="1">
+                <a:solidFill>
+                  <a:srgbClr val="98C379"/>
+                </a:solidFill>
+                <a:effectLst/>
+                <a:latin typeface="Consolas" panose="020B0609020204030204" pitchFamily="49" charset="0"/>
+              </a:rPr>
+              <a:t>Introduce</a:t>
+            </a:r>
+            <a:r>
+              <a:rPr lang="es-MX" sz="1200" b="0" dirty="0">
+                <a:solidFill>
+                  <a:srgbClr val="98C379"/>
+                </a:solidFill>
+                <a:effectLst/>
+                <a:latin typeface="Consolas" panose="020B0609020204030204" pitchFamily="49" charset="0"/>
+              </a:rPr>
+              <a:t> la medida del lado del triangulo </a:t>
+            </a:r>
+            <a:r>
+              <a:rPr lang="es-MX" sz="1200" b="0" dirty="0" err="1">
+                <a:solidFill>
+                  <a:srgbClr val="98C379"/>
+                </a:solidFill>
+                <a:effectLst/>
+                <a:latin typeface="Consolas" panose="020B0609020204030204" pitchFamily="49" charset="0"/>
+              </a:rPr>
+              <a:t>equilatero</a:t>
+            </a:r>
+            <a:r>
+              <a:rPr lang="es-MX" sz="1200" b="0" dirty="0">
+                <a:solidFill>
+                  <a:srgbClr val="98C379"/>
+                </a:solidFill>
+                <a:effectLst/>
+                <a:latin typeface="Consolas" panose="020B0609020204030204" pitchFamily="49" charset="0"/>
+              </a:rPr>
+              <a:t>: "</a:t>
+            </a:r>
+            <a:r>
+              <a:rPr lang="es-MX" sz="1200" b="0" dirty="0">
+                <a:solidFill>
+                  <a:srgbClr val="ABB2BF"/>
+                </a:solidFill>
+                <a:effectLst/>
+                <a:latin typeface="Consolas" panose="020B0609020204030204" pitchFamily="49" charset="0"/>
+              </a:rPr>
+              <a:t>);</a:t>
+            </a:r>
+          </a:p>
+          <a:p>
+            <a:r>
+              <a:rPr lang="es-MX" sz="1200" b="0" dirty="0">
+                <a:solidFill>
+                  <a:srgbClr val="ABB2BF"/>
+                </a:solidFill>
+                <a:effectLst/>
+                <a:latin typeface="Consolas" panose="020B0609020204030204" pitchFamily="49" charset="0"/>
+              </a:rPr>
+              <a:t>    </a:t>
+            </a:r>
+            <a:r>
+              <a:rPr lang="es-MX" sz="1200" b="1" dirty="0" err="1">
+                <a:solidFill>
+                  <a:srgbClr val="61AFEF"/>
+                </a:solidFill>
+                <a:effectLst/>
+                <a:latin typeface="Consolas" panose="020B0609020204030204" pitchFamily="49" charset="0"/>
+              </a:rPr>
+              <a:t>scanf</a:t>
+            </a:r>
+            <a:r>
+              <a:rPr lang="es-MX" sz="1200" b="0" dirty="0">
+                <a:solidFill>
+                  <a:srgbClr val="ABB2BF"/>
+                </a:solidFill>
+                <a:effectLst/>
+                <a:latin typeface="Consolas" panose="020B0609020204030204" pitchFamily="49" charset="0"/>
+              </a:rPr>
+              <a:t>(</a:t>
+            </a:r>
+            <a:r>
+              <a:rPr lang="es-MX" sz="1200" b="0" dirty="0">
+                <a:solidFill>
+                  <a:srgbClr val="98C379"/>
+                </a:solidFill>
+                <a:effectLst/>
+                <a:latin typeface="Consolas" panose="020B0609020204030204" pitchFamily="49" charset="0"/>
+              </a:rPr>
+              <a:t>"</a:t>
+            </a:r>
+            <a:r>
+              <a:rPr lang="es-MX" sz="1200" b="0" dirty="0">
+                <a:solidFill>
+                  <a:srgbClr val="D19A66"/>
+                </a:solidFill>
+                <a:effectLst/>
+                <a:latin typeface="Consolas" panose="020B0609020204030204" pitchFamily="49" charset="0"/>
+              </a:rPr>
+              <a:t>%f</a:t>
+            </a:r>
+            <a:r>
+              <a:rPr lang="es-MX" sz="1200" b="0" dirty="0">
+                <a:solidFill>
+                  <a:srgbClr val="98C379"/>
+                </a:solidFill>
+                <a:effectLst/>
+                <a:latin typeface="Consolas" panose="020B0609020204030204" pitchFamily="49" charset="0"/>
+              </a:rPr>
+              <a:t>"</a:t>
+            </a:r>
+            <a:r>
+              <a:rPr lang="es-MX" sz="1200" b="0" dirty="0">
+                <a:solidFill>
+                  <a:srgbClr val="ABB2BF"/>
+                </a:solidFill>
+                <a:effectLst/>
+                <a:latin typeface="Consolas" panose="020B0609020204030204" pitchFamily="49" charset="0"/>
+              </a:rPr>
+              <a:t>, </a:t>
+            </a:r>
+            <a:r>
+              <a:rPr lang="es-MX" sz="1200" b="0" dirty="0">
+                <a:solidFill>
+                  <a:srgbClr val="C678DD"/>
+                </a:solidFill>
+                <a:effectLst/>
+                <a:latin typeface="Consolas" panose="020B0609020204030204" pitchFamily="49" charset="0"/>
+              </a:rPr>
+              <a:t>&amp;</a:t>
+            </a:r>
+            <a:r>
+              <a:rPr lang="es-MX" sz="1200" b="0" dirty="0" err="1">
+                <a:solidFill>
+                  <a:srgbClr val="E06C75"/>
+                </a:solidFill>
+                <a:effectLst/>
+                <a:latin typeface="Consolas" panose="020B0609020204030204" pitchFamily="49" charset="0"/>
+              </a:rPr>
+              <a:t>trianguloL</a:t>
+            </a:r>
+            <a:r>
+              <a:rPr lang="es-MX" sz="1200" b="0" dirty="0">
+                <a:solidFill>
+                  <a:srgbClr val="ABB2BF"/>
+                </a:solidFill>
+                <a:effectLst/>
+                <a:latin typeface="Consolas" panose="020B0609020204030204" pitchFamily="49" charset="0"/>
+              </a:rPr>
+              <a:t>);</a:t>
+            </a:r>
+          </a:p>
+          <a:p>
+            <a:r>
+              <a:rPr lang="es-MX" sz="1200" b="0" dirty="0">
+                <a:solidFill>
+                  <a:srgbClr val="ABB2BF"/>
+                </a:solidFill>
+                <a:effectLst/>
+                <a:latin typeface="Consolas" panose="020B0609020204030204" pitchFamily="49" charset="0"/>
+              </a:rPr>
+              <a:t>    </a:t>
+            </a:r>
+            <a:r>
+              <a:rPr lang="es-MX" sz="1200" b="1" dirty="0" err="1">
+                <a:solidFill>
+                  <a:srgbClr val="61AFEF"/>
+                </a:solidFill>
+                <a:effectLst/>
+                <a:latin typeface="Consolas" panose="020B0609020204030204" pitchFamily="49" charset="0"/>
+              </a:rPr>
+              <a:t>printf</a:t>
+            </a:r>
+            <a:r>
+              <a:rPr lang="es-MX" sz="1200" b="0" dirty="0">
+                <a:solidFill>
+                  <a:srgbClr val="ABB2BF"/>
+                </a:solidFill>
+                <a:effectLst/>
+                <a:latin typeface="Consolas" panose="020B0609020204030204" pitchFamily="49" charset="0"/>
+              </a:rPr>
+              <a:t>(</a:t>
+            </a:r>
+            <a:r>
+              <a:rPr lang="es-MX" sz="1200" b="0" dirty="0">
+                <a:solidFill>
+                  <a:srgbClr val="98C379"/>
+                </a:solidFill>
+                <a:effectLst/>
+                <a:latin typeface="Consolas" panose="020B0609020204030204" pitchFamily="49" charset="0"/>
+              </a:rPr>
+              <a:t>"</a:t>
+            </a:r>
+            <a:r>
+              <a:rPr lang="es-MX" sz="1200" b="0" dirty="0">
+                <a:solidFill>
+                  <a:srgbClr val="56B6C2"/>
+                </a:solidFill>
+                <a:effectLst/>
+                <a:latin typeface="Consolas" panose="020B0609020204030204" pitchFamily="49" charset="0"/>
+              </a:rPr>
+              <a:t>\</a:t>
+            </a:r>
+            <a:r>
+              <a:rPr lang="es-MX" sz="1200" b="0" dirty="0" err="1">
+                <a:solidFill>
+                  <a:srgbClr val="56B6C2"/>
+                </a:solidFill>
+                <a:effectLst/>
+                <a:latin typeface="Consolas" panose="020B0609020204030204" pitchFamily="49" charset="0"/>
+              </a:rPr>
+              <a:t>n</a:t>
+            </a:r>
+            <a:r>
+              <a:rPr lang="es-MX" sz="1200" b="0" dirty="0" err="1">
+                <a:solidFill>
+                  <a:srgbClr val="98C379"/>
+                </a:solidFill>
+                <a:effectLst/>
+                <a:latin typeface="Consolas" panose="020B0609020204030204" pitchFamily="49" charset="0"/>
+              </a:rPr>
+              <a:t>Introduce</a:t>
+            </a:r>
+            <a:r>
+              <a:rPr lang="es-MX" sz="1200" b="0" dirty="0">
+                <a:solidFill>
+                  <a:srgbClr val="98C379"/>
+                </a:solidFill>
+                <a:effectLst/>
+                <a:latin typeface="Consolas" panose="020B0609020204030204" pitchFamily="49" charset="0"/>
+              </a:rPr>
+              <a:t> la altura del triangulo: "</a:t>
+            </a:r>
+            <a:r>
+              <a:rPr lang="es-MX" sz="1200" b="0" dirty="0">
+                <a:solidFill>
+                  <a:srgbClr val="ABB2BF"/>
+                </a:solidFill>
+                <a:effectLst/>
+                <a:latin typeface="Consolas" panose="020B0609020204030204" pitchFamily="49" charset="0"/>
+              </a:rPr>
+              <a:t>);</a:t>
+            </a:r>
+          </a:p>
+          <a:p>
+            <a:r>
+              <a:rPr lang="es-MX" sz="1200" b="0" dirty="0">
+                <a:solidFill>
+                  <a:srgbClr val="ABB2BF"/>
+                </a:solidFill>
+                <a:effectLst/>
+                <a:latin typeface="Consolas" panose="020B0609020204030204" pitchFamily="49" charset="0"/>
+              </a:rPr>
+              <a:t>    </a:t>
+            </a:r>
+            <a:r>
+              <a:rPr lang="es-MX" sz="1200" b="1" dirty="0" err="1">
+                <a:solidFill>
+                  <a:srgbClr val="61AFEF"/>
+                </a:solidFill>
+                <a:effectLst/>
+                <a:latin typeface="Consolas" panose="020B0609020204030204" pitchFamily="49" charset="0"/>
+              </a:rPr>
+              <a:t>scanf</a:t>
+            </a:r>
+            <a:r>
+              <a:rPr lang="es-MX" sz="1200" b="0" dirty="0">
+                <a:solidFill>
+                  <a:srgbClr val="ABB2BF"/>
+                </a:solidFill>
+                <a:effectLst/>
+                <a:latin typeface="Consolas" panose="020B0609020204030204" pitchFamily="49" charset="0"/>
+              </a:rPr>
+              <a:t>(</a:t>
+            </a:r>
+            <a:r>
+              <a:rPr lang="es-MX" sz="1200" b="0" dirty="0">
+                <a:solidFill>
+                  <a:srgbClr val="98C379"/>
+                </a:solidFill>
+                <a:effectLst/>
+                <a:latin typeface="Consolas" panose="020B0609020204030204" pitchFamily="49" charset="0"/>
+              </a:rPr>
+              <a:t>"</a:t>
+            </a:r>
+            <a:r>
+              <a:rPr lang="es-MX" sz="1200" b="0" dirty="0">
+                <a:solidFill>
+                  <a:srgbClr val="D19A66"/>
+                </a:solidFill>
+                <a:effectLst/>
+                <a:latin typeface="Consolas" panose="020B0609020204030204" pitchFamily="49" charset="0"/>
+              </a:rPr>
+              <a:t>%f</a:t>
+            </a:r>
+            <a:r>
+              <a:rPr lang="es-MX" sz="1200" b="0" dirty="0">
+                <a:solidFill>
+                  <a:srgbClr val="98C379"/>
+                </a:solidFill>
+                <a:effectLst/>
+                <a:latin typeface="Consolas" panose="020B0609020204030204" pitchFamily="49" charset="0"/>
+              </a:rPr>
+              <a:t>"</a:t>
+            </a:r>
+            <a:r>
+              <a:rPr lang="es-MX" sz="1200" b="0" dirty="0">
+                <a:solidFill>
+                  <a:srgbClr val="ABB2BF"/>
+                </a:solidFill>
+                <a:effectLst/>
+                <a:latin typeface="Consolas" panose="020B0609020204030204" pitchFamily="49" charset="0"/>
+              </a:rPr>
+              <a:t>, </a:t>
+            </a:r>
+            <a:r>
+              <a:rPr lang="es-MX" sz="1200" b="0" dirty="0">
+                <a:solidFill>
+                  <a:srgbClr val="C678DD"/>
+                </a:solidFill>
+                <a:effectLst/>
+                <a:latin typeface="Consolas" panose="020B0609020204030204" pitchFamily="49" charset="0"/>
+              </a:rPr>
+              <a:t>&amp;</a:t>
+            </a:r>
+            <a:r>
+              <a:rPr lang="es-MX" sz="1200" b="0" dirty="0" err="1">
+                <a:solidFill>
+                  <a:srgbClr val="E06C75"/>
+                </a:solidFill>
+                <a:effectLst/>
+                <a:latin typeface="Consolas" panose="020B0609020204030204" pitchFamily="49" charset="0"/>
+              </a:rPr>
+              <a:t>trianguloA</a:t>
+            </a:r>
+            <a:r>
+              <a:rPr lang="es-MX" sz="1200" b="0" dirty="0">
+                <a:solidFill>
+                  <a:srgbClr val="ABB2BF"/>
+                </a:solidFill>
+                <a:effectLst/>
+                <a:latin typeface="Consolas" panose="020B0609020204030204" pitchFamily="49" charset="0"/>
+              </a:rPr>
+              <a:t>);</a:t>
+            </a:r>
+          </a:p>
+          <a:p>
+            <a:br>
+              <a:rPr lang="es-MX" sz="1200" b="0" dirty="0">
+                <a:solidFill>
+                  <a:srgbClr val="ABB2BF"/>
+                </a:solidFill>
+                <a:effectLst/>
+                <a:latin typeface="Consolas" panose="020B0609020204030204" pitchFamily="49" charset="0"/>
+              </a:rPr>
+            </a:br>
+            <a:r>
+              <a:rPr lang="es-MX" sz="1200" b="0" dirty="0">
+                <a:solidFill>
+                  <a:srgbClr val="ABB2BF"/>
+                </a:solidFill>
+                <a:effectLst/>
+                <a:latin typeface="Consolas" panose="020B0609020204030204" pitchFamily="49" charset="0"/>
+              </a:rPr>
+              <a:t>    </a:t>
+            </a:r>
+            <a:r>
+              <a:rPr lang="es-MX" sz="1200" b="0" dirty="0">
+                <a:solidFill>
+                  <a:srgbClr val="E06C75"/>
+                </a:solidFill>
+                <a:effectLst/>
+                <a:latin typeface="Consolas" panose="020B0609020204030204" pitchFamily="49" charset="0"/>
+              </a:rPr>
+              <a:t>cuadrado</a:t>
+            </a:r>
+            <a:r>
+              <a:rPr lang="es-MX" sz="1200" b="0" dirty="0">
+                <a:solidFill>
+                  <a:srgbClr val="ABB2BF"/>
+                </a:solidFill>
+                <a:effectLst/>
+                <a:latin typeface="Consolas" panose="020B0609020204030204" pitchFamily="49" charset="0"/>
+              </a:rPr>
+              <a:t> </a:t>
+            </a:r>
+            <a:r>
+              <a:rPr lang="es-MX" sz="1200" b="0" dirty="0">
+                <a:solidFill>
+                  <a:srgbClr val="C678DD"/>
+                </a:solidFill>
+                <a:effectLst/>
+                <a:latin typeface="Consolas" panose="020B0609020204030204" pitchFamily="49" charset="0"/>
+              </a:rPr>
+              <a:t>=</a:t>
+            </a:r>
+            <a:r>
+              <a:rPr lang="es-MX" sz="1200" b="0" dirty="0">
+                <a:solidFill>
+                  <a:srgbClr val="ABB2BF"/>
+                </a:solidFill>
+                <a:effectLst/>
+                <a:latin typeface="Consolas" panose="020B0609020204030204" pitchFamily="49" charset="0"/>
+              </a:rPr>
+              <a:t> </a:t>
+            </a:r>
+            <a:r>
+              <a:rPr lang="es-MX" sz="1200" b="0" dirty="0" err="1">
+                <a:solidFill>
+                  <a:srgbClr val="E06C75"/>
+                </a:solidFill>
+                <a:effectLst/>
+                <a:latin typeface="Consolas" panose="020B0609020204030204" pitchFamily="49" charset="0"/>
+              </a:rPr>
+              <a:t>cuadradoL</a:t>
+            </a:r>
+            <a:r>
+              <a:rPr lang="es-MX" sz="1200" b="0" dirty="0">
+                <a:solidFill>
+                  <a:srgbClr val="ABB2BF"/>
+                </a:solidFill>
+                <a:effectLst/>
+                <a:latin typeface="Consolas" panose="020B0609020204030204" pitchFamily="49" charset="0"/>
+              </a:rPr>
+              <a:t> </a:t>
+            </a:r>
+            <a:r>
+              <a:rPr lang="es-MX" sz="1200" b="0" dirty="0">
+                <a:solidFill>
+                  <a:srgbClr val="C678DD"/>
+                </a:solidFill>
+                <a:effectLst/>
+                <a:latin typeface="Consolas" panose="020B0609020204030204" pitchFamily="49" charset="0"/>
+              </a:rPr>
+              <a:t>*</a:t>
+            </a:r>
+            <a:r>
+              <a:rPr lang="es-MX" sz="1200" b="0" dirty="0">
+                <a:solidFill>
+                  <a:srgbClr val="ABB2BF"/>
+                </a:solidFill>
+                <a:effectLst/>
+                <a:latin typeface="Consolas" panose="020B0609020204030204" pitchFamily="49" charset="0"/>
+              </a:rPr>
+              <a:t> </a:t>
+            </a:r>
+            <a:r>
+              <a:rPr lang="es-MX" sz="1200" b="0" dirty="0" err="1">
+                <a:solidFill>
+                  <a:srgbClr val="E06C75"/>
+                </a:solidFill>
+                <a:effectLst/>
+                <a:latin typeface="Consolas" panose="020B0609020204030204" pitchFamily="49" charset="0"/>
+              </a:rPr>
+              <a:t>cuadradoL</a:t>
+            </a:r>
+            <a:r>
+              <a:rPr lang="es-MX" sz="1200" b="0" dirty="0">
+                <a:solidFill>
+                  <a:srgbClr val="ABB2BF"/>
+                </a:solidFill>
+                <a:effectLst/>
+                <a:latin typeface="Consolas" panose="020B0609020204030204" pitchFamily="49" charset="0"/>
+              </a:rPr>
+              <a:t>;</a:t>
+            </a:r>
+          </a:p>
+          <a:p>
+            <a:r>
+              <a:rPr lang="es-MX" sz="1200" b="0" dirty="0">
+                <a:solidFill>
+                  <a:srgbClr val="ABB2BF"/>
+                </a:solidFill>
+                <a:effectLst/>
+                <a:latin typeface="Consolas" panose="020B0609020204030204" pitchFamily="49" charset="0"/>
+              </a:rPr>
+              <a:t>    </a:t>
+            </a:r>
+            <a:r>
+              <a:rPr lang="es-MX" sz="1200" b="0" dirty="0">
+                <a:solidFill>
+                  <a:srgbClr val="E06C75"/>
+                </a:solidFill>
+                <a:effectLst/>
+                <a:latin typeface="Consolas" panose="020B0609020204030204" pitchFamily="49" charset="0"/>
+              </a:rPr>
+              <a:t>triangulo</a:t>
+            </a:r>
+            <a:r>
+              <a:rPr lang="es-MX" sz="1200" b="0" dirty="0">
+                <a:solidFill>
+                  <a:srgbClr val="ABB2BF"/>
+                </a:solidFill>
+                <a:effectLst/>
+                <a:latin typeface="Consolas" panose="020B0609020204030204" pitchFamily="49" charset="0"/>
+              </a:rPr>
+              <a:t> </a:t>
+            </a:r>
+            <a:r>
+              <a:rPr lang="es-MX" sz="1200" b="0" dirty="0">
+                <a:solidFill>
+                  <a:srgbClr val="C678DD"/>
+                </a:solidFill>
+                <a:effectLst/>
+                <a:latin typeface="Consolas" panose="020B0609020204030204" pitchFamily="49" charset="0"/>
+              </a:rPr>
+              <a:t>=</a:t>
+            </a:r>
+            <a:r>
+              <a:rPr lang="es-MX" sz="1200" b="0" dirty="0">
+                <a:solidFill>
+                  <a:srgbClr val="ABB2BF"/>
+                </a:solidFill>
+                <a:effectLst/>
+                <a:latin typeface="Consolas" panose="020B0609020204030204" pitchFamily="49" charset="0"/>
+              </a:rPr>
+              <a:t> (</a:t>
+            </a:r>
+            <a:r>
+              <a:rPr lang="es-MX" sz="1200" b="0" dirty="0" err="1">
+                <a:solidFill>
+                  <a:srgbClr val="E06C75"/>
+                </a:solidFill>
+                <a:effectLst/>
+                <a:latin typeface="Consolas" panose="020B0609020204030204" pitchFamily="49" charset="0"/>
+              </a:rPr>
+              <a:t>trianguloA</a:t>
+            </a:r>
+            <a:r>
+              <a:rPr lang="es-MX" sz="1200" b="0" dirty="0">
+                <a:solidFill>
+                  <a:srgbClr val="C678DD"/>
+                </a:solidFill>
+                <a:effectLst/>
+                <a:latin typeface="Consolas" panose="020B0609020204030204" pitchFamily="49" charset="0"/>
+              </a:rPr>
+              <a:t>*</a:t>
+            </a:r>
+            <a:r>
+              <a:rPr lang="es-MX" sz="1200" b="0" dirty="0" err="1">
+                <a:solidFill>
+                  <a:srgbClr val="E06C75"/>
+                </a:solidFill>
+                <a:effectLst/>
+                <a:latin typeface="Consolas" panose="020B0609020204030204" pitchFamily="49" charset="0"/>
+              </a:rPr>
+              <a:t>trianguloL</a:t>
+            </a:r>
+            <a:r>
+              <a:rPr lang="es-MX" sz="1200" b="0" dirty="0">
+                <a:solidFill>
+                  <a:srgbClr val="ABB2BF"/>
+                </a:solidFill>
+                <a:effectLst/>
+                <a:latin typeface="Consolas" panose="020B0609020204030204" pitchFamily="49" charset="0"/>
+              </a:rPr>
+              <a:t>)</a:t>
+            </a:r>
+            <a:r>
+              <a:rPr lang="es-MX" sz="1200" b="0" dirty="0">
+                <a:solidFill>
+                  <a:srgbClr val="C678DD"/>
+                </a:solidFill>
+                <a:effectLst/>
+                <a:latin typeface="Consolas" panose="020B0609020204030204" pitchFamily="49" charset="0"/>
+              </a:rPr>
+              <a:t>/</a:t>
+            </a:r>
+            <a:r>
+              <a:rPr lang="es-MX" sz="1200" b="0" dirty="0">
+                <a:solidFill>
+                  <a:srgbClr val="D19A66"/>
+                </a:solidFill>
+                <a:effectLst/>
+                <a:latin typeface="Consolas" panose="020B0609020204030204" pitchFamily="49" charset="0"/>
+              </a:rPr>
+              <a:t>2</a:t>
+            </a:r>
+            <a:r>
+              <a:rPr lang="es-MX" sz="1200" b="0" dirty="0">
+                <a:solidFill>
+                  <a:srgbClr val="ABB2BF"/>
+                </a:solidFill>
+                <a:effectLst/>
+                <a:latin typeface="Consolas" panose="020B0609020204030204" pitchFamily="49" charset="0"/>
+              </a:rPr>
+              <a:t>;</a:t>
+            </a:r>
+          </a:p>
+          <a:p>
+            <a:r>
+              <a:rPr lang="es-MX" sz="1200" b="0" dirty="0">
+                <a:solidFill>
+                  <a:srgbClr val="ABB2BF"/>
+                </a:solidFill>
+                <a:effectLst/>
+                <a:latin typeface="Consolas" panose="020B0609020204030204" pitchFamily="49" charset="0"/>
+              </a:rPr>
+              <a:t>    </a:t>
+            </a:r>
+            <a:r>
+              <a:rPr lang="es-MX" sz="1200" b="0" dirty="0" err="1">
+                <a:solidFill>
+                  <a:srgbClr val="E06C75"/>
+                </a:solidFill>
+                <a:effectLst/>
+                <a:latin typeface="Consolas" panose="020B0609020204030204" pitchFamily="49" charset="0"/>
+              </a:rPr>
+              <a:t>rectangulo</a:t>
+            </a:r>
+            <a:r>
+              <a:rPr lang="es-MX" sz="1200" b="0" dirty="0">
+                <a:solidFill>
+                  <a:srgbClr val="ABB2BF"/>
+                </a:solidFill>
+                <a:effectLst/>
+                <a:latin typeface="Consolas" panose="020B0609020204030204" pitchFamily="49" charset="0"/>
+              </a:rPr>
+              <a:t> </a:t>
+            </a:r>
+            <a:r>
+              <a:rPr lang="es-MX" sz="1200" b="0" dirty="0">
+                <a:solidFill>
+                  <a:srgbClr val="C678DD"/>
+                </a:solidFill>
+                <a:effectLst/>
+                <a:latin typeface="Consolas" panose="020B0609020204030204" pitchFamily="49" charset="0"/>
+              </a:rPr>
+              <a:t>=</a:t>
+            </a:r>
+            <a:r>
+              <a:rPr lang="es-MX" sz="1200" b="0" dirty="0">
+                <a:solidFill>
+                  <a:srgbClr val="ABB2BF"/>
+                </a:solidFill>
+                <a:effectLst/>
+                <a:latin typeface="Consolas" panose="020B0609020204030204" pitchFamily="49" charset="0"/>
+              </a:rPr>
+              <a:t> </a:t>
+            </a:r>
+            <a:r>
+              <a:rPr lang="es-MX" sz="1200" b="0" dirty="0" err="1">
+                <a:solidFill>
+                  <a:srgbClr val="E06C75"/>
+                </a:solidFill>
+                <a:effectLst/>
+                <a:latin typeface="Consolas" panose="020B0609020204030204" pitchFamily="49" charset="0"/>
+              </a:rPr>
+              <a:t>rectanguloA</a:t>
+            </a:r>
+            <a:r>
+              <a:rPr lang="es-MX" sz="1200" b="0" dirty="0">
+                <a:solidFill>
+                  <a:srgbClr val="ABB2BF"/>
+                </a:solidFill>
+                <a:effectLst/>
+                <a:latin typeface="Consolas" panose="020B0609020204030204" pitchFamily="49" charset="0"/>
+              </a:rPr>
+              <a:t> </a:t>
+            </a:r>
+            <a:r>
+              <a:rPr lang="es-MX" sz="1200" b="0" dirty="0">
+                <a:solidFill>
+                  <a:srgbClr val="C678DD"/>
+                </a:solidFill>
+                <a:effectLst/>
+                <a:latin typeface="Consolas" panose="020B0609020204030204" pitchFamily="49" charset="0"/>
+              </a:rPr>
+              <a:t>*</a:t>
+            </a:r>
+            <a:r>
+              <a:rPr lang="es-MX" sz="1200" b="0" dirty="0">
+                <a:solidFill>
+                  <a:srgbClr val="ABB2BF"/>
+                </a:solidFill>
+                <a:effectLst/>
+                <a:latin typeface="Consolas" panose="020B0609020204030204" pitchFamily="49" charset="0"/>
+              </a:rPr>
+              <a:t> </a:t>
+            </a:r>
+            <a:r>
+              <a:rPr lang="es-MX" sz="1200" b="0" dirty="0" err="1">
+                <a:solidFill>
+                  <a:srgbClr val="E06C75"/>
+                </a:solidFill>
+                <a:effectLst/>
+                <a:latin typeface="Consolas" panose="020B0609020204030204" pitchFamily="49" charset="0"/>
+              </a:rPr>
+              <a:t>rectanguloB</a:t>
+            </a:r>
+            <a:r>
+              <a:rPr lang="es-MX" sz="1200" b="0" dirty="0">
+                <a:solidFill>
+                  <a:srgbClr val="ABB2BF"/>
+                </a:solidFill>
+                <a:effectLst/>
+                <a:latin typeface="Consolas" panose="020B0609020204030204" pitchFamily="49" charset="0"/>
+              </a:rPr>
+              <a:t>;</a:t>
+            </a:r>
+          </a:p>
+          <a:p>
+            <a:br>
+              <a:rPr lang="es-MX" sz="1200" b="0" dirty="0">
+                <a:solidFill>
+                  <a:srgbClr val="ABB2BF"/>
+                </a:solidFill>
+                <a:effectLst/>
+                <a:latin typeface="Consolas" panose="020B0609020204030204" pitchFamily="49" charset="0"/>
+              </a:rPr>
+            </a:br>
+            <a:r>
+              <a:rPr lang="es-MX" sz="1200" b="0" dirty="0">
+                <a:solidFill>
+                  <a:srgbClr val="ABB2BF"/>
+                </a:solidFill>
+                <a:effectLst/>
+                <a:latin typeface="Consolas" panose="020B0609020204030204" pitchFamily="49" charset="0"/>
+              </a:rPr>
+              <a:t>    </a:t>
+            </a:r>
+            <a:r>
+              <a:rPr lang="es-MX" sz="1200" b="1" dirty="0" err="1">
+                <a:solidFill>
+                  <a:srgbClr val="61AFEF"/>
+                </a:solidFill>
+                <a:effectLst/>
+                <a:latin typeface="Consolas" panose="020B0609020204030204" pitchFamily="49" charset="0"/>
+              </a:rPr>
+              <a:t>printf</a:t>
+            </a:r>
+            <a:r>
+              <a:rPr lang="es-MX" sz="1200" b="0" dirty="0">
+                <a:solidFill>
+                  <a:srgbClr val="ABB2BF"/>
+                </a:solidFill>
+                <a:effectLst/>
+                <a:latin typeface="Consolas" panose="020B0609020204030204" pitchFamily="49" charset="0"/>
+              </a:rPr>
+              <a:t>(</a:t>
+            </a:r>
+            <a:r>
+              <a:rPr lang="es-MX" sz="1200" b="0" dirty="0">
+                <a:solidFill>
+                  <a:srgbClr val="98C379"/>
+                </a:solidFill>
+                <a:effectLst/>
+                <a:latin typeface="Consolas" panose="020B0609020204030204" pitchFamily="49" charset="0"/>
+              </a:rPr>
+              <a:t>"</a:t>
+            </a:r>
+            <a:r>
+              <a:rPr lang="es-MX" sz="1200" b="0" dirty="0">
+                <a:solidFill>
+                  <a:srgbClr val="56B6C2"/>
+                </a:solidFill>
+                <a:effectLst/>
+                <a:latin typeface="Consolas" panose="020B0609020204030204" pitchFamily="49" charset="0"/>
+              </a:rPr>
+              <a:t>\</a:t>
+            </a:r>
+            <a:r>
+              <a:rPr lang="es-MX" sz="1200" b="0" dirty="0" err="1">
+                <a:solidFill>
+                  <a:srgbClr val="56B6C2"/>
+                </a:solidFill>
+                <a:effectLst/>
+                <a:latin typeface="Consolas" panose="020B0609020204030204" pitchFamily="49" charset="0"/>
+              </a:rPr>
+              <a:t>n</a:t>
+            </a:r>
+            <a:r>
+              <a:rPr lang="es-MX" sz="1200" b="0" dirty="0" err="1">
+                <a:solidFill>
+                  <a:srgbClr val="98C379"/>
+                </a:solidFill>
+                <a:effectLst/>
+                <a:latin typeface="Consolas" panose="020B0609020204030204" pitchFamily="49" charset="0"/>
+              </a:rPr>
+              <a:t>El</a:t>
+            </a:r>
+            <a:r>
+              <a:rPr lang="es-MX" sz="1200" b="0" dirty="0">
+                <a:solidFill>
+                  <a:srgbClr val="98C379"/>
+                </a:solidFill>
+                <a:effectLst/>
+                <a:latin typeface="Consolas" panose="020B0609020204030204" pitchFamily="49" charset="0"/>
+              </a:rPr>
+              <a:t> </a:t>
+            </a:r>
+            <a:r>
+              <a:rPr lang="es-MX" sz="1200" b="0" dirty="0" err="1">
+                <a:solidFill>
+                  <a:srgbClr val="98C379"/>
+                </a:solidFill>
+                <a:effectLst/>
+                <a:latin typeface="Consolas" panose="020B0609020204030204" pitchFamily="49" charset="0"/>
+              </a:rPr>
+              <a:t>area</a:t>
+            </a:r>
+            <a:r>
+              <a:rPr lang="es-MX" sz="1200" b="0" dirty="0">
+                <a:solidFill>
+                  <a:srgbClr val="98C379"/>
+                </a:solidFill>
+                <a:effectLst/>
+                <a:latin typeface="Consolas" panose="020B0609020204030204" pitchFamily="49" charset="0"/>
+              </a:rPr>
+              <a:t> del cuadrado es: </a:t>
+            </a:r>
+            <a:r>
+              <a:rPr lang="es-MX" sz="1200" b="0" dirty="0">
+                <a:solidFill>
+                  <a:srgbClr val="D19A66"/>
+                </a:solidFill>
+                <a:effectLst/>
+                <a:latin typeface="Consolas" panose="020B0609020204030204" pitchFamily="49" charset="0"/>
+              </a:rPr>
+              <a:t>%.3f</a:t>
+            </a:r>
+            <a:r>
+              <a:rPr lang="es-MX" sz="1200" b="0" dirty="0">
+                <a:solidFill>
+                  <a:srgbClr val="98C379"/>
+                </a:solidFill>
+                <a:effectLst/>
+                <a:latin typeface="Consolas" panose="020B0609020204030204" pitchFamily="49" charset="0"/>
+              </a:rPr>
+              <a:t> unidades cubicas "</a:t>
+            </a:r>
+            <a:r>
+              <a:rPr lang="es-MX" sz="1200" b="0" dirty="0">
+                <a:solidFill>
+                  <a:srgbClr val="ABB2BF"/>
+                </a:solidFill>
+                <a:effectLst/>
+                <a:latin typeface="Consolas" panose="020B0609020204030204" pitchFamily="49" charset="0"/>
+              </a:rPr>
+              <a:t>, </a:t>
+            </a:r>
+            <a:r>
+              <a:rPr lang="es-MX" sz="1200" b="0" dirty="0">
+                <a:solidFill>
+                  <a:srgbClr val="E06C75"/>
+                </a:solidFill>
+                <a:effectLst/>
+                <a:latin typeface="Consolas" panose="020B0609020204030204" pitchFamily="49" charset="0"/>
+              </a:rPr>
+              <a:t>cuadrado</a:t>
+            </a:r>
+            <a:r>
+              <a:rPr lang="es-MX" sz="1200" b="0" dirty="0">
+                <a:solidFill>
+                  <a:srgbClr val="ABB2BF"/>
+                </a:solidFill>
+                <a:effectLst/>
+                <a:latin typeface="Consolas" panose="020B0609020204030204" pitchFamily="49" charset="0"/>
+              </a:rPr>
+              <a:t>);</a:t>
+            </a:r>
+          </a:p>
+          <a:p>
+            <a:r>
+              <a:rPr lang="es-MX" sz="1200" b="0" dirty="0">
+                <a:solidFill>
+                  <a:srgbClr val="ABB2BF"/>
+                </a:solidFill>
+                <a:effectLst/>
+                <a:latin typeface="Consolas" panose="020B0609020204030204" pitchFamily="49" charset="0"/>
+              </a:rPr>
+              <a:t>    </a:t>
+            </a:r>
+            <a:r>
+              <a:rPr lang="es-MX" sz="1200" b="1" dirty="0" err="1">
+                <a:solidFill>
+                  <a:srgbClr val="61AFEF"/>
+                </a:solidFill>
+                <a:effectLst/>
+                <a:latin typeface="Consolas" panose="020B0609020204030204" pitchFamily="49" charset="0"/>
+              </a:rPr>
+              <a:t>printf</a:t>
+            </a:r>
+            <a:r>
+              <a:rPr lang="es-MX" sz="1200" b="0" dirty="0">
+                <a:solidFill>
+                  <a:srgbClr val="ABB2BF"/>
+                </a:solidFill>
+                <a:effectLst/>
+                <a:latin typeface="Consolas" panose="020B0609020204030204" pitchFamily="49" charset="0"/>
+              </a:rPr>
+              <a:t>(</a:t>
+            </a:r>
+            <a:r>
+              <a:rPr lang="es-MX" sz="1200" b="0" dirty="0">
+                <a:solidFill>
+                  <a:srgbClr val="98C379"/>
+                </a:solidFill>
+                <a:effectLst/>
+                <a:latin typeface="Consolas" panose="020B0609020204030204" pitchFamily="49" charset="0"/>
+              </a:rPr>
+              <a:t>"</a:t>
+            </a:r>
+            <a:r>
+              <a:rPr lang="es-MX" sz="1200" b="0" dirty="0">
+                <a:solidFill>
+                  <a:srgbClr val="56B6C2"/>
+                </a:solidFill>
+                <a:effectLst/>
+                <a:latin typeface="Consolas" panose="020B0609020204030204" pitchFamily="49" charset="0"/>
+              </a:rPr>
+              <a:t>\</a:t>
+            </a:r>
+            <a:r>
+              <a:rPr lang="es-MX" sz="1200" b="0" dirty="0" err="1">
+                <a:solidFill>
+                  <a:srgbClr val="56B6C2"/>
+                </a:solidFill>
+                <a:effectLst/>
+                <a:latin typeface="Consolas" panose="020B0609020204030204" pitchFamily="49" charset="0"/>
+              </a:rPr>
+              <a:t>n</a:t>
+            </a:r>
+            <a:r>
+              <a:rPr lang="es-MX" sz="1200" b="0" dirty="0" err="1">
+                <a:solidFill>
+                  <a:srgbClr val="98C379"/>
+                </a:solidFill>
+                <a:effectLst/>
+                <a:latin typeface="Consolas" panose="020B0609020204030204" pitchFamily="49" charset="0"/>
+              </a:rPr>
+              <a:t>El</a:t>
+            </a:r>
+            <a:r>
+              <a:rPr lang="es-MX" sz="1200" b="0" dirty="0">
+                <a:solidFill>
+                  <a:srgbClr val="98C379"/>
+                </a:solidFill>
+                <a:effectLst/>
+                <a:latin typeface="Consolas" panose="020B0609020204030204" pitchFamily="49" charset="0"/>
+              </a:rPr>
+              <a:t> </a:t>
+            </a:r>
+            <a:r>
+              <a:rPr lang="es-MX" sz="1200" b="0" dirty="0" err="1">
+                <a:solidFill>
+                  <a:srgbClr val="98C379"/>
+                </a:solidFill>
+                <a:effectLst/>
+                <a:latin typeface="Consolas" panose="020B0609020204030204" pitchFamily="49" charset="0"/>
+              </a:rPr>
+              <a:t>area</a:t>
+            </a:r>
+            <a:r>
+              <a:rPr lang="es-MX" sz="1200" b="0" dirty="0">
+                <a:solidFill>
+                  <a:srgbClr val="98C379"/>
+                </a:solidFill>
+                <a:effectLst/>
+                <a:latin typeface="Consolas" panose="020B0609020204030204" pitchFamily="49" charset="0"/>
+              </a:rPr>
+              <a:t> del </a:t>
+            </a:r>
+            <a:r>
+              <a:rPr lang="es-MX" sz="1200" b="0" dirty="0" err="1">
+                <a:solidFill>
+                  <a:srgbClr val="98C379"/>
+                </a:solidFill>
+                <a:effectLst/>
+                <a:latin typeface="Consolas" panose="020B0609020204030204" pitchFamily="49" charset="0"/>
+              </a:rPr>
+              <a:t>rectangulo</a:t>
+            </a:r>
+            <a:r>
+              <a:rPr lang="es-MX" sz="1200" b="0" dirty="0">
+                <a:solidFill>
+                  <a:srgbClr val="98C379"/>
+                </a:solidFill>
+                <a:effectLst/>
+                <a:latin typeface="Consolas" panose="020B0609020204030204" pitchFamily="49" charset="0"/>
+              </a:rPr>
+              <a:t> es: </a:t>
+            </a:r>
+            <a:r>
+              <a:rPr lang="es-MX" sz="1200" b="0" dirty="0">
+                <a:solidFill>
+                  <a:srgbClr val="D19A66"/>
+                </a:solidFill>
+                <a:effectLst/>
+                <a:latin typeface="Consolas" panose="020B0609020204030204" pitchFamily="49" charset="0"/>
+              </a:rPr>
+              <a:t>%.3f</a:t>
+            </a:r>
+            <a:r>
+              <a:rPr lang="es-MX" sz="1200" b="0" dirty="0">
+                <a:solidFill>
+                  <a:srgbClr val="98C379"/>
+                </a:solidFill>
+                <a:effectLst/>
+                <a:latin typeface="Consolas" panose="020B0609020204030204" pitchFamily="49" charset="0"/>
+              </a:rPr>
+              <a:t> unidades cubicas "</a:t>
+            </a:r>
+            <a:r>
+              <a:rPr lang="es-MX" sz="1200" b="0" dirty="0">
+                <a:solidFill>
+                  <a:srgbClr val="ABB2BF"/>
+                </a:solidFill>
+                <a:effectLst/>
+                <a:latin typeface="Consolas" panose="020B0609020204030204" pitchFamily="49" charset="0"/>
+              </a:rPr>
+              <a:t>, </a:t>
+            </a:r>
+            <a:r>
+              <a:rPr lang="es-MX" sz="1200" b="0" dirty="0" err="1">
+                <a:solidFill>
+                  <a:srgbClr val="E06C75"/>
+                </a:solidFill>
+                <a:effectLst/>
+                <a:latin typeface="Consolas" panose="020B0609020204030204" pitchFamily="49" charset="0"/>
+              </a:rPr>
+              <a:t>rectangulo</a:t>
+            </a:r>
+            <a:r>
+              <a:rPr lang="es-MX" sz="1200" b="0" dirty="0">
+                <a:solidFill>
+                  <a:srgbClr val="ABB2BF"/>
+                </a:solidFill>
+                <a:effectLst/>
+                <a:latin typeface="Consolas" panose="020B0609020204030204" pitchFamily="49" charset="0"/>
+              </a:rPr>
+              <a:t>);</a:t>
+            </a:r>
+          </a:p>
+          <a:p>
+            <a:r>
+              <a:rPr lang="es-MX" sz="1200" b="0" dirty="0">
+                <a:solidFill>
+                  <a:srgbClr val="ABB2BF"/>
+                </a:solidFill>
+                <a:effectLst/>
+                <a:latin typeface="Consolas" panose="020B0609020204030204" pitchFamily="49" charset="0"/>
+              </a:rPr>
+              <a:t>    </a:t>
+            </a:r>
+            <a:r>
+              <a:rPr lang="es-MX" sz="1200" b="1" dirty="0" err="1">
+                <a:solidFill>
+                  <a:srgbClr val="61AFEF"/>
+                </a:solidFill>
+                <a:effectLst/>
+                <a:latin typeface="Consolas" panose="020B0609020204030204" pitchFamily="49" charset="0"/>
+              </a:rPr>
+              <a:t>printf</a:t>
+            </a:r>
+            <a:r>
+              <a:rPr lang="es-MX" sz="1200" b="0" dirty="0">
+                <a:solidFill>
+                  <a:srgbClr val="ABB2BF"/>
+                </a:solidFill>
+                <a:effectLst/>
+                <a:latin typeface="Consolas" panose="020B0609020204030204" pitchFamily="49" charset="0"/>
+              </a:rPr>
+              <a:t>(</a:t>
+            </a:r>
+            <a:r>
+              <a:rPr lang="es-MX" sz="1200" b="0" dirty="0">
+                <a:solidFill>
+                  <a:srgbClr val="98C379"/>
+                </a:solidFill>
+                <a:effectLst/>
+                <a:latin typeface="Consolas" panose="020B0609020204030204" pitchFamily="49" charset="0"/>
+              </a:rPr>
+              <a:t>"</a:t>
+            </a:r>
+            <a:r>
+              <a:rPr lang="es-MX" sz="1200" b="0" dirty="0">
+                <a:solidFill>
+                  <a:srgbClr val="56B6C2"/>
+                </a:solidFill>
+                <a:effectLst/>
+                <a:latin typeface="Consolas" panose="020B0609020204030204" pitchFamily="49" charset="0"/>
+              </a:rPr>
+              <a:t>\</a:t>
+            </a:r>
+            <a:r>
+              <a:rPr lang="es-MX" sz="1200" b="0" dirty="0" err="1">
+                <a:solidFill>
+                  <a:srgbClr val="56B6C2"/>
+                </a:solidFill>
+                <a:effectLst/>
+                <a:latin typeface="Consolas" panose="020B0609020204030204" pitchFamily="49" charset="0"/>
+              </a:rPr>
+              <a:t>n</a:t>
+            </a:r>
+            <a:r>
+              <a:rPr lang="es-MX" sz="1200" b="0" dirty="0" err="1">
+                <a:solidFill>
+                  <a:srgbClr val="98C379"/>
+                </a:solidFill>
+                <a:effectLst/>
+                <a:latin typeface="Consolas" panose="020B0609020204030204" pitchFamily="49" charset="0"/>
+              </a:rPr>
+              <a:t>El</a:t>
+            </a:r>
+            <a:r>
+              <a:rPr lang="es-MX" sz="1200" b="0" dirty="0">
+                <a:solidFill>
+                  <a:srgbClr val="98C379"/>
+                </a:solidFill>
+                <a:effectLst/>
+                <a:latin typeface="Consolas" panose="020B0609020204030204" pitchFamily="49" charset="0"/>
+              </a:rPr>
+              <a:t> </a:t>
+            </a:r>
+            <a:r>
+              <a:rPr lang="es-MX" sz="1200" b="0" dirty="0" err="1">
+                <a:solidFill>
+                  <a:srgbClr val="98C379"/>
+                </a:solidFill>
+                <a:effectLst/>
+                <a:latin typeface="Consolas" panose="020B0609020204030204" pitchFamily="49" charset="0"/>
+              </a:rPr>
+              <a:t>area</a:t>
+            </a:r>
+            <a:r>
+              <a:rPr lang="es-MX" sz="1200" b="0" dirty="0">
+                <a:solidFill>
+                  <a:srgbClr val="98C379"/>
+                </a:solidFill>
+                <a:effectLst/>
+                <a:latin typeface="Consolas" panose="020B0609020204030204" pitchFamily="49" charset="0"/>
+              </a:rPr>
+              <a:t> del triangulo es: </a:t>
+            </a:r>
+            <a:r>
+              <a:rPr lang="es-MX" sz="1200" b="0" dirty="0">
+                <a:solidFill>
+                  <a:srgbClr val="D19A66"/>
+                </a:solidFill>
+                <a:effectLst/>
+                <a:latin typeface="Consolas" panose="020B0609020204030204" pitchFamily="49" charset="0"/>
+              </a:rPr>
+              <a:t>%.3f</a:t>
+            </a:r>
+            <a:r>
+              <a:rPr lang="es-MX" sz="1200" b="0" dirty="0">
+                <a:solidFill>
+                  <a:srgbClr val="98C379"/>
+                </a:solidFill>
+                <a:effectLst/>
+                <a:latin typeface="Consolas" panose="020B0609020204030204" pitchFamily="49" charset="0"/>
+              </a:rPr>
+              <a:t> unidades cubicas</a:t>
+            </a:r>
+            <a:r>
+              <a:rPr lang="es-MX" sz="1200" b="0" dirty="0">
+                <a:solidFill>
+                  <a:srgbClr val="56B6C2"/>
+                </a:solidFill>
+                <a:effectLst/>
+                <a:latin typeface="Consolas" panose="020B0609020204030204" pitchFamily="49" charset="0"/>
+              </a:rPr>
+              <a:t>\n</a:t>
+            </a:r>
+            <a:r>
+              <a:rPr lang="es-MX" sz="1200" b="0" dirty="0">
+                <a:solidFill>
+                  <a:srgbClr val="98C379"/>
+                </a:solidFill>
+                <a:effectLst/>
+                <a:latin typeface="Consolas" panose="020B0609020204030204" pitchFamily="49" charset="0"/>
+              </a:rPr>
+              <a:t>"</a:t>
+            </a:r>
+            <a:r>
+              <a:rPr lang="es-MX" sz="1200" b="0" dirty="0">
+                <a:solidFill>
+                  <a:srgbClr val="ABB2BF"/>
+                </a:solidFill>
+                <a:effectLst/>
+                <a:latin typeface="Consolas" panose="020B0609020204030204" pitchFamily="49" charset="0"/>
+              </a:rPr>
+              <a:t>, </a:t>
+            </a:r>
+            <a:r>
+              <a:rPr lang="es-MX" sz="1200" b="0" dirty="0">
+                <a:solidFill>
+                  <a:srgbClr val="E06C75"/>
+                </a:solidFill>
+                <a:effectLst/>
+                <a:latin typeface="Consolas" panose="020B0609020204030204" pitchFamily="49" charset="0"/>
+              </a:rPr>
+              <a:t>triangulo</a:t>
+            </a:r>
+            <a:r>
+              <a:rPr lang="es-MX" sz="1200" b="0" dirty="0">
+                <a:solidFill>
+                  <a:srgbClr val="ABB2BF"/>
+                </a:solidFill>
+                <a:effectLst/>
+                <a:latin typeface="Consolas" panose="020B0609020204030204" pitchFamily="49" charset="0"/>
+              </a:rPr>
+              <a:t>);</a:t>
+            </a:r>
+          </a:p>
+          <a:p>
+            <a:r>
+              <a:rPr lang="es-MX" sz="1200" b="0" dirty="0">
+                <a:solidFill>
+                  <a:srgbClr val="ABB2BF"/>
+                </a:solidFill>
+                <a:effectLst/>
+                <a:latin typeface="Consolas" panose="020B0609020204030204" pitchFamily="49" charset="0"/>
+              </a:rPr>
+              <a:t>    </a:t>
+            </a:r>
+            <a:r>
+              <a:rPr lang="es-MX" sz="1200" b="1" dirty="0" err="1">
+                <a:solidFill>
+                  <a:srgbClr val="61AFEF"/>
+                </a:solidFill>
+                <a:effectLst/>
+                <a:latin typeface="Consolas" panose="020B0609020204030204" pitchFamily="49" charset="0"/>
+              </a:rPr>
+              <a:t>system</a:t>
+            </a:r>
+            <a:r>
+              <a:rPr lang="es-MX" sz="1200" b="0" dirty="0">
+                <a:solidFill>
+                  <a:srgbClr val="ABB2BF"/>
+                </a:solidFill>
+                <a:effectLst/>
+                <a:latin typeface="Consolas" panose="020B0609020204030204" pitchFamily="49" charset="0"/>
+              </a:rPr>
+              <a:t>(</a:t>
+            </a:r>
+            <a:r>
+              <a:rPr lang="es-MX" sz="1200" b="0" dirty="0">
+                <a:solidFill>
+                  <a:srgbClr val="98C379"/>
+                </a:solidFill>
+                <a:effectLst/>
+                <a:latin typeface="Consolas" panose="020B0609020204030204" pitchFamily="49" charset="0"/>
+              </a:rPr>
+              <a:t>"PAUSE"</a:t>
+            </a:r>
+            <a:r>
+              <a:rPr lang="es-MX" sz="1200" b="0" dirty="0">
+                <a:solidFill>
+                  <a:srgbClr val="ABB2BF"/>
+                </a:solidFill>
+                <a:effectLst/>
+                <a:latin typeface="Consolas" panose="020B0609020204030204" pitchFamily="49" charset="0"/>
+              </a:rPr>
+              <a:t>);</a:t>
+            </a:r>
+          </a:p>
+          <a:p>
+            <a:r>
+              <a:rPr lang="es-MX" sz="1200" b="0" dirty="0">
+                <a:solidFill>
+                  <a:srgbClr val="ABB2BF"/>
+                </a:solidFill>
+                <a:effectLst/>
+                <a:latin typeface="Consolas" panose="020B0609020204030204" pitchFamily="49" charset="0"/>
+              </a:rPr>
+              <a:t>}</a:t>
+            </a:r>
+          </a:p>
+          <a:p>
+            <a:br>
+              <a:rPr lang="es-MX" sz="1200" b="0" dirty="0">
+                <a:solidFill>
+                  <a:srgbClr val="ABB2BF"/>
+                </a:solidFill>
+                <a:effectLst/>
+                <a:latin typeface="Consolas" panose="020B0609020204030204" pitchFamily="49" charset="0"/>
+              </a:rPr>
+            </a:br>
+            <a:endParaRPr lang="es-MX" sz="1200" b="0" dirty="0">
+              <a:solidFill>
+                <a:srgbClr val="ABB2BF"/>
+              </a:solidFill>
+              <a:effectLst/>
+              <a:latin typeface="Consolas" panose="020B0609020204030204" pitchFamily="49" charset="0"/>
+            </a:endParaRPr>
+          </a:p>
+          <a:p>
+            <a:br>
+              <a:rPr lang="es-MX" sz="1200" b="0" dirty="0">
+                <a:solidFill>
+                  <a:srgbClr val="ABB2BF"/>
+                </a:solidFill>
+                <a:effectLst/>
+                <a:latin typeface="Consolas" panose="020B0609020204030204" pitchFamily="49" charset="0"/>
+              </a:rPr>
+            </a:br>
+            <a:endParaRPr lang="es-MX" sz="1200" b="0" dirty="0">
+              <a:solidFill>
+                <a:srgbClr val="ABB2BF"/>
+              </a:solidFill>
+              <a:effectLst/>
+              <a:latin typeface="Consolas" panose="020B0609020204030204" pitchFamily="49" charset="0"/>
+            </a:endParaRPr>
+          </a:p>
           <a:p>
             <a:endParaRPr lang="es-MX" sz="1200" dirty="0"/>
           </a:p>
@@ -44820,51 +47261,6 @@
               </a:rPr>
               <a:t>P03</a:t>
             </a:r>
-          </a:p>
-        </p:txBody>
-      </p:sp>
-      <p:sp>
-        <p:nvSpPr>
-          <p:cNvPr id="14" name="13 Rectángulo redondeado"/>
-          <p:cNvSpPr/>
-          <p:nvPr/>
-        </p:nvSpPr>
-        <p:spPr>
-          <a:xfrm>
-            <a:off x="3645024" y="1403648"/>
-            <a:ext cx="2952328" cy="6624736"/>
-          </a:xfrm>
-          <a:prstGeom prst="roundRect">
-            <a:avLst/>
-          </a:prstGeom>
-          <a:effectLst>
-            <a:glow rad="228600">
-              <a:schemeClr val="accent4">
-                <a:satMod val="175000"/>
-                <a:alpha val="40000"/>
-              </a:schemeClr>
-            </a:glow>
-          </a:effectLst>
-        </p:spPr>
-        <p:style>
-          <a:lnRef idx="2">
-            <a:schemeClr val="accent4"/>
-          </a:lnRef>
-          <a:fillRef idx="1">
-            <a:schemeClr val="lt1"/>
-          </a:fillRef>
-          <a:effectRef idx="0">
-            <a:schemeClr val="accent4"/>
-          </a:effectRef>
-          <a:fontRef idx="minor">
-            <a:schemeClr val="dk1"/>
-          </a:fontRef>
-        </p:style>
-        <p:txBody>
-          <a:bodyPr lIns="91435" tIns="45718" rIns="91435" bIns="45718" rtlCol="0" anchor="t"/>
-          <a:lstStyle/>
-          <a:p>
-            <a:endParaRPr lang="es-MX" sz="1200" dirty="0"/>
           </a:p>
         </p:txBody>
       </p:sp>
@@ -46830,11 +49226,14 @@
         <p:spPr>
           <a:xfrm>
             <a:off x="368659" y="1403648"/>
-            <a:ext cx="2985801" cy="6624736"/>
+            <a:ext cx="6172200" cy="6624736"/>
           </a:xfrm>
           <a:prstGeom prst="roundRect">
             <a:avLst/>
           </a:prstGeom>
+          <a:solidFill>
+            <a:schemeClr val="tx1"/>
+          </a:solidFill>
           <a:effectLst>
             <a:glow rad="228600">
               <a:schemeClr val="accent4">
@@ -46861,6 +49260,1010 @@
         <p:txBody>
           <a:bodyPr lIns="91435" tIns="45718" rIns="91435" bIns="45718" rtlCol="0" anchor="t"/>
           <a:lstStyle/>
+          <a:p>
+            <a:r>
+              <a:rPr lang="es-MX" sz="1200" b="0" dirty="0">
+                <a:solidFill>
+                  <a:srgbClr val="C678DD"/>
+                </a:solidFill>
+                <a:effectLst/>
+                <a:latin typeface="Consolas" panose="020B0609020204030204" pitchFamily="49" charset="0"/>
+              </a:rPr>
+              <a:t>#include</a:t>
+            </a:r>
+            <a:r>
+              <a:rPr lang="es-MX" sz="1200" b="0" dirty="0">
+                <a:solidFill>
+                  <a:srgbClr val="ABB2BF"/>
+                </a:solidFill>
+                <a:effectLst/>
+                <a:latin typeface="Consolas" panose="020B0609020204030204" pitchFamily="49" charset="0"/>
+              </a:rPr>
+              <a:t> </a:t>
+            </a:r>
+            <a:r>
+              <a:rPr lang="es-MX" sz="1200" b="0" dirty="0">
+                <a:solidFill>
+                  <a:srgbClr val="98C379"/>
+                </a:solidFill>
+                <a:effectLst/>
+                <a:latin typeface="Consolas" panose="020B0609020204030204" pitchFamily="49" charset="0"/>
+              </a:rPr>
+              <a:t>&lt;</a:t>
+            </a:r>
+            <a:r>
+              <a:rPr lang="es-MX" sz="1200" b="0" dirty="0" err="1">
+                <a:solidFill>
+                  <a:srgbClr val="98C379"/>
+                </a:solidFill>
+                <a:effectLst/>
+                <a:latin typeface="Consolas" panose="020B0609020204030204" pitchFamily="49" charset="0"/>
+              </a:rPr>
+              <a:t>stdio.h</a:t>
+            </a:r>
+            <a:r>
+              <a:rPr lang="es-MX" sz="1200" b="0" dirty="0">
+                <a:solidFill>
+                  <a:srgbClr val="98C379"/>
+                </a:solidFill>
+                <a:effectLst/>
+                <a:latin typeface="Consolas" panose="020B0609020204030204" pitchFamily="49" charset="0"/>
+              </a:rPr>
+              <a:t>&gt;</a:t>
+            </a:r>
+            <a:endParaRPr lang="es-MX" sz="1200" b="0" dirty="0">
+              <a:solidFill>
+                <a:srgbClr val="ABB2BF"/>
+              </a:solidFill>
+              <a:effectLst/>
+              <a:latin typeface="Consolas" panose="020B0609020204030204" pitchFamily="49" charset="0"/>
+            </a:endParaRPr>
+          </a:p>
+          <a:p>
+            <a:br>
+              <a:rPr lang="es-MX" sz="1200" b="0" dirty="0">
+                <a:solidFill>
+                  <a:srgbClr val="ABB2BF"/>
+                </a:solidFill>
+                <a:effectLst/>
+                <a:latin typeface="Consolas" panose="020B0609020204030204" pitchFamily="49" charset="0"/>
+              </a:rPr>
+            </a:br>
+            <a:r>
+              <a:rPr lang="es-MX" sz="1200" b="0" dirty="0" err="1">
+                <a:solidFill>
+                  <a:srgbClr val="C678DD"/>
+                </a:solidFill>
+                <a:effectLst/>
+                <a:latin typeface="Consolas" panose="020B0609020204030204" pitchFamily="49" charset="0"/>
+              </a:rPr>
+              <a:t>void</a:t>
+            </a:r>
+            <a:r>
+              <a:rPr lang="es-MX" sz="1200" b="0" dirty="0">
+                <a:solidFill>
+                  <a:srgbClr val="ABB2BF"/>
+                </a:solidFill>
+                <a:effectLst/>
+                <a:latin typeface="Consolas" panose="020B0609020204030204" pitchFamily="49" charset="0"/>
+              </a:rPr>
+              <a:t> </a:t>
+            </a:r>
+            <a:r>
+              <a:rPr lang="es-MX" sz="1200" b="1" dirty="0" err="1">
+                <a:solidFill>
+                  <a:srgbClr val="61AFEF"/>
+                </a:solidFill>
+                <a:effectLst/>
+                <a:latin typeface="Consolas" panose="020B0609020204030204" pitchFamily="49" charset="0"/>
+              </a:rPr>
+              <a:t>main</a:t>
+            </a:r>
+            <a:r>
+              <a:rPr lang="es-MX" sz="1200" b="0" dirty="0">
+                <a:solidFill>
+                  <a:srgbClr val="ABB2BF"/>
+                </a:solidFill>
+                <a:effectLst/>
+                <a:latin typeface="Consolas" panose="020B0609020204030204" pitchFamily="49" charset="0"/>
+              </a:rPr>
+              <a:t>()</a:t>
+            </a:r>
+          </a:p>
+          <a:p>
+            <a:r>
+              <a:rPr lang="es-MX" sz="1200" b="0" dirty="0">
+                <a:solidFill>
+                  <a:srgbClr val="ABB2BF"/>
+                </a:solidFill>
+                <a:effectLst/>
+                <a:latin typeface="Consolas" panose="020B0609020204030204" pitchFamily="49" charset="0"/>
+              </a:rPr>
+              <a:t>{</a:t>
+            </a:r>
+          </a:p>
+          <a:p>
+            <a:r>
+              <a:rPr lang="es-MX" sz="1200" b="0" dirty="0">
+                <a:solidFill>
+                  <a:srgbClr val="ABB2BF"/>
+                </a:solidFill>
+                <a:effectLst/>
+                <a:latin typeface="Consolas" panose="020B0609020204030204" pitchFamily="49" charset="0"/>
+              </a:rPr>
+              <a:t>    </a:t>
+            </a:r>
+            <a:r>
+              <a:rPr lang="es-MX" sz="1200" b="0" dirty="0" err="1">
+                <a:solidFill>
+                  <a:srgbClr val="C678DD"/>
+                </a:solidFill>
+                <a:effectLst/>
+                <a:latin typeface="Consolas" panose="020B0609020204030204" pitchFamily="49" charset="0"/>
+              </a:rPr>
+              <a:t>float</a:t>
+            </a:r>
+            <a:r>
+              <a:rPr lang="es-MX" sz="1200" b="0" dirty="0">
+                <a:solidFill>
+                  <a:srgbClr val="ABB2BF"/>
+                </a:solidFill>
+                <a:effectLst/>
+                <a:latin typeface="Consolas" panose="020B0609020204030204" pitchFamily="49" charset="0"/>
+              </a:rPr>
+              <a:t> </a:t>
+            </a:r>
+            <a:r>
+              <a:rPr lang="es-MX" sz="1200" b="0" dirty="0">
+                <a:solidFill>
+                  <a:srgbClr val="E06C75"/>
+                </a:solidFill>
+                <a:effectLst/>
+                <a:latin typeface="Consolas" panose="020B0609020204030204" pitchFamily="49" charset="0"/>
+              </a:rPr>
+              <a:t>x</a:t>
+            </a:r>
+            <a:r>
+              <a:rPr lang="es-MX" sz="1200" b="0" dirty="0">
+                <a:solidFill>
+                  <a:srgbClr val="ABB2BF"/>
+                </a:solidFill>
+                <a:effectLst/>
+                <a:latin typeface="Consolas" panose="020B0609020204030204" pitchFamily="49" charset="0"/>
+              </a:rPr>
+              <a:t>, </a:t>
+            </a:r>
+            <a:r>
+              <a:rPr lang="es-MX" sz="1200" b="0" dirty="0">
+                <a:solidFill>
+                  <a:srgbClr val="E06C75"/>
+                </a:solidFill>
+                <a:effectLst/>
+                <a:latin typeface="Consolas" panose="020B0609020204030204" pitchFamily="49" charset="0"/>
+              </a:rPr>
+              <a:t>y</a:t>
+            </a:r>
+            <a:r>
+              <a:rPr lang="es-MX" sz="1200" b="0" dirty="0">
+                <a:solidFill>
+                  <a:srgbClr val="ABB2BF"/>
+                </a:solidFill>
+                <a:effectLst/>
+                <a:latin typeface="Consolas" panose="020B0609020204030204" pitchFamily="49" charset="0"/>
+              </a:rPr>
+              <a:t>;</a:t>
+            </a:r>
+          </a:p>
+          <a:p>
+            <a:r>
+              <a:rPr lang="es-MX" sz="1200" b="0" dirty="0">
+                <a:solidFill>
+                  <a:srgbClr val="ABB2BF"/>
+                </a:solidFill>
+                <a:effectLst/>
+                <a:latin typeface="Consolas" panose="020B0609020204030204" pitchFamily="49" charset="0"/>
+              </a:rPr>
+              <a:t>    </a:t>
+            </a:r>
+            <a:r>
+              <a:rPr lang="es-MX" sz="1200" b="1" dirty="0" err="1">
+                <a:solidFill>
+                  <a:srgbClr val="61AFEF"/>
+                </a:solidFill>
+                <a:effectLst/>
+                <a:latin typeface="Consolas" panose="020B0609020204030204" pitchFamily="49" charset="0"/>
+              </a:rPr>
+              <a:t>printf</a:t>
+            </a:r>
+            <a:r>
+              <a:rPr lang="es-MX" sz="1200" b="0" dirty="0">
+                <a:solidFill>
+                  <a:srgbClr val="ABB2BF"/>
+                </a:solidFill>
+                <a:effectLst/>
+                <a:latin typeface="Consolas" panose="020B0609020204030204" pitchFamily="49" charset="0"/>
+              </a:rPr>
+              <a:t>(</a:t>
+            </a:r>
+            <a:r>
+              <a:rPr lang="es-MX" sz="1200" b="0" dirty="0">
+                <a:solidFill>
+                  <a:srgbClr val="98C379"/>
+                </a:solidFill>
+                <a:effectLst/>
+                <a:latin typeface="Consolas" panose="020B0609020204030204" pitchFamily="49" charset="0"/>
+              </a:rPr>
+              <a:t>"Este programa esta hecho para resolver el siguiente polinomio y=2x^3+3x^2-x, el usuario proporcionara el valor x</a:t>
+            </a:r>
+            <a:r>
+              <a:rPr lang="es-MX" sz="1200" b="0" dirty="0">
+                <a:solidFill>
+                  <a:srgbClr val="56B6C2"/>
+                </a:solidFill>
+                <a:effectLst/>
+                <a:latin typeface="Consolas" panose="020B0609020204030204" pitchFamily="49" charset="0"/>
+              </a:rPr>
+              <a:t>\n</a:t>
+            </a:r>
+            <a:r>
+              <a:rPr lang="es-MX" sz="1200" b="0" dirty="0">
+                <a:solidFill>
+                  <a:srgbClr val="98C379"/>
+                </a:solidFill>
+                <a:effectLst/>
+                <a:latin typeface="Consolas" panose="020B0609020204030204" pitchFamily="49" charset="0"/>
+              </a:rPr>
+              <a:t>"</a:t>
+            </a:r>
+            <a:r>
+              <a:rPr lang="es-MX" sz="1200" b="0" dirty="0">
+                <a:solidFill>
+                  <a:srgbClr val="ABB2BF"/>
+                </a:solidFill>
+                <a:effectLst/>
+                <a:latin typeface="Consolas" panose="020B0609020204030204" pitchFamily="49" charset="0"/>
+              </a:rPr>
+              <a:t>);</a:t>
+            </a:r>
+          </a:p>
+          <a:p>
+            <a:r>
+              <a:rPr lang="es-MX" sz="1200" b="0" dirty="0">
+                <a:solidFill>
+                  <a:srgbClr val="ABB2BF"/>
+                </a:solidFill>
+                <a:effectLst/>
+                <a:latin typeface="Consolas" panose="020B0609020204030204" pitchFamily="49" charset="0"/>
+              </a:rPr>
+              <a:t>    </a:t>
+            </a:r>
+            <a:r>
+              <a:rPr lang="es-MX" sz="1200" b="1" dirty="0" err="1">
+                <a:solidFill>
+                  <a:srgbClr val="61AFEF"/>
+                </a:solidFill>
+                <a:effectLst/>
+                <a:latin typeface="Consolas" panose="020B0609020204030204" pitchFamily="49" charset="0"/>
+              </a:rPr>
+              <a:t>printf</a:t>
+            </a:r>
+            <a:r>
+              <a:rPr lang="es-MX" sz="1200" b="0" dirty="0">
+                <a:solidFill>
+                  <a:srgbClr val="ABB2BF"/>
+                </a:solidFill>
+                <a:effectLst/>
+                <a:latin typeface="Consolas" panose="020B0609020204030204" pitchFamily="49" charset="0"/>
+              </a:rPr>
+              <a:t>(</a:t>
+            </a:r>
+            <a:r>
+              <a:rPr lang="es-MX" sz="1200" b="0" dirty="0">
+                <a:solidFill>
+                  <a:srgbClr val="98C379"/>
+                </a:solidFill>
+                <a:effectLst/>
+                <a:latin typeface="Consolas" panose="020B0609020204030204" pitchFamily="49" charset="0"/>
+              </a:rPr>
+              <a:t>"</a:t>
+            </a:r>
+            <a:r>
+              <a:rPr lang="es-MX" sz="1200" b="0" dirty="0">
+                <a:solidFill>
+                  <a:srgbClr val="56B6C2"/>
+                </a:solidFill>
+                <a:effectLst/>
+                <a:latin typeface="Consolas" panose="020B0609020204030204" pitchFamily="49" charset="0"/>
+              </a:rPr>
+              <a:t>\</a:t>
+            </a:r>
+            <a:r>
+              <a:rPr lang="es-MX" sz="1200" b="0" dirty="0" err="1">
+                <a:solidFill>
+                  <a:srgbClr val="56B6C2"/>
+                </a:solidFill>
+                <a:effectLst/>
+                <a:latin typeface="Consolas" panose="020B0609020204030204" pitchFamily="49" charset="0"/>
+              </a:rPr>
+              <a:t>n</a:t>
+            </a:r>
+            <a:r>
+              <a:rPr lang="es-MX" sz="1200" b="0" dirty="0" err="1">
+                <a:solidFill>
+                  <a:srgbClr val="98C379"/>
+                </a:solidFill>
+                <a:effectLst/>
+                <a:latin typeface="Consolas" panose="020B0609020204030204" pitchFamily="49" charset="0"/>
+              </a:rPr>
+              <a:t>Introduzca</a:t>
+            </a:r>
+            <a:r>
+              <a:rPr lang="es-MX" sz="1200" b="0" dirty="0">
+                <a:solidFill>
+                  <a:srgbClr val="98C379"/>
+                </a:solidFill>
+                <a:effectLst/>
+                <a:latin typeface="Consolas" panose="020B0609020204030204" pitchFamily="49" charset="0"/>
+              </a:rPr>
+              <a:t> el valor de x: "</a:t>
+            </a:r>
+            <a:r>
+              <a:rPr lang="es-MX" sz="1200" b="0" dirty="0">
+                <a:solidFill>
+                  <a:srgbClr val="ABB2BF"/>
+                </a:solidFill>
+                <a:effectLst/>
+                <a:latin typeface="Consolas" panose="020B0609020204030204" pitchFamily="49" charset="0"/>
+              </a:rPr>
+              <a:t>);</a:t>
+            </a:r>
+          </a:p>
+          <a:p>
+            <a:r>
+              <a:rPr lang="es-MX" sz="1200" b="0" dirty="0">
+                <a:solidFill>
+                  <a:srgbClr val="ABB2BF"/>
+                </a:solidFill>
+                <a:effectLst/>
+                <a:latin typeface="Consolas" panose="020B0609020204030204" pitchFamily="49" charset="0"/>
+              </a:rPr>
+              <a:t>    </a:t>
+            </a:r>
+            <a:r>
+              <a:rPr lang="es-MX" sz="1200" b="1" dirty="0" err="1">
+                <a:solidFill>
+                  <a:srgbClr val="61AFEF"/>
+                </a:solidFill>
+                <a:effectLst/>
+                <a:latin typeface="Consolas" panose="020B0609020204030204" pitchFamily="49" charset="0"/>
+              </a:rPr>
+              <a:t>scanf</a:t>
+            </a:r>
+            <a:r>
+              <a:rPr lang="es-MX" sz="1200" b="0" dirty="0">
+                <a:solidFill>
+                  <a:srgbClr val="ABB2BF"/>
+                </a:solidFill>
+                <a:effectLst/>
+                <a:latin typeface="Consolas" panose="020B0609020204030204" pitchFamily="49" charset="0"/>
+              </a:rPr>
+              <a:t>(</a:t>
+            </a:r>
+            <a:r>
+              <a:rPr lang="es-MX" sz="1200" b="0" dirty="0">
+                <a:solidFill>
+                  <a:srgbClr val="98C379"/>
+                </a:solidFill>
+                <a:effectLst/>
+                <a:latin typeface="Consolas" panose="020B0609020204030204" pitchFamily="49" charset="0"/>
+              </a:rPr>
+              <a:t>"</a:t>
+            </a:r>
+            <a:r>
+              <a:rPr lang="es-MX" sz="1200" b="0" dirty="0">
+                <a:solidFill>
+                  <a:srgbClr val="D19A66"/>
+                </a:solidFill>
+                <a:effectLst/>
+                <a:latin typeface="Consolas" panose="020B0609020204030204" pitchFamily="49" charset="0"/>
+              </a:rPr>
+              <a:t>%f</a:t>
+            </a:r>
+            <a:r>
+              <a:rPr lang="es-MX" sz="1200" b="0" dirty="0">
+                <a:solidFill>
+                  <a:srgbClr val="98C379"/>
+                </a:solidFill>
+                <a:effectLst/>
+                <a:latin typeface="Consolas" panose="020B0609020204030204" pitchFamily="49" charset="0"/>
+              </a:rPr>
+              <a:t>"</a:t>
+            </a:r>
+            <a:r>
+              <a:rPr lang="es-MX" sz="1200" b="0" dirty="0">
+                <a:solidFill>
+                  <a:srgbClr val="ABB2BF"/>
+                </a:solidFill>
+                <a:effectLst/>
+                <a:latin typeface="Consolas" panose="020B0609020204030204" pitchFamily="49" charset="0"/>
+              </a:rPr>
+              <a:t>, </a:t>
+            </a:r>
+            <a:r>
+              <a:rPr lang="es-MX" sz="1200" b="0" dirty="0">
+                <a:solidFill>
+                  <a:srgbClr val="C678DD"/>
+                </a:solidFill>
+                <a:effectLst/>
+                <a:latin typeface="Consolas" panose="020B0609020204030204" pitchFamily="49" charset="0"/>
+              </a:rPr>
+              <a:t>&amp;</a:t>
+            </a:r>
+            <a:r>
+              <a:rPr lang="es-MX" sz="1200" b="0" dirty="0">
+                <a:solidFill>
+                  <a:srgbClr val="E06C75"/>
+                </a:solidFill>
+                <a:effectLst/>
+                <a:latin typeface="Consolas" panose="020B0609020204030204" pitchFamily="49" charset="0"/>
+              </a:rPr>
+              <a:t>x</a:t>
+            </a:r>
+            <a:r>
+              <a:rPr lang="es-MX" sz="1200" b="0" dirty="0">
+                <a:solidFill>
+                  <a:srgbClr val="ABB2BF"/>
+                </a:solidFill>
+                <a:effectLst/>
+                <a:latin typeface="Consolas" panose="020B0609020204030204" pitchFamily="49" charset="0"/>
+              </a:rPr>
+              <a:t>);</a:t>
+            </a:r>
+          </a:p>
+          <a:p>
+            <a:r>
+              <a:rPr lang="es-MX" sz="1200" b="0" dirty="0">
+                <a:solidFill>
+                  <a:srgbClr val="ABB2BF"/>
+                </a:solidFill>
+                <a:effectLst/>
+                <a:latin typeface="Consolas" panose="020B0609020204030204" pitchFamily="49" charset="0"/>
+              </a:rPr>
+              <a:t>    </a:t>
+            </a:r>
+            <a:r>
+              <a:rPr lang="es-MX" sz="1200" b="0" dirty="0">
+                <a:solidFill>
+                  <a:srgbClr val="E06C75"/>
+                </a:solidFill>
+                <a:effectLst/>
+                <a:latin typeface="Consolas" panose="020B0609020204030204" pitchFamily="49" charset="0"/>
+              </a:rPr>
+              <a:t>y</a:t>
+            </a:r>
+            <a:r>
+              <a:rPr lang="es-MX" sz="1200" b="0" dirty="0">
+                <a:solidFill>
+                  <a:srgbClr val="ABB2BF"/>
+                </a:solidFill>
+                <a:effectLst/>
+                <a:latin typeface="Consolas" panose="020B0609020204030204" pitchFamily="49" charset="0"/>
+              </a:rPr>
+              <a:t> </a:t>
+            </a:r>
+            <a:r>
+              <a:rPr lang="es-MX" sz="1200" b="0" dirty="0">
+                <a:solidFill>
+                  <a:srgbClr val="C678DD"/>
+                </a:solidFill>
+                <a:effectLst/>
+                <a:latin typeface="Consolas" panose="020B0609020204030204" pitchFamily="49" charset="0"/>
+              </a:rPr>
+              <a:t>=</a:t>
+            </a:r>
+            <a:r>
+              <a:rPr lang="es-MX" sz="1200" b="0" dirty="0">
+                <a:solidFill>
+                  <a:srgbClr val="ABB2BF"/>
+                </a:solidFill>
+                <a:effectLst/>
+                <a:latin typeface="Consolas" panose="020B0609020204030204" pitchFamily="49" charset="0"/>
+              </a:rPr>
+              <a:t> (</a:t>
+            </a:r>
+            <a:r>
+              <a:rPr lang="es-MX" sz="1200" b="0" dirty="0">
+                <a:solidFill>
+                  <a:srgbClr val="D19A66"/>
+                </a:solidFill>
+                <a:effectLst/>
+                <a:latin typeface="Consolas" panose="020B0609020204030204" pitchFamily="49" charset="0"/>
+              </a:rPr>
+              <a:t>2</a:t>
+            </a:r>
+            <a:r>
+              <a:rPr lang="es-MX" sz="1200" b="0" dirty="0">
+                <a:solidFill>
+                  <a:srgbClr val="C678DD"/>
+                </a:solidFill>
+                <a:effectLst/>
+                <a:latin typeface="Consolas" panose="020B0609020204030204" pitchFamily="49" charset="0"/>
+              </a:rPr>
+              <a:t>*</a:t>
+            </a:r>
+            <a:r>
+              <a:rPr lang="es-MX" sz="1200" b="0" dirty="0">
+                <a:solidFill>
+                  <a:srgbClr val="ABB2BF"/>
+                </a:solidFill>
+                <a:effectLst/>
+                <a:latin typeface="Consolas" panose="020B0609020204030204" pitchFamily="49" charset="0"/>
+              </a:rPr>
+              <a:t>(</a:t>
+            </a:r>
+            <a:r>
+              <a:rPr lang="es-MX" sz="1200" b="0" dirty="0">
+                <a:solidFill>
+                  <a:srgbClr val="E06C75"/>
+                </a:solidFill>
+                <a:effectLst/>
+                <a:latin typeface="Consolas" panose="020B0609020204030204" pitchFamily="49" charset="0"/>
+              </a:rPr>
+              <a:t>x</a:t>
+            </a:r>
+            <a:r>
+              <a:rPr lang="es-MX" sz="1200" b="0" dirty="0">
+                <a:solidFill>
+                  <a:srgbClr val="C678DD"/>
+                </a:solidFill>
+                <a:effectLst/>
+                <a:latin typeface="Consolas" panose="020B0609020204030204" pitchFamily="49" charset="0"/>
+              </a:rPr>
+              <a:t>*</a:t>
+            </a:r>
+            <a:r>
+              <a:rPr lang="es-MX" sz="1200" b="0" dirty="0">
+                <a:solidFill>
+                  <a:srgbClr val="E06C75"/>
+                </a:solidFill>
+                <a:effectLst/>
+                <a:latin typeface="Consolas" panose="020B0609020204030204" pitchFamily="49" charset="0"/>
+              </a:rPr>
+              <a:t>x</a:t>
+            </a:r>
+            <a:r>
+              <a:rPr lang="es-MX" sz="1200" b="0" dirty="0">
+                <a:solidFill>
+                  <a:srgbClr val="C678DD"/>
+                </a:solidFill>
+                <a:effectLst/>
+                <a:latin typeface="Consolas" panose="020B0609020204030204" pitchFamily="49" charset="0"/>
+              </a:rPr>
+              <a:t>*</a:t>
+            </a:r>
+            <a:r>
+              <a:rPr lang="es-MX" sz="1200" b="0" dirty="0">
+                <a:solidFill>
+                  <a:srgbClr val="E06C75"/>
+                </a:solidFill>
+                <a:effectLst/>
+                <a:latin typeface="Consolas" panose="020B0609020204030204" pitchFamily="49" charset="0"/>
+              </a:rPr>
+              <a:t>x</a:t>
+            </a:r>
+            <a:r>
+              <a:rPr lang="es-MX" sz="1200" b="0" dirty="0">
+                <a:solidFill>
+                  <a:srgbClr val="ABB2BF"/>
+                </a:solidFill>
+                <a:effectLst/>
+                <a:latin typeface="Consolas" panose="020B0609020204030204" pitchFamily="49" charset="0"/>
+              </a:rPr>
+              <a:t>))</a:t>
+            </a:r>
+            <a:r>
+              <a:rPr lang="es-MX" sz="1200" b="0" dirty="0">
+                <a:solidFill>
+                  <a:srgbClr val="C678DD"/>
+                </a:solidFill>
+                <a:effectLst/>
+                <a:latin typeface="Consolas" panose="020B0609020204030204" pitchFamily="49" charset="0"/>
+              </a:rPr>
+              <a:t>+</a:t>
+            </a:r>
+            <a:r>
+              <a:rPr lang="es-MX" sz="1200" b="0" dirty="0">
+                <a:solidFill>
+                  <a:srgbClr val="ABB2BF"/>
+                </a:solidFill>
+                <a:effectLst/>
+                <a:latin typeface="Consolas" panose="020B0609020204030204" pitchFamily="49" charset="0"/>
+              </a:rPr>
+              <a:t>(</a:t>
+            </a:r>
+            <a:r>
+              <a:rPr lang="es-MX" sz="1200" b="0" dirty="0">
+                <a:solidFill>
+                  <a:srgbClr val="D19A66"/>
+                </a:solidFill>
+                <a:effectLst/>
+                <a:latin typeface="Consolas" panose="020B0609020204030204" pitchFamily="49" charset="0"/>
+              </a:rPr>
+              <a:t>3</a:t>
+            </a:r>
+            <a:r>
+              <a:rPr lang="es-MX" sz="1200" b="0" dirty="0">
+                <a:solidFill>
+                  <a:srgbClr val="C678DD"/>
+                </a:solidFill>
+                <a:effectLst/>
+                <a:latin typeface="Consolas" panose="020B0609020204030204" pitchFamily="49" charset="0"/>
+              </a:rPr>
+              <a:t>*</a:t>
+            </a:r>
+            <a:r>
+              <a:rPr lang="es-MX" sz="1200" b="0" dirty="0">
+                <a:solidFill>
+                  <a:srgbClr val="ABB2BF"/>
+                </a:solidFill>
+                <a:effectLst/>
+                <a:latin typeface="Consolas" panose="020B0609020204030204" pitchFamily="49" charset="0"/>
+              </a:rPr>
+              <a:t>(</a:t>
+            </a:r>
+            <a:r>
+              <a:rPr lang="es-MX" sz="1200" b="0" dirty="0">
+                <a:solidFill>
+                  <a:srgbClr val="E06C75"/>
+                </a:solidFill>
+                <a:effectLst/>
+                <a:latin typeface="Consolas" panose="020B0609020204030204" pitchFamily="49" charset="0"/>
+              </a:rPr>
+              <a:t>x</a:t>
+            </a:r>
+            <a:r>
+              <a:rPr lang="es-MX" sz="1200" b="0" dirty="0">
+                <a:solidFill>
+                  <a:srgbClr val="C678DD"/>
+                </a:solidFill>
+                <a:effectLst/>
+                <a:latin typeface="Consolas" panose="020B0609020204030204" pitchFamily="49" charset="0"/>
+              </a:rPr>
+              <a:t>*</a:t>
+            </a:r>
+            <a:r>
+              <a:rPr lang="es-MX" sz="1200" b="0" dirty="0">
+                <a:solidFill>
+                  <a:srgbClr val="E06C75"/>
+                </a:solidFill>
+                <a:effectLst/>
+                <a:latin typeface="Consolas" panose="020B0609020204030204" pitchFamily="49" charset="0"/>
+              </a:rPr>
+              <a:t>x</a:t>
+            </a:r>
+            <a:r>
+              <a:rPr lang="es-MX" sz="1200" b="0" dirty="0">
+                <a:solidFill>
+                  <a:srgbClr val="ABB2BF"/>
+                </a:solidFill>
+                <a:effectLst/>
+                <a:latin typeface="Consolas" panose="020B0609020204030204" pitchFamily="49" charset="0"/>
+              </a:rPr>
+              <a:t>))</a:t>
+            </a:r>
+            <a:r>
+              <a:rPr lang="es-MX" sz="1200" b="0" dirty="0">
+                <a:solidFill>
+                  <a:srgbClr val="C678DD"/>
+                </a:solidFill>
+                <a:effectLst/>
+                <a:latin typeface="Consolas" panose="020B0609020204030204" pitchFamily="49" charset="0"/>
+              </a:rPr>
+              <a:t>-</a:t>
+            </a:r>
+            <a:r>
+              <a:rPr lang="es-MX" sz="1200" b="0" dirty="0">
+                <a:solidFill>
+                  <a:srgbClr val="E06C75"/>
+                </a:solidFill>
+                <a:effectLst/>
+                <a:latin typeface="Consolas" panose="020B0609020204030204" pitchFamily="49" charset="0"/>
+              </a:rPr>
+              <a:t>x</a:t>
+            </a:r>
+            <a:r>
+              <a:rPr lang="es-MX" sz="1200" b="0" dirty="0">
+                <a:solidFill>
+                  <a:srgbClr val="ABB2BF"/>
+                </a:solidFill>
+                <a:effectLst/>
+                <a:latin typeface="Consolas" panose="020B0609020204030204" pitchFamily="49" charset="0"/>
+              </a:rPr>
+              <a:t>;</a:t>
+            </a:r>
+          </a:p>
+          <a:p>
+            <a:r>
+              <a:rPr lang="es-MX" sz="1200" b="0" dirty="0">
+                <a:solidFill>
+                  <a:srgbClr val="ABB2BF"/>
+                </a:solidFill>
+                <a:effectLst/>
+                <a:latin typeface="Consolas" panose="020B0609020204030204" pitchFamily="49" charset="0"/>
+              </a:rPr>
+              <a:t>    </a:t>
+            </a:r>
+            <a:r>
+              <a:rPr lang="es-MX" sz="1200" b="1" dirty="0" err="1">
+                <a:solidFill>
+                  <a:srgbClr val="61AFEF"/>
+                </a:solidFill>
+                <a:effectLst/>
+                <a:latin typeface="Consolas" panose="020B0609020204030204" pitchFamily="49" charset="0"/>
+              </a:rPr>
+              <a:t>printf</a:t>
+            </a:r>
+            <a:r>
+              <a:rPr lang="es-MX" sz="1200" b="0" dirty="0">
+                <a:solidFill>
+                  <a:srgbClr val="ABB2BF"/>
+                </a:solidFill>
+                <a:effectLst/>
+                <a:latin typeface="Consolas" panose="020B0609020204030204" pitchFamily="49" charset="0"/>
+              </a:rPr>
+              <a:t>(</a:t>
+            </a:r>
+            <a:r>
+              <a:rPr lang="es-MX" sz="1200" b="0" dirty="0">
+                <a:solidFill>
+                  <a:srgbClr val="98C379"/>
+                </a:solidFill>
+                <a:effectLst/>
+                <a:latin typeface="Consolas" panose="020B0609020204030204" pitchFamily="49" charset="0"/>
+              </a:rPr>
+              <a:t>"</a:t>
+            </a:r>
+            <a:r>
+              <a:rPr lang="es-MX" sz="1200" b="0" dirty="0">
+                <a:solidFill>
+                  <a:srgbClr val="56B6C2"/>
+                </a:solidFill>
+                <a:effectLst/>
+                <a:latin typeface="Consolas" panose="020B0609020204030204" pitchFamily="49" charset="0"/>
+              </a:rPr>
+              <a:t>\</a:t>
+            </a:r>
+            <a:r>
+              <a:rPr lang="es-MX" sz="1200" b="0" dirty="0" err="1">
+                <a:solidFill>
+                  <a:srgbClr val="56B6C2"/>
+                </a:solidFill>
+                <a:effectLst/>
+                <a:latin typeface="Consolas" panose="020B0609020204030204" pitchFamily="49" charset="0"/>
+              </a:rPr>
+              <a:t>n</a:t>
+            </a:r>
+            <a:r>
+              <a:rPr lang="es-MX" sz="1200" b="0" dirty="0" err="1">
+                <a:solidFill>
+                  <a:srgbClr val="98C379"/>
+                </a:solidFill>
+                <a:effectLst/>
+                <a:latin typeface="Consolas" panose="020B0609020204030204" pitchFamily="49" charset="0"/>
+              </a:rPr>
+              <a:t>El</a:t>
+            </a:r>
+            <a:r>
+              <a:rPr lang="es-MX" sz="1200" b="0" dirty="0">
+                <a:solidFill>
+                  <a:srgbClr val="98C379"/>
+                </a:solidFill>
+                <a:effectLst/>
+                <a:latin typeface="Consolas" panose="020B0609020204030204" pitchFamily="49" charset="0"/>
+              </a:rPr>
+              <a:t> resultado del polinomio cuando x es '</a:t>
+            </a:r>
+            <a:r>
+              <a:rPr lang="es-MX" sz="1200" b="0" dirty="0">
+                <a:solidFill>
+                  <a:srgbClr val="D19A66"/>
+                </a:solidFill>
+                <a:effectLst/>
+                <a:latin typeface="Consolas" panose="020B0609020204030204" pitchFamily="49" charset="0"/>
+              </a:rPr>
+              <a:t>%.3f</a:t>
+            </a:r>
+            <a:r>
+              <a:rPr lang="es-MX" sz="1200" b="0" dirty="0">
+                <a:solidFill>
+                  <a:srgbClr val="98C379"/>
+                </a:solidFill>
+                <a:effectLst/>
+                <a:latin typeface="Consolas" panose="020B0609020204030204" pitchFamily="49" charset="0"/>
+              </a:rPr>
+              <a:t>' es: </a:t>
+            </a:r>
+            <a:r>
+              <a:rPr lang="es-MX" sz="1200" b="0" dirty="0">
+                <a:solidFill>
+                  <a:srgbClr val="D19A66"/>
+                </a:solidFill>
+                <a:effectLst/>
+                <a:latin typeface="Consolas" panose="020B0609020204030204" pitchFamily="49" charset="0"/>
+              </a:rPr>
+              <a:t>%.3f</a:t>
+            </a:r>
+            <a:r>
+              <a:rPr lang="es-MX" sz="1200" b="0" dirty="0">
+                <a:solidFill>
+                  <a:srgbClr val="56B6C2"/>
+                </a:solidFill>
+                <a:effectLst/>
+                <a:latin typeface="Consolas" panose="020B0609020204030204" pitchFamily="49" charset="0"/>
+              </a:rPr>
+              <a:t>\n</a:t>
+            </a:r>
+            <a:r>
+              <a:rPr lang="es-MX" sz="1200" b="0" dirty="0">
+                <a:solidFill>
+                  <a:srgbClr val="98C379"/>
+                </a:solidFill>
+                <a:effectLst/>
+                <a:latin typeface="Consolas" panose="020B0609020204030204" pitchFamily="49" charset="0"/>
+              </a:rPr>
+              <a:t> "</a:t>
+            </a:r>
+            <a:r>
+              <a:rPr lang="es-MX" sz="1200" b="0" dirty="0">
+                <a:solidFill>
+                  <a:srgbClr val="ABB2BF"/>
+                </a:solidFill>
+                <a:effectLst/>
+                <a:latin typeface="Consolas" panose="020B0609020204030204" pitchFamily="49" charset="0"/>
+              </a:rPr>
+              <a:t>, </a:t>
+            </a:r>
+            <a:r>
+              <a:rPr lang="es-MX" sz="1200" b="0" dirty="0" err="1">
+                <a:solidFill>
+                  <a:srgbClr val="E06C75"/>
+                </a:solidFill>
+                <a:effectLst/>
+                <a:latin typeface="Consolas" panose="020B0609020204030204" pitchFamily="49" charset="0"/>
+              </a:rPr>
+              <a:t>x</a:t>
+            </a:r>
+            <a:r>
+              <a:rPr lang="es-MX" sz="1200" b="0" dirty="0" err="1">
+                <a:solidFill>
+                  <a:srgbClr val="ABB2BF"/>
+                </a:solidFill>
+                <a:effectLst/>
+                <a:latin typeface="Consolas" panose="020B0609020204030204" pitchFamily="49" charset="0"/>
+              </a:rPr>
+              <a:t>,</a:t>
+            </a:r>
+            <a:r>
+              <a:rPr lang="es-MX" sz="1200" b="0" dirty="0" err="1">
+                <a:solidFill>
+                  <a:srgbClr val="E06C75"/>
+                </a:solidFill>
+                <a:effectLst/>
+                <a:latin typeface="Consolas" panose="020B0609020204030204" pitchFamily="49" charset="0"/>
+              </a:rPr>
+              <a:t>y</a:t>
+            </a:r>
+            <a:r>
+              <a:rPr lang="es-MX" sz="1200" b="0" dirty="0">
+                <a:solidFill>
+                  <a:srgbClr val="ABB2BF"/>
+                </a:solidFill>
+                <a:effectLst/>
+                <a:latin typeface="Consolas" panose="020B0609020204030204" pitchFamily="49" charset="0"/>
+              </a:rPr>
+              <a:t>);</a:t>
+            </a:r>
+          </a:p>
+          <a:p>
+            <a:r>
+              <a:rPr lang="es-MX" sz="1200" b="0" dirty="0">
+                <a:solidFill>
+                  <a:srgbClr val="ABB2BF"/>
+                </a:solidFill>
+                <a:effectLst/>
+                <a:latin typeface="Consolas" panose="020B0609020204030204" pitchFamily="49" charset="0"/>
+              </a:rPr>
+              <a:t>    </a:t>
+            </a:r>
+            <a:r>
+              <a:rPr lang="es-MX" sz="1200" b="1" dirty="0" err="1">
+                <a:solidFill>
+                  <a:srgbClr val="61AFEF"/>
+                </a:solidFill>
+                <a:effectLst/>
+                <a:latin typeface="Consolas" panose="020B0609020204030204" pitchFamily="49" charset="0"/>
+              </a:rPr>
+              <a:t>system</a:t>
+            </a:r>
+            <a:r>
+              <a:rPr lang="es-MX" sz="1200" b="0" dirty="0">
+                <a:solidFill>
+                  <a:srgbClr val="ABB2BF"/>
+                </a:solidFill>
+                <a:effectLst/>
+                <a:latin typeface="Consolas" panose="020B0609020204030204" pitchFamily="49" charset="0"/>
+              </a:rPr>
+              <a:t>(</a:t>
+            </a:r>
+            <a:r>
+              <a:rPr lang="es-MX" sz="1200" b="0" dirty="0">
+                <a:solidFill>
+                  <a:srgbClr val="98C379"/>
+                </a:solidFill>
+                <a:effectLst/>
+                <a:latin typeface="Consolas" panose="020B0609020204030204" pitchFamily="49" charset="0"/>
+              </a:rPr>
+              <a:t>"PAUSE"</a:t>
+            </a:r>
+            <a:r>
+              <a:rPr lang="es-MX" sz="1200" b="0" dirty="0">
+                <a:solidFill>
+                  <a:srgbClr val="ABB2BF"/>
+                </a:solidFill>
+                <a:effectLst/>
+                <a:latin typeface="Consolas" panose="020B0609020204030204" pitchFamily="49" charset="0"/>
+              </a:rPr>
+              <a:t>);</a:t>
+            </a:r>
+          </a:p>
+          <a:p>
+            <a:r>
+              <a:rPr lang="es-MX" sz="1200" b="0" dirty="0">
+                <a:solidFill>
+                  <a:srgbClr val="ABB2BF"/>
+                </a:solidFill>
+                <a:effectLst/>
+                <a:latin typeface="Consolas" panose="020B0609020204030204" pitchFamily="49" charset="0"/>
+              </a:rPr>
+              <a:t>}</a:t>
+            </a:r>
+          </a:p>
+          <a:p>
+            <a:br>
+              <a:rPr lang="es-MX" sz="1200" b="0" dirty="0">
+                <a:solidFill>
+                  <a:srgbClr val="ABB2BF"/>
+                </a:solidFill>
+                <a:effectLst/>
+                <a:latin typeface="Consolas" panose="020B0609020204030204" pitchFamily="49" charset="0"/>
+              </a:rPr>
+            </a:br>
+            <a:endParaRPr lang="es-MX" sz="1200" b="0" dirty="0">
+              <a:solidFill>
+                <a:srgbClr val="ABB2BF"/>
+              </a:solidFill>
+              <a:effectLst/>
+              <a:latin typeface="Consolas" panose="020B0609020204030204" pitchFamily="49" charset="0"/>
+            </a:endParaRPr>
+          </a:p>
+          <a:p>
+            <a:br>
+              <a:rPr lang="es-MX" sz="1200" b="0" dirty="0">
+                <a:solidFill>
+                  <a:srgbClr val="ABB2BF"/>
+                </a:solidFill>
+                <a:effectLst/>
+                <a:latin typeface="Consolas" panose="020B0609020204030204" pitchFamily="49" charset="0"/>
+              </a:rPr>
+            </a:br>
+            <a:endParaRPr lang="es-MX" sz="1200" b="0" dirty="0">
+              <a:solidFill>
+                <a:srgbClr val="ABB2BF"/>
+              </a:solidFill>
+              <a:effectLst/>
+              <a:latin typeface="Consolas" panose="020B0609020204030204" pitchFamily="49" charset="0"/>
+            </a:endParaRPr>
+          </a:p>
           <a:p>
             <a:endParaRPr lang="es-MX" sz="1200" dirty="0"/>
           </a:p>
@@ -47097,51 +50500,6 @@
               </a:rPr>
               <a:t>P04</a:t>
             </a:r>
-          </a:p>
-        </p:txBody>
-      </p:sp>
-      <p:sp>
-        <p:nvSpPr>
-          <p:cNvPr id="14" name="13 Rectángulo redondeado"/>
-          <p:cNvSpPr/>
-          <p:nvPr/>
-        </p:nvSpPr>
-        <p:spPr>
-          <a:xfrm>
-            <a:off x="3645024" y="1403648"/>
-            <a:ext cx="2952328" cy="6624736"/>
-          </a:xfrm>
-          <a:prstGeom prst="roundRect">
-            <a:avLst/>
-          </a:prstGeom>
-          <a:effectLst>
-            <a:glow rad="228600">
-              <a:schemeClr val="accent4">
-                <a:satMod val="175000"/>
-                <a:alpha val="40000"/>
-              </a:schemeClr>
-            </a:glow>
-          </a:effectLst>
-        </p:spPr>
-        <p:style>
-          <a:lnRef idx="2">
-            <a:schemeClr val="accent4"/>
-          </a:lnRef>
-          <a:fillRef idx="1">
-            <a:schemeClr val="lt1"/>
-          </a:fillRef>
-          <a:effectRef idx="0">
-            <a:schemeClr val="accent4"/>
-          </a:effectRef>
-          <a:fontRef idx="minor">
-            <a:schemeClr val="dk1"/>
-          </a:fontRef>
-        </p:style>
-        <p:txBody>
-          <a:bodyPr lIns="91435" tIns="45718" rIns="91435" bIns="45718" rtlCol="0" anchor="t"/>
-          <a:lstStyle/>
-          <a:p>
-            <a:endParaRPr lang="es-MX" sz="1200" dirty="0"/>
           </a:p>
         </p:txBody>
       </p:sp>
@@ -49063,12 +52421,15 @@
         </p:nvSpPr>
         <p:spPr>
           <a:xfrm>
-            <a:off x="368659" y="1403648"/>
-            <a:ext cx="2985801" cy="6624736"/>
+            <a:off x="282194" y="1489894"/>
+            <a:ext cx="6172200" cy="6624736"/>
           </a:xfrm>
           <a:prstGeom prst="roundRect">
             <a:avLst/>
           </a:prstGeom>
+          <a:solidFill>
+            <a:schemeClr val="tx1"/>
+          </a:solidFill>
           <a:effectLst>
             <a:glow rad="228600">
               <a:schemeClr val="accent4">
@@ -49095,6 +52456,1230 @@
         <p:txBody>
           <a:bodyPr lIns="91435" tIns="45718" rIns="91435" bIns="45718" rtlCol="0" anchor="t"/>
           <a:lstStyle/>
+          <a:p>
+            <a:r>
+              <a:rPr lang="es-MX" sz="1400" b="0" dirty="0">
+                <a:solidFill>
+                  <a:srgbClr val="C678DD"/>
+                </a:solidFill>
+                <a:effectLst/>
+                <a:latin typeface="Consolas" panose="020B0609020204030204" pitchFamily="49" charset="0"/>
+              </a:rPr>
+              <a:t>#include</a:t>
+            </a:r>
+            <a:r>
+              <a:rPr lang="es-MX" sz="1400" b="0" dirty="0">
+                <a:solidFill>
+                  <a:srgbClr val="ABB2BF"/>
+                </a:solidFill>
+                <a:effectLst/>
+                <a:latin typeface="Consolas" panose="020B0609020204030204" pitchFamily="49" charset="0"/>
+              </a:rPr>
+              <a:t> </a:t>
+            </a:r>
+            <a:r>
+              <a:rPr lang="es-MX" sz="1400" b="0" dirty="0">
+                <a:solidFill>
+                  <a:srgbClr val="98C379"/>
+                </a:solidFill>
+                <a:effectLst/>
+                <a:latin typeface="Consolas" panose="020B0609020204030204" pitchFamily="49" charset="0"/>
+              </a:rPr>
+              <a:t>&lt;</a:t>
+            </a:r>
+            <a:r>
+              <a:rPr lang="es-MX" sz="1400" b="0" dirty="0" err="1">
+                <a:solidFill>
+                  <a:srgbClr val="98C379"/>
+                </a:solidFill>
+                <a:effectLst/>
+                <a:latin typeface="Consolas" panose="020B0609020204030204" pitchFamily="49" charset="0"/>
+              </a:rPr>
+              <a:t>stdio.h</a:t>
+            </a:r>
+            <a:r>
+              <a:rPr lang="es-MX" sz="1400" b="0" dirty="0">
+                <a:solidFill>
+                  <a:srgbClr val="98C379"/>
+                </a:solidFill>
+                <a:effectLst/>
+                <a:latin typeface="Consolas" panose="020B0609020204030204" pitchFamily="49" charset="0"/>
+              </a:rPr>
+              <a:t>&gt;</a:t>
+            </a:r>
+            <a:endParaRPr lang="es-MX" sz="1400" b="0" dirty="0">
+              <a:solidFill>
+                <a:srgbClr val="ABB2BF"/>
+              </a:solidFill>
+              <a:effectLst/>
+              <a:latin typeface="Consolas" panose="020B0609020204030204" pitchFamily="49" charset="0"/>
+            </a:endParaRPr>
+          </a:p>
+          <a:p>
+            <a:br>
+              <a:rPr lang="es-MX" sz="1400" b="0" dirty="0">
+                <a:solidFill>
+                  <a:srgbClr val="ABB2BF"/>
+                </a:solidFill>
+                <a:effectLst/>
+                <a:latin typeface="Consolas" panose="020B0609020204030204" pitchFamily="49" charset="0"/>
+              </a:rPr>
+            </a:br>
+            <a:r>
+              <a:rPr lang="es-MX" sz="1400" b="0" dirty="0" err="1">
+                <a:solidFill>
+                  <a:srgbClr val="C678DD"/>
+                </a:solidFill>
+                <a:effectLst/>
+                <a:latin typeface="Consolas" panose="020B0609020204030204" pitchFamily="49" charset="0"/>
+              </a:rPr>
+              <a:t>void</a:t>
+            </a:r>
+            <a:r>
+              <a:rPr lang="es-MX" sz="1400" b="0" dirty="0">
+                <a:solidFill>
+                  <a:srgbClr val="ABB2BF"/>
+                </a:solidFill>
+                <a:effectLst/>
+                <a:latin typeface="Consolas" panose="020B0609020204030204" pitchFamily="49" charset="0"/>
+              </a:rPr>
+              <a:t> </a:t>
+            </a:r>
+            <a:r>
+              <a:rPr lang="es-MX" sz="1400" b="1" dirty="0" err="1">
+                <a:solidFill>
+                  <a:srgbClr val="61AFEF"/>
+                </a:solidFill>
+                <a:effectLst/>
+                <a:latin typeface="Consolas" panose="020B0609020204030204" pitchFamily="49" charset="0"/>
+              </a:rPr>
+              <a:t>main</a:t>
+            </a:r>
+            <a:r>
+              <a:rPr lang="es-MX" sz="1400" b="0" dirty="0">
+                <a:solidFill>
+                  <a:srgbClr val="ABB2BF"/>
+                </a:solidFill>
+                <a:effectLst/>
+                <a:latin typeface="Consolas" panose="020B0609020204030204" pitchFamily="49" charset="0"/>
+              </a:rPr>
+              <a:t>()</a:t>
+            </a:r>
+          </a:p>
+          <a:p>
+            <a:r>
+              <a:rPr lang="es-MX" sz="1400" b="0" dirty="0">
+                <a:solidFill>
+                  <a:srgbClr val="ABB2BF"/>
+                </a:solidFill>
+                <a:effectLst/>
+                <a:latin typeface="Consolas" panose="020B0609020204030204" pitchFamily="49" charset="0"/>
+              </a:rPr>
+              <a:t>{</a:t>
+            </a:r>
+          </a:p>
+          <a:p>
+            <a:r>
+              <a:rPr lang="es-MX" sz="1400" b="0" dirty="0">
+                <a:solidFill>
+                  <a:srgbClr val="ABB2BF"/>
+                </a:solidFill>
+                <a:effectLst/>
+                <a:latin typeface="Consolas" panose="020B0609020204030204" pitchFamily="49" charset="0"/>
+              </a:rPr>
+              <a:t>    </a:t>
+            </a:r>
+            <a:r>
+              <a:rPr lang="es-MX" sz="1400" b="0" dirty="0" err="1">
+                <a:solidFill>
+                  <a:srgbClr val="C678DD"/>
+                </a:solidFill>
+                <a:effectLst/>
+                <a:latin typeface="Consolas" panose="020B0609020204030204" pitchFamily="49" charset="0"/>
+              </a:rPr>
+              <a:t>float</a:t>
+            </a:r>
+            <a:r>
+              <a:rPr lang="es-MX" sz="1400" b="0" dirty="0">
+                <a:solidFill>
+                  <a:srgbClr val="ABB2BF"/>
+                </a:solidFill>
+                <a:effectLst/>
+                <a:latin typeface="Consolas" panose="020B0609020204030204" pitchFamily="49" charset="0"/>
+              </a:rPr>
+              <a:t> </a:t>
+            </a:r>
+            <a:r>
+              <a:rPr lang="es-MX" sz="1400" b="0" dirty="0" err="1">
+                <a:solidFill>
+                  <a:srgbClr val="E06C75"/>
+                </a:solidFill>
+                <a:effectLst/>
+                <a:latin typeface="Consolas" panose="020B0609020204030204" pitchFamily="49" charset="0"/>
+              </a:rPr>
+              <a:t>far</a:t>
+            </a:r>
+            <a:r>
+              <a:rPr lang="es-MX" sz="1400" b="0" dirty="0">
+                <a:solidFill>
+                  <a:srgbClr val="ABB2BF"/>
+                </a:solidFill>
+                <a:effectLst/>
+                <a:latin typeface="Consolas" panose="020B0609020204030204" pitchFamily="49" charset="0"/>
+              </a:rPr>
+              <a:t>, </a:t>
+            </a:r>
+            <a:r>
+              <a:rPr lang="es-MX" sz="1400" b="0" dirty="0" err="1">
+                <a:solidFill>
+                  <a:srgbClr val="E06C75"/>
+                </a:solidFill>
+                <a:effectLst/>
+                <a:latin typeface="Consolas" panose="020B0609020204030204" pitchFamily="49" charset="0"/>
+              </a:rPr>
+              <a:t>cel</a:t>
+            </a:r>
+            <a:r>
+              <a:rPr lang="es-MX" sz="1400" b="0" dirty="0">
+                <a:solidFill>
+                  <a:srgbClr val="ABB2BF"/>
+                </a:solidFill>
+                <a:effectLst/>
+                <a:latin typeface="Consolas" panose="020B0609020204030204" pitchFamily="49" charset="0"/>
+              </a:rPr>
+              <a:t> , </a:t>
+            </a:r>
+            <a:r>
+              <a:rPr lang="es-MX" sz="1400" b="0" dirty="0" err="1">
+                <a:solidFill>
+                  <a:srgbClr val="E06C75"/>
+                </a:solidFill>
+                <a:effectLst/>
+                <a:latin typeface="Consolas" panose="020B0609020204030204" pitchFamily="49" charset="0"/>
+              </a:rPr>
+              <a:t>kel</a:t>
+            </a:r>
+            <a:r>
+              <a:rPr lang="es-MX" sz="1400" b="0" dirty="0">
+                <a:solidFill>
+                  <a:srgbClr val="ABB2BF"/>
+                </a:solidFill>
+                <a:effectLst/>
+                <a:latin typeface="Consolas" panose="020B0609020204030204" pitchFamily="49" charset="0"/>
+              </a:rPr>
+              <a:t>;</a:t>
+            </a:r>
+          </a:p>
+          <a:p>
+            <a:r>
+              <a:rPr lang="es-MX" sz="1400" b="0" dirty="0">
+                <a:solidFill>
+                  <a:srgbClr val="ABB2BF"/>
+                </a:solidFill>
+                <a:effectLst/>
+                <a:latin typeface="Consolas" panose="020B0609020204030204" pitchFamily="49" charset="0"/>
+              </a:rPr>
+              <a:t>    </a:t>
+            </a:r>
+            <a:r>
+              <a:rPr lang="es-MX" sz="1400" b="1" dirty="0" err="1">
+                <a:solidFill>
+                  <a:srgbClr val="61AFEF"/>
+                </a:solidFill>
+                <a:effectLst/>
+                <a:latin typeface="Consolas" panose="020B0609020204030204" pitchFamily="49" charset="0"/>
+              </a:rPr>
+              <a:t>printf</a:t>
+            </a:r>
+            <a:r>
+              <a:rPr lang="es-MX" sz="1400" b="0" dirty="0">
+                <a:solidFill>
+                  <a:srgbClr val="ABB2BF"/>
+                </a:solidFill>
+                <a:effectLst/>
+                <a:latin typeface="Consolas" panose="020B0609020204030204" pitchFamily="49" charset="0"/>
+              </a:rPr>
+              <a:t>(</a:t>
+            </a:r>
+            <a:r>
+              <a:rPr lang="es-MX" sz="1400" b="0" dirty="0">
+                <a:solidFill>
+                  <a:srgbClr val="98C379"/>
+                </a:solidFill>
+                <a:effectLst/>
+                <a:latin typeface="Consolas" panose="020B0609020204030204" pitchFamily="49" charset="0"/>
+              </a:rPr>
+              <a:t>"Este programa te ayudara a hacer la </a:t>
+            </a:r>
+            <a:r>
+              <a:rPr lang="es-MX" sz="1400" b="0" dirty="0" err="1">
+                <a:solidFill>
+                  <a:srgbClr val="98C379"/>
+                </a:solidFill>
+                <a:effectLst/>
+                <a:latin typeface="Consolas" panose="020B0609020204030204" pitchFamily="49" charset="0"/>
+              </a:rPr>
+              <a:t>conversion</a:t>
+            </a:r>
+            <a:r>
+              <a:rPr lang="es-MX" sz="1400" b="0" dirty="0">
+                <a:solidFill>
+                  <a:srgbClr val="98C379"/>
+                </a:solidFill>
+                <a:effectLst/>
+                <a:latin typeface="Consolas" panose="020B0609020204030204" pitchFamily="49" charset="0"/>
+              </a:rPr>
+              <a:t> de grados </a:t>
+            </a:r>
+            <a:r>
+              <a:rPr lang="es-MX" sz="1400" b="0" dirty="0" err="1">
+                <a:solidFill>
+                  <a:srgbClr val="98C379"/>
+                </a:solidFill>
+                <a:effectLst/>
+                <a:latin typeface="Consolas" panose="020B0609020204030204" pitchFamily="49" charset="0"/>
+              </a:rPr>
+              <a:t>Fahrenehit</a:t>
+            </a:r>
+            <a:r>
+              <a:rPr lang="es-MX" sz="1400" b="0" dirty="0">
+                <a:solidFill>
+                  <a:srgbClr val="98C379"/>
+                </a:solidFill>
+                <a:effectLst/>
+                <a:latin typeface="Consolas" panose="020B0609020204030204" pitchFamily="49" charset="0"/>
+              </a:rPr>
+              <a:t> a Celsius y Kelvin"</a:t>
+            </a:r>
+            <a:r>
+              <a:rPr lang="es-MX" sz="1400" b="0" dirty="0">
+                <a:solidFill>
+                  <a:srgbClr val="ABB2BF"/>
+                </a:solidFill>
+                <a:effectLst/>
+                <a:latin typeface="Consolas" panose="020B0609020204030204" pitchFamily="49" charset="0"/>
+              </a:rPr>
+              <a:t>);</a:t>
+            </a:r>
+          </a:p>
+          <a:p>
+            <a:r>
+              <a:rPr lang="es-MX" sz="1400" b="0" dirty="0">
+                <a:solidFill>
+                  <a:srgbClr val="ABB2BF"/>
+                </a:solidFill>
+                <a:effectLst/>
+                <a:latin typeface="Consolas" panose="020B0609020204030204" pitchFamily="49" charset="0"/>
+              </a:rPr>
+              <a:t>    </a:t>
+            </a:r>
+            <a:r>
+              <a:rPr lang="es-MX" sz="1400" b="1" dirty="0" err="1">
+                <a:solidFill>
+                  <a:srgbClr val="61AFEF"/>
+                </a:solidFill>
+                <a:effectLst/>
+                <a:latin typeface="Consolas" panose="020B0609020204030204" pitchFamily="49" charset="0"/>
+              </a:rPr>
+              <a:t>printf</a:t>
+            </a:r>
+            <a:r>
+              <a:rPr lang="es-MX" sz="1400" b="0" dirty="0">
+                <a:solidFill>
+                  <a:srgbClr val="ABB2BF"/>
+                </a:solidFill>
+                <a:effectLst/>
+                <a:latin typeface="Consolas" panose="020B0609020204030204" pitchFamily="49" charset="0"/>
+              </a:rPr>
+              <a:t>(</a:t>
+            </a:r>
+            <a:r>
+              <a:rPr lang="es-MX" sz="1400" b="0" dirty="0">
+                <a:solidFill>
+                  <a:srgbClr val="98C379"/>
+                </a:solidFill>
+                <a:effectLst/>
+                <a:latin typeface="Consolas" panose="020B0609020204030204" pitchFamily="49" charset="0"/>
+              </a:rPr>
+              <a:t>"</a:t>
+            </a:r>
+            <a:r>
+              <a:rPr lang="es-MX" sz="1400" b="0" dirty="0">
+                <a:solidFill>
+                  <a:srgbClr val="56B6C2"/>
+                </a:solidFill>
+                <a:effectLst/>
+                <a:latin typeface="Consolas" panose="020B0609020204030204" pitchFamily="49" charset="0"/>
+              </a:rPr>
+              <a:t>\</a:t>
+            </a:r>
+            <a:r>
+              <a:rPr lang="es-MX" sz="1400" b="0" dirty="0" err="1">
+                <a:solidFill>
+                  <a:srgbClr val="56B6C2"/>
+                </a:solidFill>
+                <a:effectLst/>
+                <a:latin typeface="Consolas" panose="020B0609020204030204" pitchFamily="49" charset="0"/>
+              </a:rPr>
+              <a:t>n</a:t>
+            </a:r>
+            <a:r>
+              <a:rPr lang="es-MX" sz="1400" b="0" dirty="0" err="1">
+                <a:solidFill>
+                  <a:srgbClr val="98C379"/>
+                </a:solidFill>
+                <a:effectLst/>
+                <a:latin typeface="Consolas" panose="020B0609020204030204" pitchFamily="49" charset="0"/>
+              </a:rPr>
+              <a:t>Introduce</a:t>
+            </a:r>
+            <a:r>
+              <a:rPr lang="es-MX" sz="1400" b="0" dirty="0">
+                <a:solidFill>
+                  <a:srgbClr val="98C379"/>
+                </a:solidFill>
+                <a:effectLst/>
+                <a:latin typeface="Consolas" panose="020B0609020204030204" pitchFamily="49" charset="0"/>
+              </a:rPr>
+              <a:t> los grados Fahrenheit: "</a:t>
+            </a:r>
+            <a:r>
+              <a:rPr lang="es-MX" sz="1400" b="0" dirty="0">
+                <a:solidFill>
+                  <a:srgbClr val="ABB2BF"/>
+                </a:solidFill>
+                <a:effectLst/>
+                <a:latin typeface="Consolas" panose="020B0609020204030204" pitchFamily="49" charset="0"/>
+              </a:rPr>
+              <a:t>);</a:t>
+            </a:r>
+          </a:p>
+          <a:p>
+            <a:r>
+              <a:rPr lang="es-MX" sz="1400" b="0" dirty="0">
+                <a:solidFill>
+                  <a:srgbClr val="ABB2BF"/>
+                </a:solidFill>
+                <a:effectLst/>
+                <a:latin typeface="Consolas" panose="020B0609020204030204" pitchFamily="49" charset="0"/>
+              </a:rPr>
+              <a:t>    </a:t>
+            </a:r>
+            <a:r>
+              <a:rPr lang="es-MX" sz="1400" b="1" dirty="0" err="1">
+                <a:solidFill>
+                  <a:srgbClr val="61AFEF"/>
+                </a:solidFill>
+                <a:effectLst/>
+                <a:latin typeface="Consolas" panose="020B0609020204030204" pitchFamily="49" charset="0"/>
+              </a:rPr>
+              <a:t>scanf</a:t>
+            </a:r>
+            <a:r>
+              <a:rPr lang="es-MX" sz="1400" b="0" dirty="0">
+                <a:solidFill>
+                  <a:srgbClr val="ABB2BF"/>
+                </a:solidFill>
+                <a:effectLst/>
+                <a:latin typeface="Consolas" panose="020B0609020204030204" pitchFamily="49" charset="0"/>
+              </a:rPr>
+              <a:t>(</a:t>
+            </a:r>
+            <a:r>
+              <a:rPr lang="es-MX" sz="1400" b="0" dirty="0">
+                <a:solidFill>
+                  <a:srgbClr val="98C379"/>
+                </a:solidFill>
+                <a:effectLst/>
+                <a:latin typeface="Consolas" panose="020B0609020204030204" pitchFamily="49" charset="0"/>
+              </a:rPr>
+              <a:t>"</a:t>
+            </a:r>
+            <a:r>
+              <a:rPr lang="es-MX" sz="1400" b="0" dirty="0">
+                <a:solidFill>
+                  <a:srgbClr val="D19A66"/>
+                </a:solidFill>
+                <a:effectLst/>
+                <a:latin typeface="Consolas" panose="020B0609020204030204" pitchFamily="49" charset="0"/>
+              </a:rPr>
+              <a:t>%f</a:t>
+            </a:r>
+            <a:r>
+              <a:rPr lang="es-MX" sz="1400" b="0" dirty="0">
+                <a:solidFill>
+                  <a:srgbClr val="98C379"/>
+                </a:solidFill>
+                <a:effectLst/>
+                <a:latin typeface="Consolas" panose="020B0609020204030204" pitchFamily="49" charset="0"/>
+              </a:rPr>
+              <a:t>"</a:t>
+            </a:r>
+            <a:r>
+              <a:rPr lang="es-MX" sz="1400" b="0" dirty="0">
+                <a:solidFill>
+                  <a:srgbClr val="ABB2BF"/>
+                </a:solidFill>
+                <a:effectLst/>
+                <a:latin typeface="Consolas" panose="020B0609020204030204" pitchFamily="49" charset="0"/>
+              </a:rPr>
+              <a:t>, </a:t>
+            </a:r>
+            <a:r>
+              <a:rPr lang="es-MX" sz="1400" b="0" dirty="0">
+                <a:solidFill>
+                  <a:srgbClr val="C678DD"/>
+                </a:solidFill>
+                <a:effectLst/>
+                <a:latin typeface="Consolas" panose="020B0609020204030204" pitchFamily="49" charset="0"/>
+              </a:rPr>
+              <a:t>&amp;</a:t>
+            </a:r>
+            <a:r>
+              <a:rPr lang="es-MX" sz="1400" b="0" dirty="0">
+                <a:solidFill>
+                  <a:srgbClr val="ABB2BF"/>
+                </a:solidFill>
+                <a:effectLst/>
+                <a:latin typeface="Consolas" panose="020B0609020204030204" pitchFamily="49" charset="0"/>
+              </a:rPr>
+              <a:t> </a:t>
+            </a:r>
+            <a:r>
+              <a:rPr lang="es-MX" sz="1400" b="0" dirty="0" err="1">
+                <a:solidFill>
+                  <a:srgbClr val="E06C75"/>
+                </a:solidFill>
+                <a:effectLst/>
+                <a:latin typeface="Consolas" panose="020B0609020204030204" pitchFamily="49" charset="0"/>
+              </a:rPr>
+              <a:t>far</a:t>
+            </a:r>
+            <a:r>
+              <a:rPr lang="es-MX" sz="1400" b="0" dirty="0">
+                <a:solidFill>
+                  <a:srgbClr val="ABB2BF"/>
+                </a:solidFill>
+                <a:effectLst/>
+                <a:latin typeface="Consolas" panose="020B0609020204030204" pitchFamily="49" charset="0"/>
+              </a:rPr>
+              <a:t>);</a:t>
+            </a:r>
+          </a:p>
+          <a:p>
+            <a:br>
+              <a:rPr lang="es-MX" sz="1400" b="0" dirty="0">
+                <a:solidFill>
+                  <a:srgbClr val="ABB2BF"/>
+                </a:solidFill>
+                <a:effectLst/>
+                <a:latin typeface="Consolas" panose="020B0609020204030204" pitchFamily="49" charset="0"/>
+              </a:rPr>
+            </a:br>
+            <a:r>
+              <a:rPr lang="es-MX" sz="1400" b="0" dirty="0">
+                <a:solidFill>
+                  <a:srgbClr val="ABB2BF"/>
+                </a:solidFill>
+                <a:effectLst/>
+                <a:latin typeface="Consolas" panose="020B0609020204030204" pitchFamily="49" charset="0"/>
+              </a:rPr>
+              <a:t>    </a:t>
+            </a:r>
+            <a:r>
+              <a:rPr lang="es-MX" sz="1400" b="0" dirty="0" err="1">
+                <a:solidFill>
+                  <a:srgbClr val="E06C75"/>
+                </a:solidFill>
+                <a:effectLst/>
+                <a:latin typeface="Consolas" panose="020B0609020204030204" pitchFamily="49" charset="0"/>
+              </a:rPr>
+              <a:t>cel</a:t>
+            </a:r>
+            <a:r>
+              <a:rPr lang="es-MX" sz="1400" b="0" dirty="0">
+                <a:solidFill>
+                  <a:srgbClr val="ABB2BF"/>
+                </a:solidFill>
+                <a:effectLst/>
+                <a:latin typeface="Consolas" panose="020B0609020204030204" pitchFamily="49" charset="0"/>
+              </a:rPr>
+              <a:t> </a:t>
+            </a:r>
+            <a:r>
+              <a:rPr lang="es-MX" sz="1400" b="0" dirty="0">
+                <a:solidFill>
+                  <a:srgbClr val="C678DD"/>
+                </a:solidFill>
+                <a:effectLst/>
+                <a:latin typeface="Consolas" panose="020B0609020204030204" pitchFamily="49" charset="0"/>
+              </a:rPr>
+              <a:t>=</a:t>
+            </a:r>
+            <a:r>
+              <a:rPr lang="es-MX" sz="1400" b="0" dirty="0">
+                <a:solidFill>
+                  <a:srgbClr val="ABB2BF"/>
+                </a:solidFill>
+                <a:effectLst/>
+                <a:latin typeface="Consolas" panose="020B0609020204030204" pitchFamily="49" charset="0"/>
+              </a:rPr>
+              <a:t> (</a:t>
+            </a:r>
+            <a:r>
+              <a:rPr lang="es-MX" sz="1400" b="0" dirty="0">
+                <a:solidFill>
+                  <a:srgbClr val="D19A66"/>
+                </a:solidFill>
+                <a:effectLst/>
+                <a:latin typeface="Consolas" panose="020B0609020204030204" pitchFamily="49" charset="0"/>
+              </a:rPr>
+              <a:t>5.0</a:t>
+            </a:r>
+            <a:r>
+              <a:rPr lang="es-MX" sz="1400" b="0" dirty="0">
+                <a:solidFill>
+                  <a:srgbClr val="C678DD"/>
+                </a:solidFill>
+                <a:effectLst/>
+                <a:latin typeface="Consolas" panose="020B0609020204030204" pitchFamily="49" charset="0"/>
+              </a:rPr>
+              <a:t>/</a:t>
+            </a:r>
+            <a:r>
+              <a:rPr lang="es-MX" sz="1400" b="0" dirty="0">
+                <a:solidFill>
+                  <a:srgbClr val="D19A66"/>
+                </a:solidFill>
+                <a:effectLst/>
+                <a:latin typeface="Consolas" panose="020B0609020204030204" pitchFamily="49" charset="0"/>
+              </a:rPr>
+              <a:t>9.0</a:t>
+            </a:r>
+            <a:r>
+              <a:rPr lang="es-MX" sz="1400" b="0" dirty="0">
+                <a:solidFill>
+                  <a:srgbClr val="ABB2BF"/>
+                </a:solidFill>
+                <a:effectLst/>
+                <a:latin typeface="Consolas" panose="020B0609020204030204" pitchFamily="49" charset="0"/>
+              </a:rPr>
+              <a:t>)</a:t>
+            </a:r>
+            <a:r>
+              <a:rPr lang="es-MX" sz="1400" b="0" dirty="0">
+                <a:solidFill>
+                  <a:srgbClr val="C678DD"/>
+                </a:solidFill>
+                <a:effectLst/>
+                <a:latin typeface="Consolas" panose="020B0609020204030204" pitchFamily="49" charset="0"/>
+              </a:rPr>
+              <a:t>*</a:t>
+            </a:r>
+            <a:r>
+              <a:rPr lang="es-MX" sz="1400" b="0" dirty="0">
+                <a:solidFill>
+                  <a:srgbClr val="ABB2BF"/>
+                </a:solidFill>
+                <a:effectLst/>
+                <a:latin typeface="Consolas" panose="020B0609020204030204" pitchFamily="49" charset="0"/>
+              </a:rPr>
+              <a:t>(</a:t>
+            </a:r>
+            <a:r>
+              <a:rPr lang="es-MX" sz="1400" b="0" dirty="0">
+                <a:solidFill>
+                  <a:srgbClr val="E06C75"/>
+                </a:solidFill>
+                <a:effectLst/>
+                <a:latin typeface="Consolas" panose="020B0609020204030204" pitchFamily="49" charset="0"/>
+              </a:rPr>
+              <a:t>far</a:t>
+            </a:r>
+            <a:r>
+              <a:rPr lang="es-MX" sz="1400" b="0" dirty="0">
+                <a:solidFill>
+                  <a:srgbClr val="C678DD"/>
+                </a:solidFill>
+                <a:effectLst/>
+                <a:latin typeface="Consolas" panose="020B0609020204030204" pitchFamily="49" charset="0"/>
+              </a:rPr>
+              <a:t>-</a:t>
+            </a:r>
+            <a:r>
+              <a:rPr lang="es-MX" sz="1400" b="0" dirty="0">
+                <a:solidFill>
+                  <a:srgbClr val="D19A66"/>
+                </a:solidFill>
+                <a:effectLst/>
+                <a:latin typeface="Consolas" panose="020B0609020204030204" pitchFamily="49" charset="0"/>
+              </a:rPr>
+              <a:t>32.0</a:t>
+            </a:r>
+            <a:r>
+              <a:rPr lang="es-MX" sz="1400" b="0" dirty="0">
+                <a:solidFill>
+                  <a:srgbClr val="ABB2BF"/>
+                </a:solidFill>
+                <a:effectLst/>
+                <a:latin typeface="Consolas" panose="020B0609020204030204" pitchFamily="49" charset="0"/>
+              </a:rPr>
+              <a:t>) ;</a:t>
+            </a:r>
+          </a:p>
+          <a:p>
+            <a:r>
+              <a:rPr lang="es-MX" sz="1400" b="0" dirty="0">
+                <a:solidFill>
+                  <a:srgbClr val="ABB2BF"/>
+                </a:solidFill>
+                <a:effectLst/>
+                <a:latin typeface="Consolas" panose="020B0609020204030204" pitchFamily="49" charset="0"/>
+              </a:rPr>
+              <a:t>    </a:t>
+            </a:r>
+            <a:r>
+              <a:rPr lang="es-MX" sz="1400" b="0" dirty="0" err="1">
+                <a:solidFill>
+                  <a:srgbClr val="E06C75"/>
+                </a:solidFill>
+                <a:effectLst/>
+                <a:latin typeface="Consolas" panose="020B0609020204030204" pitchFamily="49" charset="0"/>
+              </a:rPr>
+              <a:t>kel</a:t>
+            </a:r>
+            <a:r>
+              <a:rPr lang="es-MX" sz="1400" b="0" dirty="0">
+                <a:solidFill>
+                  <a:srgbClr val="ABB2BF"/>
+                </a:solidFill>
+                <a:effectLst/>
+                <a:latin typeface="Consolas" panose="020B0609020204030204" pitchFamily="49" charset="0"/>
+              </a:rPr>
+              <a:t> </a:t>
+            </a:r>
+            <a:r>
+              <a:rPr lang="es-MX" sz="1400" b="0" dirty="0">
+                <a:solidFill>
+                  <a:srgbClr val="C678DD"/>
+                </a:solidFill>
+                <a:effectLst/>
+                <a:latin typeface="Consolas" panose="020B0609020204030204" pitchFamily="49" charset="0"/>
+              </a:rPr>
+              <a:t>=</a:t>
+            </a:r>
+            <a:r>
+              <a:rPr lang="es-MX" sz="1400" b="0" dirty="0">
+                <a:solidFill>
+                  <a:srgbClr val="ABB2BF"/>
+                </a:solidFill>
+                <a:effectLst/>
+                <a:latin typeface="Consolas" panose="020B0609020204030204" pitchFamily="49" charset="0"/>
+              </a:rPr>
+              <a:t> (</a:t>
+            </a:r>
+            <a:r>
+              <a:rPr lang="es-MX" sz="1400" b="0" dirty="0">
+                <a:solidFill>
+                  <a:srgbClr val="D19A66"/>
+                </a:solidFill>
+                <a:effectLst/>
+                <a:latin typeface="Consolas" panose="020B0609020204030204" pitchFamily="49" charset="0"/>
+              </a:rPr>
+              <a:t>5.0</a:t>
+            </a:r>
+            <a:r>
+              <a:rPr lang="es-MX" sz="1400" b="0" dirty="0">
+                <a:solidFill>
+                  <a:srgbClr val="C678DD"/>
+                </a:solidFill>
+                <a:effectLst/>
+                <a:latin typeface="Consolas" panose="020B0609020204030204" pitchFamily="49" charset="0"/>
+              </a:rPr>
+              <a:t>/</a:t>
+            </a:r>
+            <a:r>
+              <a:rPr lang="es-MX" sz="1400" b="0" dirty="0">
+                <a:solidFill>
+                  <a:srgbClr val="D19A66"/>
+                </a:solidFill>
+                <a:effectLst/>
+                <a:latin typeface="Consolas" panose="020B0609020204030204" pitchFamily="49" charset="0"/>
+              </a:rPr>
+              <a:t>9.0</a:t>
+            </a:r>
+            <a:r>
+              <a:rPr lang="es-MX" sz="1400" b="0" dirty="0">
+                <a:solidFill>
+                  <a:srgbClr val="ABB2BF"/>
+                </a:solidFill>
+                <a:effectLst/>
+                <a:latin typeface="Consolas" panose="020B0609020204030204" pitchFamily="49" charset="0"/>
+              </a:rPr>
+              <a:t>)</a:t>
+            </a:r>
+            <a:r>
+              <a:rPr lang="es-MX" sz="1400" b="0" dirty="0">
+                <a:solidFill>
+                  <a:srgbClr val="C678DD"/>
+                </a:solidFill>
+                <a:effectLst/>
+                <a:latin typeface="Consolas" panose="020B0609020204030204" pitchFamily="49" charset="0"/>
+              </a:rPr>
+              <a:t>*</a:t>
+            </a:r>
+            <a:r>
+              <a:rPr lang="es-MX" sz="1400" b="0" dirty="0">
+                <a:solidFill>
+                  <a:srgbClr val="ABB2BF"/>
+                </a:solidFill>
+                <a:effectLst/>
+                <a:latin typeface="Consolas" panose="020B0609020204030204" pitchFamily="49" charset="0"/>
+              </a:rPr>
+              <a:t>(</a:t>
+            </a:r>
+            <a:r>
+              <a:rPr lang="es-MX" sz="1400" b="0" dirty="0">
+                <a:solidFill>
+                  <a:srgbClr val="E06C75"/>
+                </a:solidFill>
+                <a:effectLst/>
+                <a:latin typeface="Consolas" panose="020B0609020204030204" pitchFamily="49" charset="0"/>
+              </a:rPr>
+              <a:t>far</a:t>
+            </a:r>
+            <a:r>
+              <a:rPr lang="es-MX" sz="1400" b="0" dirty="0">
+                <a:solidFill>
+                  <a:srgbClr val="C678DD"/>
+                </a:solidFill>
+                <a:effectLst/>
+                <a:latin typeface="Consolas" panose="020B0609020204030204" pitchFamily="49" charset="0"/>
+              </a:rPr>
+              <a:t>+</a:t>
+            </a:r>
+            <a:r>
+              <a:rPr lang="es-MX" sz="1400" b="0" dirty="0">
+                <a:solidFill>
+                  <a:srgbClr val="D19A66"/>
+                </a:solidFill>
+                <a:effectLst/>
+                <a:latin typeface="Consolas" panose="020B0609020204030204" pitchFamily="49" charset="0"/>
+              </a:rPr>
+              <a:t>459.67</a:t>
+            </a:r>
+            <a:r>
+              <a:rPr lang="es-MX" sz="1400" b="0" dirty="0">
+                <a:solidFill>
+                  <a:srgbClr val="ABB2BF"/>
+                </a:solidFill>
+                <a:effectLst/>
+                <a:latin typeface="Consolas" panose="020B0609020204030204" pitchFamily="49" charset="0"/>
+              </a:rPr>
+              <a:t>);</a:t>
+            </a:r>
+          </a:p>
+          <a:p>
+            <a:br>
+              <a:rPr lang="es-MX" sz="1400" b="0" dirty="0">
+                <a:solidFill>
+                  <a:srgbClr val="ABB2BF"/>
+                </a:solidFill>
+                <a:effectLst/>
+                <a:latin typeface="Consolas" panose="020B0609020204030204" pitchFamily="49" charset="0"/>
+              </a:rPr>
+            </a:br>
+            <a:r>
+              <a:rPr lang="es-MX" sz="1400" b="0" dirty="0">
+                <a:solidFill>
+                  <a:srgbClr val="ABB2BF"/>
+                </a:solidFill>
+                <a:effectLst/>
+                <a:latin typeface="Consolas" panose="020B0609020204030204" pitchFamily="49" charset="0"/>
+              </a:rPr>
+              <a:t>    </a:t>
+            </a:r>
+            <a:r>
+              <a:rPr lang="es-MX" sz="1400" b="1" dirty="0" err="1">
+                <a:solidFill>
+                  <a:srgbClr val="61AFEF"/>
+                </a:solidFill>
+                <a:effectLst/>
+                <a:latin typeface="Consolas" panose="020B0609020204030204" pitchFamily="49" charset="0"/>
+              </a:rPr>
+              <a:t>printf</a:t>
+            </a:r>
+            <a:r>
+              <a:rPr lang="es-MX" sz="1400" b="0" dirty="0">
+                <a:solidFill>
+                  <a:srgbClr val="ABB2BF"/>
+                </a:solidFill>
+                <a:effectLst/>
+                <a:latin typeface="Consolas" panose="020B0609020204030204" pitchFamily="49" charset="0"/>
+              </a:rPr>
+              <a:t> (</a:t>
+            </a:r>
+            <a:r>
+              <a:rPr lang="es-MX" sz="1400" b="0" dirty="0">
+                <a:solidFill>
+                  <a:srgbClr val="98C379"/>
+                </a:solidFill>
+                <a:effectLst/>
+                <a:latin typeface="Consolas" panose="020B0609020204030204" pitchFamily="49" charset="0"/>
+              </a:rPr>
+              <a:t>"</a:t>
+            </a:r>
+            <a:r>
+              <a:rPr lang="es-MX" sz="1400" b="0" dirty="0">
+                <a:solidFill>
+                  <a:srgbClr val="56B6C2"/>
+                </a:solidFill>
+                <a:effectLst/>
+                <a:latin typeface="Consolas" panose="020B0609020204030204" pitchFamily="49" charset="0"/>
+              </a:rPr>
+              <a:t>\</a:t>
+            </a:r>
+            <a:r>
+              <a:rPr lang="es-MX" sz="1400" b="0" dirty="0" err="1">
+                <a:solidFill>
+                  <a:srgbClr val="56B6C2"/>
+                </a:solidFill>
+                <a:effectLst/>
+                <a:latin typeface="Consolas" panose="020B0609020204030204" pitchFamily="49" charset="0"/>
+              </a:rPr>
+              <a:t>n</a:t>
+            </a:r>
+            <a:r>
+              <a:rPr lang="es-MX" sz="1400" b="0" dirty="0" err="1">
+                <a:solidFill>
+                  <a:srgbClr val="98C379"/>
+                </a:solidFill>
+                <a:effectLst/>
+                <a:latin typeface="Consolas" panose="020B0609020204030204" pitchFamily="49" charset="0"/>
+              </a:rPr>
+              <a:t>El</a:t>
+            </a:r>
+            <a:r>
+              <a:rPr lang="es-MX" sz="1400" b="0" dirty="0">
+                <a:solidFill>
+                  <a:srgbClr val="98C379"/>
+                </a:solidFill>
+                <a:effectLst/>
+                <a:latin typeface="Consolas" panose="020B0609020204030204" pitchFamily="49" charset="0"/>
+              </a:rPr>
+              <a:t> resultado en C es: </a:t>
+            </a:r>
+            <a:r>
+              <a:rPr lang="es-MX" sz="1400" b="0" dirty="0">
+                <a:solidFill>
+                  <a:srgbClr val="D19A66"/>
+                </a:solidFill>
+                <a:effectLst/>
+                <a:latin typeface="Consolas" panose="020B0609020204030204" pitchFamily="49" charset="0"/>
+              </a:rPr>
+              <a:t>%.4f</a:t>
+            </a:r>
+            <a:r>
+              <a:rPr lang="es-MX" sz="1400" b="0" dirty="0">
+                <a:solidFill>
+                  <a:srgbClr val="98C379"/>
+                </a:solidFill>
+                <a:effectLst/>
+                <a:latin typeface="Consolas" panose="020B0609020204030204" pitchFamily="49" charset="0"/>
+              </a:rPr>
+              <a:t>"</a:t>
+            </a:r>
+            <a:r>
+              <a:rPr lang="es-MX" sz="1400" b="0" dirty="0">
+                <a:solidFill>
+                  <a:srgbClr val="ABB2BF"/>
+                </a:solidFill>
+                <a:effectLst/>
+                <a:latin typeface="Consolas" panose="020B0609020204030204" pitchFamily="49" charset="0"/>
+              </a:rPr>
+              <a:t>, </a:t>
+            </a:r>
+            <a:r>
+              <a:rPr lang="es-MX" sz="1400" b="0" dirty="0" err="1">
+                <a:solidFill>
+                  <a:srgbClr val="E06C75"/>
+                </a:solidFill>
+                <a:effectLst/>
+                <a:latin typeface="Consolas" panose="020B0609020204030204" pitchFamily="49" charset="0"/>
+              </a:rPr>
+              <a:t>cel</a:t>
+            </a:r>
+            <a:r>
+              <a:rPr lang="es-MX" sz="1400" b="0" dirty="0">
+                <a:solidFill>
+                  <a:srgbClr val="ABB2BF"/>
+                </a:solidFill>
+                <a:effectLst/>
+                <a:latin typeface="Consolas" panose="020B0609020204030204" pitchFamily="49" charset="0"/>
+              </a:rPr>
+              <a:t>);</a:t>
+            </a:r>
+          </a:p>
+          <a:p>
+            <a:r>
+              <a:rPr lang="es-MX" sz="1400" b="0" dirty="0">
+                <a:solidFill>
+                  <a:srgbClr val="ABB2BF"/>
+                </a:solidFill>
+                <a:effectLst/>
+                <a:latin typeface="Consolas" panose="020B0609020204030204" pitchFamily="49" charset="0"/>
+              </a:rPr>
+              <a:t>    </a:t>
+            </a:r>
+            <a:r>
+              <a:rPr lang="es-MX" sz="1400" b="1" dirty="0" err="1">
+                <a:solidFill>
+                  <a:srgbClr val="61AFEF"/>
+                </a:solidFill>
+                <a:effectLst/>
+                <a:latin typeface="Consolas" panose="020B0609020204030204" pitchFamily="49" charset="0"/>
+              </a:rPr>
+              <a:t>printf</a:t>
+            </a:r>
+            <a:r>
+              <a:rPr lang="es-MX" sz="1400" b="0" dirty="0">
+                <a:solidFill>
+                  <a:srgbClr val="ABB2BF"/>
+                </a:solidFill>
+                <a:effectLst/>
+                <a:latin typeface="Consolas" panose="020B0609020204030204" pitchFamily="49" charset="0"/>
+              </a:rPr>
+              <a:t> (</a:t>
+            </a:r>
+            <a:r>
+              <a:rPr lang="es-MX" sz="1400" b="0" dirty="0">
+                <a:solidFill>
+                  <a:srgbClr val="98C379"/>
+                </a:solidFill>
+                <a:effectLst/>
+                <a:latin typeface="Consolas" panose="020B0609020204030204" pitchFamily="49" charset="0"/>
+              </a:rPr>
+              <a:t>"</a:t>
+            </a:r>
+            <a:r>
+              <a:rPr lang="es-MX" sz="1400" b="0" dirty="0">
+                <a:solidFill>
+                  <a:srgbClr val="56B6C2"/>
+                </a:solidFill>
+                <a:effectLst/>
+                <a:latin typeface="Consolas" panose="020B0609020204030204" pitchFamily="49" charset="0"/>
+              </a:rPr>
+              <a:t>\</a:t>
+            </a:r>
+            <a:r>
+              <a:rPr lang="es-MX" sz="1400" b="0" dirty="0" err="1">
+                <a:solidFill>
+                  <a:srgbClr val="56B6C2"/>
+                </a:solidFill>
+                <a:effectLst/>
+                <a:latin typeface="Consolas" panose="020B0609020204030204" pitchFamily="49" charset="0"/>
+              </a:rPr>
+              <a:t>n</a:t>
+            </a:r>
+            <a:r>
+              <a:rPr lang="es-MX" sz="1400" b="0" dirty="0" err="1">
+                <a:solidFill>
+                  <a:srgbClr val="98C379"/>
+                </a:solidFill>
+                <a:effectLst/>
+                <a:latin typeface="Consolas" panose="020B0609020204030204" pitchFamily="49" charset="0"/>
+              </a:rPr>
+              <a:t>El</a:t>
+            </a:r>
+            <a:r>
+              <a:rPr lang="es-MX" sz="1400" b="0" dirty="0">
+                <a:solidFill>
+                  <a:srgbClr val="98C379"/>
+                </a:solidFill>
+                <a:effectLst/>
+                <a:latin typeface="Consolas" panose="020B0609020204030204" pitchFamily="49" charset="0"/>
+              </a:rPr>
+              <a:t> resultado en K es: </a:t>
+            </a:r>
+            <a:r>
+              <a:rPr lang="es-MX" sz="1400" b="0" dirty="0">
+                <a:solidFill>
+                  <a:srgbClr val="D19A66"/>
+                </a:solidFill>
+                <a:effectLst/>
+                <a:latin typeface="Consolas" panose="020B0609020204030204" pitchFamily="49" charset="0"/>
+              </a:rPr>
+              <a:t>%.4f</a:t>
+            </a:r>
+            <a:r>
+              <a:rPr lang="es-MX" sz="1400" b="0" dirty="0">
+                <a:solidFill>
+                  <a:srgbClr val="56B6C2"/>
+                </a:solidFill>
+                <a:effectLst/>
+                <a:latin typeface="Consolas" panose="020B0609020204030204" pitchFamily="49" charset="0"/>
+              </a:rPr>
+              <a:t>\n</a:t>
+            </a:r>
+            <a:r>
+              <a:rPr lang="es-MX" sz="1400" b="0" dirty="0">
+                <a:solidFill>
+                  <a:srgbClr val="98C379"/>
+                </a:solidFill>
+                <a:effectLst/>
+                <a:latin typeface="Consolas" panose="020B0609020204030204" pitchFamily="49" charset="0"/>
+              </a:rPr>
+              <a:t>"</a:t>
+            </a:r>
+            <a:r>
+              <a:rPr lang="es-MX" sz="1400" b="0" dirty="0">
+                <a:solidFill>
+                  <a:srgbClr val="ABB2BF"/>
+                </a:solidFill>
+                <a:effectLst/>
+                <a:latin typeface="Consolas" panose="020B0609020204030204" pitchFamily="49" charset="0"/>
+              </a:rPr>
+              <a:t>, </a:t>
+            </a:r>
+            <a:r>
+              <a:rPr lang="es-MX" sz="1400" b="0" dirty="0" err="1">
+                <a:solidFill>
+                  <a:srgbClr val="E06C75"/>
+                </a:solidFill>
+                <a:effectLst/>
+                <a:latin typeface="Consolas" panose="020B0609020204030204" pitchFamily="49" charset="0"/>
+              </a:rPr>
+              <a:t>kel</a:t>
+            </a:r>
+            <a:r>
+              <a:rPr lang="es-MX" sz="1400" b="0" dirty="0">
+                <a:solidFill>
+                  <a:srgbClr val="ABB2BF"/>
+                </a:solidFill>
+                <a:effectLst/>
+                <a:latin typeface="Consolas" panose="020B0609020204030204" pitchFamily="49" charset="0"/>
+              </a:rPr>
+              <a:t>);</a:t>
+            </a:r>
+          </a:p>
+          <a:p>
+            <a:r>
+              <a:rPr lang="es-MX" sz="1400" b="0" dirty="0">
+                <a:solidFill>
+                  <a:srgbClr val="ABB2BF"/>
+                </a:solidFill>
+                <a:effectLst/>
+                <a:latin typeface="Consolas" panose="020B0609020204030204" pitchFamily="49" charset="0"/>
+              </a:rPr>
+              <a:t>    </a:t>
+            </a:r>
+            <a:r>
+              <a:rPr lang="es-MX" sz="1400" b="1" dirty="0" err="1">
+                <a:solidFill>
+                  <a:srgbClr val="61AFEF"/>
+                </a:solidFill>
+                <a:effectLst/>
+                <a:latin typeface="Consolas" panose="020B0609020204030204" pitchFamily="49" charset="0"/>
+              </a:rPr>
+              <a:t>system</a:t>
+            </a:r>
+            <a:r>
+              <a:rPr lang="es-MX" sz="1400" b="0" dirty="0">
+                <a:solidFill>
+                  <a:srgbClr val="ABB2BF"/>
+                </a:solidFill>
+                <a:effectLst/>
+                <a:latin typeface="Consolas" panose="020B0609020204030204" pitchFamily="49" charset="0"/>
+              </a:rPr>
+              <a:t>(</a:t>
+            </a:r>
+            <a:r>
+              <a:rPr lang="es-MX" sz="1400" b="0" dirty="0">
+                <a:solidFill>
+                  <a:srgbClr val="98C379"/>
+                </a:solidFill>
+                <a:effectLst/>
+                <a:latin typeface="Consolas" panose="020B0609020204030204" pitchFamily="49" charset="0"/>
+              </a:rPr>
+              <a:t>"PAUSE"</a:t>
+            </a:r>
+            <a:r>
+              <a:rPr lang="es-MX" sz="1400" b="0" dirty="0">
+                <a:solidFill>
+                  <a:srgbClr val="ABB2BF"/>
+                </a:solidFill>
+                <a:effectLst/>
+                <a:latin typeface="Consolas" panose="020B0609020204030204" pitchFamily="49" charset="0"/>
+              </a:rPr>
+              <a:t>);</a:t>
+            </a:r>
+          </a:p>
+          <a:p>
+            <a:r>
+              <a:rPr lang="es-MX" sz="1400" b="0" dirty="0">
+                <a:solidFill>
+                  <a:srgbClr val="ABB2BF"/>
+                </a:solidFill>
+                <a:effectLst/>
+                <a:latin typeface="Consolas" panose="020B0609020204030204" pitchFamily="49" charset="0"/>
+              </a:rPr>
+              <a:t>}</a:t>
+            </a:r>
+          </a:p>
+          <a:p>
+            <a:br>
+              <a:rPr lang="es-MX" sz="1400" b="0" dirty="0">
+                <a:solidFill>
+                  <a:srgbClr val="ABB2BF"/>
+                </a:solidFill>
+                <a:effectLst/>
+                <a:latin typeface="Consolas" panose="020B0609020204030204" pitchFamily="49" charset="0"/>
+              </a:rPr>
+            </a:br>
+            <a:endParaRPr lang="es-MX" sz="1400" b="0" dirty="0">
+              <a:solidFill>
+                <a:srgbClr val="ABB2BF"/>
+              </a:solidFill>
+              <a:effectLst/>
+              <a:latin typeface="Consolas" panose="020B0609020204030204" pitchFamily="49" charset="0"/>
+            </a:endParaRPr>
+          </a:p>
+          <a:p>
+            <a:br>
+              <a:rPr lang="es-MX" sz="1400" b="0" dirty="0">
+                <a:solidFill>
+                  <a:srgbClr val="ABB2BF"/>
+                </a:solidFill>
+                <a:effectLst/>
+                <a:latin typeface="Consolas" panose="020B0609020204030204" pitchFamily="49" charset="0"/>
+              </a:rPr>
+            </a:br>
+            <a:endParaRPr lang="es-MX" sz="1400" b="0" dirty="0">
+              <a:solidFill>
+                <a:srgbClr val="ABB2BF"/>
+              </a:solidFill>
+              <a:effectLst/>
+              <a:latin typeface="Consolas" panose="020B0609020204030204" pitchFamily="49" charset="0"/>
+            </a:endParaRPr>
+          </a:p>
+          <a:p>
+            <a:br>
+              <a:rPr lang="es-MX" sz="1200" b="0" dirty="0">
+                <a:solidFill>
+                  <a:srgbClr val="ABB2BF"/>
+                </a:solidFill>
+                <a:effectLst/>
+                <a:latin typeface="Consolas" panose="020B0609020204030204" pitchFamily="49" charset="0"/>
+              </a:rPr>
+            </a:br>
+            <a:endParaRPr lang="es-MX" sz="1200" b="0" dirty="0">
+              <a:solidFill>
+                <a:srgbClr val="ABB2BF"/>
+              </a:solidFill>
+              <a:effectLst/>
+              <a:latin typeface="Consolas" panose="020B0609020204030204" pitchFamily="49" charset="0"/>
+            </a:endParaRPr>
+          </a:p>
           <a:p>
             <a:endParaRPr lang="es-MX" sz="1200" dirty="0"/>
           </a:p>
@@ -49331,51 +53916,6 @@
               </a:rPr>
               <a:t>P05</a:t>
             </a:r>
-          </a:p>
-        </p:txBody>
-      </p:sp>
-      <p:sp>
-        <p:nvSpPr>
-          <p:cNvPr id="14" name="13 Rectángulo redondeado"/>
-          <p:cNvSpPr/>
-          <p:nvPr/>
-        </p:nvSpPr>
-        <p:spPr>
-          <a:xfrm>
-            <a:off x="3645024" y="1403648"/>
-            <a:ext cx="2952328" cy="6624736"/>
-          </a:xfrm>
-          <a:prstGeom prst="roundRect">
-            <a:avLst/>
-          </a:prstGeom>
-          <a:effectLst>
-            <a:glow rad="228600">
-              <a:schemeClr val="accent4">
-                <a:satMod val="175000"/>
-                <a:alpha val="40000"/>
-              </a:schemeClr>
-            </a:glow>
-          </a:effectLst>
-        </p:spPr>
-        <p:style>
-          <a:lnRef idx="2">
-            <a:schemeClr val="accent4"/>
-          </a:lnRef>
-          <a:fillRef idx="1">
-            <a:schemeClr val="lt1"/>
-          </a:fillRef>
-          <a:effectRef idx="0">
-            <a:schemeClr val="accent4"/>
-          </a:effectRef>
-          <a:fontRef idx="minor">
-            <a:schemeClr val="dk1"/>
-          </a:fontRef>
-        </p:style>
-        <p:txBody>
-          <a:bodyPr lIns="91435" tIns="45718" rIns="91435" bIns="45718" rtlCol="0" anchor="t"/>
-          <a:lstStyle/>
-          <a:p>
-            <a:endParaRPr lang="es-MX" sz="1200" dirty="0"/>
           </a:p>
         </p:txBody>
       </p:sp>
@@ -55209,6 +59749,1438 @@
               <a:effectLst/>
               <a:latin typeface="Consolas" panose="020B0609020204030204" pitchFamily="49" charset="0"/>
             </a:endParaRPr>
+          </a:p>
+          <a:p>
+            <a:r>
+              <a:rPr lang="es-MX" sz="1200" b="0" dirty="0">
+                <a:solidFill>
+                  <a:srgbClr val="C678DD"/>
+                </a:solidFill>
+                <a:effectLst/>
+                <a:latin typeface="Consolas" panose="020B0609020204030204" pitchFamily="49" charset="0"/>
+              </a:rPr>
+              <a:t>#include</a:t>
+            </a:r>
+            <a:r>
+              <a:rPr lang="es-MX" sz="1200" b="0" dirty="0">
+                <a:solidFill>
+                  <a:srgbClr val="ABB2BF"/>
+                </a:solidFill>
+                <a:effectLst/>
+                <a:latin typeface="Consolas" panose="020B0609020204030204" pitchFamily="49" charset="0"/>
+              </a:rPr>
+              <a:t> </a:t>
+            </a:r>
+            <a:r>
+              <a:rPr lang="es-MX" sz="1200" b="0" dirty="0">
+                <a:solidFill>
+                  <a:srgbClr val="98C379"/>
+                </a:solidFill>
+                <a:effectLst/>
+                <a:latin typeface="Consolas" panose="020B0609020204030204" pitchFamily="49" charset="0"/>
+              </a:rPr>
+              <a:t>&lt;</a:t>
+            </a:r>
+            <a:r>
+              <a:rPr lang="es-MX" sz="1200" b="0" dirty="0" err="1">
+                <a:solidFill>
+                  <a:srgbClr val="98C379"/>
+                </a:solidFill>
+                <a:effectLst/>
+                <a:latin typeface="Consolas" panose="020B0609020204030204" pitchFamily="49" charset="0"/>
+              </a:rPr>
+              <a:t>stdio.h</a:t>
+            </a:r>
+            <a:r>
+              <a:rPr lang="es-MX" sz="1200" b="0" dirty="0">
+                <a:solidFill>
+                  <a:srgbClr val="98C379"/>
+                </a:solidFill>
+                <a:effectLst/>
+                <a:latin typeface="Consolas" panose="020B0609020204030204" pitchFamily="49" charset="0"/>
+              </a:rPr>
+              <a:t>&gt;</a:t>
+            </a:r>
+            <a:endParaRPr lang="es-MX" sz="1200" b="0" dirty="0">
+              <a:solidFill>
+                <a:srgbClr val="ABB2BF"/>
+              </a:solidFill>
+              <a:effectLst/>
+              <a:latin typeface="Consolas" panose="020B0609020204030204" pitchFamily="49" charset="0"/>
+            </a:endParaRPr>
+          </a:p>
+          <a:p>
+            <a:r>
+              <a:rPr lang="es-MX" sz="1200" b="0" dirty="0" err="1">
+                <a:solidFill>
+                  <a:srgbClr val="C678DD"/>
+                </a:solidFill>
+                <a:effectLst/>
+                <a:latin typeface="Consolas" panose="020B0609020204030204" pitchFamily="49" charset="0"/>
+              </a:rPr>
+              <a:t>void</a:t>
+            </a:r>
+            <a:r>
+              <a:rPr lang="es-MX" sz="1200" b="0" dirty="0">
+                <a:solidFill>
+                  <a:srgbClr val="ABB2BF"/>
+                </a:solidFill>
+                <a:effectLst/>
+                <a:latin typeface="Consolas" panose="020B0609020204030204" pitchFamily="49" charset="0"/>
+              </a:rPr>
+              <a:t> </a:t>
+            </a:r>
+            <a:r>
+              <a:rPr lang="es-MX" sz="1200" b="1" dirty="0" err="1">
+                <a:solidFill>
+                  <a:srgbClr val="61AFEF"/>
+                </a:solidFill>
+                <a:effectLst/>
+                <a:latin typeface="Consolas" panose="020B0609020204030204" pitchFamily="49" charset="0"/>
+              </a:rPr>
+              <a:t>main</a:t>
+            </a:r>
+            <a:r>
+              <a:rPr lang="es-MX" sz="1200" b="0" dirty="0">
+                <a:solidFill>
+                  <a:srgbClr val="ABB2BF"/>
+                </a:solidFill>
+                <a:effectLst/>
+                <a:latin typeface="Consolas" panose="020B0609020204030204" pitchFamily="49" charset="0"/>
+              </a:rPr>
+              <a:t>(){</a:t>
+            </a:r>
+          </a:p>
+          <a:p>
+            <a:r>
+              <a:rPr lang="es-MX" sz="1200" b="0" dirty="0">
+                <a:solidFill>
+                  <a:srgbClr val="ABB2BF"/>
+                </a:solidFill>
+                <a:effectLst/>
+                <a:latin typeface="Consolas" panose="020B0609020204030204" pitchFamily="49" charset="0"/>
+              </a:rPr>
+              <a:t>    </a:t>
+            </a:r>
+            <a:r>
+              <a:rPr lang="es-MX" sz="1200" b="0" dirty="0" err="1">
+                <a:solidFill>
+                  <a:srgbClr val="C678DD"/>
+                </a:solidFill>
+                <a:effectLst/>
+                <a:latin typeface="Consolas" panose="020B0609020204030204" pitchFamily="49" charset="0"/>
+              </a:rPr>
+              <a:t>float</a:t>
+            </a:r>
+            <a:r>
+              <a:rPr lang="es-MX" sz="1200" b="0" dirty="0">
+                <a:solidFill>
+                  <a:srgbClr val="ABB2BF"/>
+                </a:solidFill>
+                <a:effectLst/>
+                <a:latin typeface="Consolas" panose="020B0609020204030204" pitchFamily="49" charset="0"/>
+              </a:rPr>
+              <a:t> </a:t>
+            </a:r>
+            <a:r>
+              <a:rPr lang="es-MX" sz="1200" b="0" dirty="0" err="1">
+                <a:solidFill>
+                  <a:srgbClr val="E06C75"/>
+                </a:solidFill>
+                <a:effectLst/>
+                <a:latin typeface="Consolas" panose="020B0609020204030204" pitchFamily="49" charset="0"/>
+              </a:rPr>
+              <a:t>num</a:t>
+            </a:r>
+            <a:r>
+              <a:rPr lang="es-MX" sz="1200" b="0" dirty="0" err="1">
+                <a:solidFill>
+                  <a:srgbClr val="ABB2BF"/>
+                </a:solidFill>
+                <a:effectLst/>
+                <a:latin typeface="Consolas" panose="020B0609020204030204" pitchFamily="49" charset="0"/>
+              </a:rPr>
+              <a:t>,</a:t>
+            </a:r>
+            <a:r>
+              <a:rPr lang="es-MX" sz="1200" b="0" dirty="0" err="1">
+                <a:solidFill>
+                  <a:srgbClr val="E06C75"/>
+                </a:solidFill>
+                <a:effectLst/>
+                <a:latin typeface="Consolas" panose="020B0609020204030204" pitchFamily="49" charset="0"/>
+              </a:rPr>
+              <a:t>cm</a:t>
+            </a:r>
+            <a:r>
+              <a:rPr lang="es-MX" sz="1200" b="0" dirty="0">
+                <a:solidFill>
+                  <a:srgbClr val="ABB2BF"/>
+                </a:solidFill>
+                <a:effectLst/>
+                <a:latin typeface="Consolas" panose="020B0609020204030204" pitchFamily="49" charset="0"/>
+              </a:rPr>
+              <a:t>, </a:t>
+            </a:r>
+            <a:r>
+              <a:rPr lang="es-MX" sz="1200" b="0" dirty="0">
+                <a:solidFill>
+                  <a:srgbClr val="E06C75"/>
+                </a:solidFill>
+                <a:effectLst/>
+                <a:latin typeface="Consolas" panose="020B0609020204030204" pitchFamily="49" charset="0"/>
+              </a:rPr>
+              <a:t>mm</a:t>
+            </a:r>
+            <a:r>
+              <a:rPr lang="es-MX" sz="1200" b="0" dirty="0">
+                <a:solidFill>
+                  <a:srgbClr val="ABB2BF"/>
+                </a:solidFill>
+                <a:effectLst/>
+                <a:latin typeface="Consolas" panose="020B0609020204030204" pitchFamily="49" charset="0"/>
+              </a:rPr>
+              <a:t>, </a:t>
+            </a:r>
+            <a:r>
+              <a:rPr lang="es-MX" sz="1200" b="0" dirty="0">
+                <a:solidFill>
+                  <a:srgbClr val="E06C75"/>
+                </a:solidFill>
+                <a:effectLst/>
+                <a:latin typeface="Consolas" panose="020B0609020204030204" pitchFamily="49" charset="0"/>
+              </a:rPr>
+              <a:t>km</a:t>
+            </a:r>
+            <a:r>
+              <a:rPr lang="es-MX" sz="1200" b="0" dirty="0">
+                <a:solidFill>
+                  <a:srgbClr val="ABB2BF"/>
+                </a:solidFill>
+                <a:effectLst/>
+                <a:latin typeface="Consolas" panose="020B0609020204030204" pitchFamily="49" charset="0"/>
+              </a:rPr>
+              <a:t>;</a:t>
+            </a:r>
+          </a:p>
+          <a:p>
+            <a:br>
+              <a:rPr lang="es-MX" sz="1200" b="0" dirty="0">
+                <a:solidFill>
+                  <a:srgbClr val="ABB2BF"/>
+                </a:solidFill>
+                <a:effectLst/>
+                <a:latin typeface="Consolas" panose="020B0609020204030204" pitchFamily="49" charset="0"/>
+              </a:rPr>
+            </a:br>
+            <a:r>
+              <a:rPr lang="es-MX" sz="1200" b="0" dirty="0">
+                <a:solidFill>
+                  <a:srgbClr val="ABB2BF"/>
+                </a:solidFill>
+                <a:effectLst/>
+                <a:latin typeface="Consolas" panose="020B0609020204030204" pitchFamily="49" charset="0"/>
+              </a:rPr>
+              <a:t>    </a:t>
+            </a:r>
+            <a:r>
+              <a:rPr lang="es-MX" sz="1200" b="1" dirty="0" err="1">
+                <a:solidFill>
+                  <a:srgbClr val="61AFEF"/>
+                </a:solidFill>
+                <a:effectLst/>
+                <a:latin typeface="Consolas" panose="020B0609020204030204" pitchFamily="49" charset="0"/>
+              </a:rPr>
+              <a:t>printf</a:t>
+            </a:r>
+            <a:r>
+              <a:rPr lang="es-MX" sz="1200" b="0" dirty="0">
+                <a:solidFill>
+                  <a:srgbClr val="ABB2BF"/>
+                </a:solidFill>
+                <a:effectLst/>
+                <a:latin typeface="Consolas" panose="020B0609020204030204" pitchFamily="49" charset="0"/>
+              </a:rPr>
+              <a:t>(</a:t>
+            </a:r>
+            <a:r>
+              <a:rPr lang="es-MX" sz="1200" b="0" dirty="0">
+                <a:solidFill>
+                  <a:srgbClr val="98C379"/>
+                </a:solidFill>
+                <a:effectLst/>
+                <a:latin typeface="Consolas" panose="020B0609020204030204" pitchFamily="49" charset="0"/>
+              </a:rPr>
+              <a:t>"Esta </a:t>
+            </a:r>
+            <a:r>
+              <a:rPr lang="es-MX" sz="1200" b="0" dirty="0" err="1">
+                <a:solidFill>
+                  <a:srgbClr val="98C379"/>
+                </a:solidFill>
+                <a:effectLst/>
+                <a:latin typeface="Consolas" panose="020B0609020204030204" pitchFamily="49" charset="0"/>
+              </a:rPr>
+              <a:t>aplicacion</a:t>
+            </a:r>
+            <a:r>
+              <a:rPr lang="es-MX" sz="1200" b="0" dirty="0">
+                <a:solidFill>
+                  <a:srgbClr val="98C379"/>
+                </a:solidFill>
+                <a:effectLst/>
+                <a:latin typeface="Consolas" panose="020B0609020204030204" pitchFamily="49" charset="0"/>
+              </a:rPr>
+              <a:t> </a:t>
+            </a:r>
+            <a:r>
+              <a:rPr lang="es-MX" sz="1200" b="0" dirty="0" err="1">
+                <a:solidFill>
+                  <a:srgbClr val="98C379"/>
+                </a:solidFill>
+                <a:effectLst/>
+                <a:latin typeface="Consolas" panose="020B0609020204030204" pitchFamily="49" charset="0"/>
+              </a:rPr>
+              <a:t>hara</a:t>
+            </a:r>
+            <a:r>
+              <a:rPr lang="es-MX" sz="1200" b="0" dirty="0">
+                <a:solidFill>
+                  <a:srgbClr val="98C379"/>
+                </a:solidFill>
+                <a:effectLst/>
+                <a:latin typeface="Consolas" panose="020B0609020204030204" pitchFamily="49" charset="0"/>
+              </a:rPr>
+              <a:t> conversiones de m a cm, mm y km</a:t>
+            </a:r>
+            <a:r>
+              <a:rPr lang="es-MX" sz="1200" b="0" dirty="0">
+                <a:solidFill>
+                  <a:srgbClr val="56B6C2"/>
+                </a:solidFill>
+                <a:effectLst/>
+                <a:latin typeface="Consolas" panose="020B0609020204030204" pitchFamily="49" charset="0"/>
+              </a:rPr>
+              <a:t>\n</a:t>
+            </a:r>
+            <a:r>
+              <a:rPr lang="es-MX" sz="1200" b="0" dirty="0">
+                <a:solidFill>
+                  <a:srgbClr val="98C379"/>
+                </a:solidFill>
+                <a:effectLst/>
+                <a:latin typeface="Consolas" panose="020B0609020204030204" pitchFamily="49" charset="0"/>
+              </a:rPr>
+              <a:t>"</a:t>
+            </a:r>
+            <a:r>
+              <a:rPr lang="es-MX" sz="1200" b="0" dirty="0">
+                <a:solidFill>
+                  <a:srgbClr val="ABB2BF"/>
+                </a:solidFill>
+                <a:effectLst/>
+                <a:latin typeface="Consolas" panose="020B0609020204030204" pitchFamily="49" charset="0"/>
+              </a:rPr>
+              <a:t>);</a:t>
+            </a:r>
+          </a:p>
+          <a:p>
+            <a:r>
+              <a:rPr lang="es-MX" sz="1200" b="0" dirty="0">
+                <a:solidFill>
+                  <a:srgbClr val="ABB2BF"/>
+                </a:solidFill>
+                <a:effectLst/>
+                <a:latin typeface="Consolas" panose="020B0609020204030204" pitchFamily="49" charset="0"/>
+              </a:rPr>
+              <a:t>    </a:t>
+            </a:r>
+            <a:r>
+              <a:rPr lang="es-MX" sz="1200" b="1" dirty="0" err="1">
+                <a:solidFill>
+                  <a:srgbClr val="61AFEF"/>
+                </a:solidFill>
+                <a:effectLst/>
+                <a:latin typeface="Consolas" panose="020B0609020204030204" pitchFamily="49" charset="0"/>
+              </a:rPr>
+              <a:t>printf</a:t>
+            </a:r>
+            <a:r>
+              <a:rPr lang="es-MX" sz="1200" b="0" dirty="0">
+                <a:solidFill>
+                  <a:srgbClr val="ABB2BF"/>
+                </a:solidFill>
+                <a:effectLst/>
+                <a:latin typeface="Consolas" panose="020B0609020204030204" pitchFamily="49" charset="0"/>
+              </a:rPr>
+              <a:t>(</a:t>
+            </a:r>
+            <a:r>
+              <a:rPr lang="es-MX" sz="1200" b="0" dirty="0">
+                <a:solidFill>
+                  <a:srgbClr val="98C379"/>
+                </a:solidFill>
+                <a:effectLst/>
+                <a:latin typeface="Consolas" panose="020B0609020204030204" pitchFamily="49" charset="0"/>
+              </a:rPr>
+              <a:t>"</a:t>
+            </a:r>
+            <a:r>
+              <a:rPr lang="es-MX" sz="1200" b="0" dirty="0">
+                <a:solidFill>
+                  <a:srgbClr val="56B6C2"/>
+                </a:solidFill>
+                <a:effectLst/>
+                <a:latin typeface="Consolas" panose="020B0609020204030204" pitchFamily="49" charset="0"/>
+              </a:rPr>
+              <a:t>\</a:t>
+            </a:r>
+            <a:r>
+              <a:rPr lang="es-MX" sz="1200" b="0" dirty="0" err="1">
+                <a:solidFill>
+                  <a:srgbClr val="56B6C2"/>
+                </a:solidFill>
+                <a:effectLst/>
+                <a:latin typeface="Consolas" panose="020B0609020204030204" pitchFamily="49" charset="0"/>
+              </a:rPr>
+              <a:t>n</a:t>
+            </a:r>
+            <a:r>
+              <a:rPr lang="es-MX" sz="1200" b="0" dirty="0" err="1">
+                <a:solidFill>
+                  <a:srgbClr val="98C379"/>
+                </a:solidFill>
+                <a:effectLst/>
+                <a:latin typeface="Consolas" panose="020B0609020204030204" pitchFamily="49" charset="0"/>
+              </a:rPr>
+              <a:t>Introduzca</a:t>
+            </a:r>
+            <a:r>
+              <a:rPr lang="es-MX" sz="1200" b="0" dirty="0">
+                <a:solidFill>
+                  <a:srgbClr val="98C379"/>
+                </a:solidFill>
+                <a:effectLst/>
+                <a:latin typeface="Consolas" panose="020B0609020204030204" pitchFamily="49" charset="0"/>
+              </a:rPr>
+              <a:t> la cifra deseada a convertir:  </a:t>
+            </a:r>
+            <a:r>
+              <a:rPr lang="es-MX" sz="1200" b="0" dirty="0">
+                <a:solidFill>
+                  <a:srgbClr val="56B6C2"/>
+                </a:solidFill>
+                <a:effectLst/>
+                <a:latin typeface="Consolas" panose="020B0609020204030204" pitchFamily="49" charset="0"/>
+              </a:rPr>
+              <a:t>\n</a:t>
+            </a:r>
+            <a:r>
+              <a:rPr lang="es-MX" sz="1200" b="0" dirty="0">
+                <a:solidFill>
+                  <a:srgbClr val="98C379"/>
+                </a:solidFill>
+                <a:effectLst/>
+                <a:latin typeface="Consolas" panose="020B0609020204030204" pitchFamily="49" charset="0"/>
+              </a:rPr>
+              <a:t>"</a:t>
+            </a:r>
+            <a:r>
+              <a:rPr lang="es-MX" sz="1200" b="0" dirty="0">
+                <a:solidFill>
+                  <a:srgbClr val="ABB2BF"/>
+                </a:solidFill>
+                <a:effectLst/>
+                <a:latin typeface="Consolas" panose="020B0609020204030204" pitchFamily="49" charset="0"/>
+              </a:rPr>
+              <a:t>);</a:t>
+            </a:r>
+          </a:p>
+          <a:p>
+            <a:r>
+              <a:rPr lang="es-MX" sz="1200" b="0" dirty="0">
+                <a:solidFill>
+                  <a:srgbClr val="ABB2BF"/>
+                </a:solidFill>
+                <a:effectLst/>
+                <a:latin typeface="Consolas" panose="020B0609020204030204" pitchFamily="49" charset="0"/>
+              </a:rPr>
+              <a:t>    </a:t>
+            </a:r>
+            <a:r>
+              <a:rPr lang="es-MX" sz="1200" b="1" dirty="0" err="1">
+                <a:solidFill>
+                  <a:srgbClr val="61AFEF"/>
+                </a:solidFill>
+                <a:effectLst/>
+                <a:latin typeface="Consolas" panose="020B0609020204030204" pitchFamily="49" charset="0"/>
+              </a:rPr>
+              <a:t>scanf</a:t>
+            </a:r>
+            <a:r>
+              <a:rPr lang="es-MX" sz="1200" b="0" dirty="0">
+                <a:solidFill>
+                  <a:srgbClr val="ABB2BF"/>
+                </a:solidFill>
+                <a:effectLst/>
+                <a:latin typeface="Consolas" panose="020B0609020204030204" pitchFamily="49" charset="0"/>
+              </a:rPr>
+              <a:t>(</a:t>
+            </a:r>
+            <a:r>
+              <a:rPr lang="es-MX" sz="1200" b="0" dirty="0">
+                <a:solidFill>
+                  <a:srgbClr val="98C379"/>
+                </a:solidFill>
+                <a:effectLst/>
+                <a:latin typeface="Consolas" panose="020B0609020204030204" pitchFamily="49" charset="0"/>
+              </a:rPr>
+              <a:t>"</a:t>
+            </a:r>
+            <a:r>
+              <a:rPr lang="es-MX" sz="1200" b="0" dirty="0">
+                <a:solidFill>
+                  <a:srgbClr val="D19A66"/>
+                </a:solidFill>
+                <a:effectLst/>
+                <a:latin typeface="Consolas" panose="020B0609020204030204" pitchFamily="49" charset="0"/>
+              </a:rPr>
+              <a:t>%f</a:t>
+            </a:r>
+            <a:r>
+              <a:rPr lang="es-MX" sz="1200" b="0" dirty="0">
+                <a:solidFill>
+                  <a:srgbClr val="98C379"/>
+                </a:solidFill>
+                <a:effectLst/>
+                <a:latin typeface="Consolas" panose="020B0609020204030204" pitchFamily="49" charset="0"/>
+              </a:rPr>
+              <a:t>"</a:t>
+            </a:r>
+            <a:r>
+              <a:rPr lang="es-MX" sz="1200" b="0" dirty="0">
+                <a:solidFill>
+                  <a:srgbClr val="ABB2BF"/>
+                </a:solidFill>
+                <a:effectLst/>
+                <a:latin typeface="Consolas" panose="020B0609020204030204" pitchFamily="49" charset="0"/>
+              </a:rPr>
+              <a:t>, </a:t>
+            </a:r>
+            <a:r>
+              <a:rPr lang="es-MX" sz="1200" b="0" dirty="0">
+                <a:solidFill>
+                  <a:srgbClr val="C678DD"/>
+                </a:solidFill>
+                <a:effectLst/>
+                <a:latin typeface="Consolas" panose="020B0609020204030204" pitchFamily="49" charset="0"/>
+              </a:rPr>
+              <a:t>&amp;</a:t>
+            </a:r>
+            <a:r>
+              <a:rPr lang="es-MX" sz="1200" b="0" dirty="0">
+                <a:solidFill>
+                  <a:srgbClr val="ABB2BF"/>
+                </a:solidFill>
+                <a:effectLst/>
+                <a:latin typeface="Consolas" panose="020B0609020204030204" pitchFamily="49" charset="0"/>
+              </a:rPr>
+              <a:t> </a:t>
+            </a:r>
+            <a:r>
+              <a:rPr lang="es-MX" sz="1200" b="0" dirty="0" err="1">
+                <a:solidFill>
+                  <a:srgbClr val="E06C75"/>
+                </a:solidFill>
+                <a:effectLst/>
+                <a:latin typeface="Consolas" panose="020B0609020204030204" pitchFamily="49" charset="0"/>
+              </a:rPr>
+              <a:t>num</a:t>
+            </a:r>
+            <a:r>
+              <a:rPr lang="es-MX" sz="1200" b="0" dirty="0">
+                <a:solidFill>
+                  <a:srgbClr val="ABB2BF"/>
+                </a:solidFill>
+                <a:effectLst/>
+                <a:latin typeface="Consolas" panose="020B0609020204030204" pitchFamily="49" charset="0"/>
+              </a:rPr>
+              <a:t>);</a:t>
+            </a:r>
+          </a:p>
+          <a:p>
+            <a:r>
+              <a:rPr lang="es-MX" sz="1200" b="0" dirty="0">
+                <a:solidFill>
+                  <a:srgbClr val="ABB2BF"/>
+                </a:solidFill>
+                <a:effectLst/>
+                <a:latin typeface="Consolas" panose="020B0609020204030204" pitchFamily="49" charset="0"/>
+              </a:rPr>
+              <a:t>    </a:t>
+            </a:r>
+            <a:r>
+              <a:rPr lang="es-MX" sz="1200" b="0" dirty="0">
+                <a:solidFill>
+                  <a:srgbClr val="E06C75"/>
+                </a:solidFill>
+                <a:effectLst/>
+                <a:latin typeface="Consolas" panose="020B0609020204030204" pitchFamily="49" charset="0"/>
+              </a:rPr>
+              <a:t>cm</a:t>
+            </a:r>
+            <a:r>
+              <a:rPr lang="es-MX" sz="1200" b="0" dirty="0">
+                <a:solidFill>
+                  <a:srgbClr val="ABB2BF"/>
+                </a:solidFill>
+                <a:effectLst/>
+                <a:latin typeface="Consolas" panose="020B0609020204030204" pitchFamily="49" charset="0"/>
+              </a:rPr>
+              <a:t> </a:t>
+            </a:r>
+            <a:r>
+              <a:rPr lang="es-MX" sz="1200" b="0" dirty="0">
+                <a:solidFill>
+                  <a:srgbClr val="C678DD"/>
+                </a:solidFill>
+                <a:effectLst/>
+                <a:latin typeface="Consolas" panose="020B0609020204030204" pitchFamily="49" charset="0"/>
+              </a:rPr>
+              <a:t>=</a:t>
+            </a:r>
+            <a:r>
+              <a:rPr lang="es-MX" sz="1200" b="0" dirty="0">
+                <a:solidFill>
+                  <a:srgbClr val="ABB2BF"/>
+                </a:solidFill>
+                <a:effectLst/>
+                <a:latin typeface="Consolas" panose="020B0609020204030204" pitchFamily="49" charset="0"/>
+              </a:rPr>
+              <a:t> </a:t>
+            </a:r>
+            <a:r>
+              <a:rPr lang="es-MX" sz="1200" b="0" dirty="0" err="1">
+                <a:solidFill>
+                  <a:srgbClr val="E06C75"/>
+                </a:solidFill>
+                <a:effectLst/>
+                <a:latin typeface="Consolas" panose="020B0609020204030204" pitchFamily="49" charset="0"/>
+              </a:rPr>
+              <a:t>num</a:t>
+            </a:r>
+            <a:r>
+              <a:rPr lang="es-MX" sz="1200" b="0" dirty="0">
+                <a:solidFill>
+                  <a:srgbClr val="ABB2BF"/>
+                </a:solidFill>
+                <a:effectLst/>
+                <a:latin typeface="Consolas" panose="020B0609020204030204" pitchFamily="49" charset="0"/>
+              </a:rPr>
+              <a:t> </a:t>
+            </a:r>
+            <a:r>
+              <a:rPr lang="es-MX" sz="1200" b="0" dirty="0">
+                <a:solidFill>
+                  <a:srgbClr val="C678DD"/>
+                </a:solidFill>
+                <a:effectLst/>
+                <a:latin typeface="Consolas" panose="020B0609020204030204" pitchFamily="49" charset="0"/>
+              </a:rPr>
+              <a:t>*</a:t>
+            </a:r>
+            <a:r>
+              <a:rPr lang="es-MX" sz="1200" b="0" dirty="0">
+                <a:solidFill>
+                  <a:srgbClr val="D19A66"/>
+                </a:solidFill>
+                <a:effectLst/>
+                <a:latin typeface="Consolas" panose="020B0609020204030204" pitchFamily="49" charset="0"/>
+              </a:rPr>
+              <a:t>100.0</a:t>
+            </a:r>
+            <a:r>
+              <a:rPr lang="es-MX" sz="1200" b="0" dirty="0">
+                <a:solidFill>
+                  <a:srgbClr val="ABB2BF"/>
+                </a:solidFill>
+                <a:effectLst/>
+                <a:latin typeface="Consolas" panose="020B0609020204030204" pitchFamily="49" charset="0"/>
+              </a:rPr>
+              <a:t>;</a:t>
+            </a:r>
+          </a:p>
+          <a:p>
+            <a:r>
+              <a:rPr lang="es-MX" sz="1200" b="0" dirty="0">
+                <a:solidFill>
+                  <a:srgbClr val="ABB2BF"/>
+                </a:solidFill>
+                <a:effectLst/>
+                <a:latin typeface="Consolas" panose="020B0609020204030204" pitchFamily="49" charset="0"/>
+              </a:rPr>
+              <a:t>    </a:t>
+            </a:r>
+            <a:r>
+              <a:rPr lang="es-MX" sz="1200" b="0" dirty="0">
+                <a:solidFill>
+                  <a:srgbClr val="E06C75"/>
+                </a:solidFill>
+                <a:effectLst/>
+                <a:latin typeface="Consolas" panose="020B0609020204030204" pitchFamily="49" charset="0"/>
+              </a:rPr>
+              <a:t>mm</a:t>
+            </a:r>
+            <a:r>
+              <a:rPr lang="es-MX" sz="1200" b="0" dirty="0">
+                <a:solidFill>
+                  <a:srgbClr val="ABB2BF"/>
+                </a:solidFill>
+                <a:effectLst/>
+                <a:latin typeface="Consolas" panose="020B0609020204030204" pitchFamily="49" charset="0"/>
+              </a:rPr>
+              <a:t> </a:t>
+            </a:r>
+            <a:r>
+              <a:rPr lang="es-MX" sz="1200" b="0" dirty="0">
+                <a:solidFill>
+                  <a:srgbClr val="C678DD"/>
+                </a:solidFill>
+                <a:effectLst/>
+                <a:latin typeface="Consolas" panose="020B0609020204030204" pitchFamily="49" charset="0"/>
+              </a:rPr>
+              <a:t>=</a:t>
+            </a:r>
+            <a:r>
+              <a:rPr lang="es-MX" sz="1200" b="0" dirty="0">
+                <a:solidFill>
+                  <a:srgbClr val="ABB2BF"/>
+                </a:solidFill>
+                <a:effectLst/>
+                <a:latin typeface="Consolas" panose="020B0609020204030204" pitchFamily="49" charset="0"/>
+              </a:rPr>
+              <a:t> </a:t>
+            </a:r>
+            <a:r>
+              <a:rPr lang="es-MX" sz="1200" b="0" dirty="0" err="1">
+                <a:solidFill>
+                  <a:srgbClr val="E06C75"/>
+                </a:solidFill>
+                <a:effectLst/>
+                <a:latin typeface="Consolas" panose="020B0609020204030204" pitchFamily="49" charset="0"/>
+              </a:rPr>
+              <a:t>num</a:t>
+            </a:r>
+            <a:r>
+              <a:rPr lang="es-MX" sz="1200" b="0" dirty="0">
+                <a:solidFill>
+                  <a:srgbClr val="ABB2BF"/>
+                </a:solidFill>
+                <a:effectLst/>
+                <a:latin typeface="Consolas" panose="020B0609020204030204" pitchFamily="49" charset="0"/>
+              </a:rPr>
+              <a:t> </a:t>
+            </a:r>
+            <a:r>
+              <a:rPr lang="es-MX" sz="1200" b="0" dirty="0">
+                <a:solidFill>
+                  <a:srgbClr val="C678DD"/>
+                </a:solidFill>
+                <a:effectLst/>
+                <a:latin typeface="Consolas" panose="020B0609020204030204" pitchFamily="49" charset="0"/>
+              </a:rPr>
+              <a:t>*</a:t>
+            </a:r>
+            <a:r>
+              <a:rPr lang="es-MX" sz="1200" b="0" dirty="0">
+                <a:solidFill>
+                  <a:srgbClr val="ABB2BF"/>
+                </a:solidFill>
+                <a:effectLst/>
+                <a:latin typeface="Consolas" panose="020B0609020204030204" pitchFamily="49" charset="0"/>
+              </a:rPr>
+              <a:t> </a:t>
+            </a:r>
+            <a:r>
+              <a:rPr lang="es-MX" sz="1200" b="0" dirty="0">
+                <a:solidFill>
+                  <a:srgbClr val="D19A66"/>
+                </a:solidFill>
+                <a:effectLst/>
+                <a:latin typeface="Consolas" panose="020B0609020204030204" pitchFamily="49" charset="0"/>
+              </a:rPr>
+              <a:t>1000.0</a:t>
+            </a:r>
+            <a:r>
+              <a:rPr lang="es-MX" sz="1200" b="0" dirty="0">
+                <a:solidFill>
+                  <a:srgbClr val="ABB2BF"/>
+                </a:solidFill>
+                <a:effectLst/>
+                <a:latin typeface="Consolas" panose="020B0609020204030204" pitchFamily="49" charset="0"/>
+              </a:rPr>
+              <a:t>;</a:t>
+            </a:r>
+          </a:p>
+          <a:p>
+            <a:r>
+              <a:rPr lang="es-MX" sz="1200" b="0" dirty="0">
+                <a:solidFill>
+                  <a:srgbClr val="ABB2BF"/>
+                </a:solidFill>
+                <a:effectLst/>
+                <a:latin typeface="Consolas" panose="020B0609020204030204" pitchFamily="49" charset="0"/>
+              </a:rPr>
+              <a:t>    </a:t>
+            </a:r>
+            <a:r>
+              <a:rPr lang="es-MX" sz="1200" b="0" dirty="0">
+                <a:solidFill>
+                  <a:srgbClr val="E06C75"/>
+                </a:solidFill>
+                <a:effectLst/>
+                <a:latin typeface="Consolas" panose="020B0609020204030204" pitchFamily="49" charset="0"/>
+              </a:rPr>
+              <a:t>km</a:t>
+            </a:r>
+            <a:r>
+              <a:rPr lang="es-MX" sz="1200" b="0" dirty="0">
+                <a:solidFill>
+                  <a:srgbClr val="ABB2BF"/>
+                </a:solidFill>
+                <a:effectLst/>
+                <a:latin typeface="Consolas" panose="020B0609020204030204" pitchFamily="49" charset="0"/>
+              </a:rPr>
+              <a:t> </a:t>
+            </a:r>
+            <a:r>
+              <a:rPr lang="es-MX" sz="1200" b="0" dirty="0">
+                <a:solidFill>
+                  <a:srgbClr val="C678DD"/>
+                </a:solidFill>
+                <a:effectLst/>
+                <a:latin typeface="Consolas" panose="020B0609020204030204" pitchFamily="49" charset="0"/>
+              </a:rPr>
+              <a:t>=</a:t>
+            </a:r>
+            <a:r>
+              <a:rPr lang="es-MX" sz="1200" b="0" dirty="0">
+                <a:solidFill>
+                  <a:srgbClr val="ABB2BF"/>
+                </a:solidFill>
+                <a:effectLst/>
+                <a:latin typeface="Consolas" panose="020B0609020204030204" pitchFamily="49" charset="0"/>
+              </a:rPr>
+              <a:t> </a:t>
+            </a:r>
+            <a:r>
+              <a:rPr lang="es-MX" sz="1200" b="0" dirty="0" err="1">
+                <a:solidFill>
+                  <a:srgbClr val="E06C75"/>
+                </a:solidFill>
+                <a:effectLst/>
+                <a:latin typeface="Consolas" panose="020B0609020204030204" pitchFamily="49" charset="0"/>
+              </a:rPr>
+              <a:t>num</a:t>
+            </a:r>
+            <a:r>
+              <a:rPr lang="es-MX" sz="1200" b="0" dirty="0">
+                <a:solidFill>
+                  <a:srgbClr val="ABB2BF"/>
+                </a:solidFill>
+                <a:effectLst/>
+                <a:latin typeface="Consolas" panose="020B0609020204030204" pitchFamily="49" charset="0"/>
+              </a:rPr>
+              <a:t> </a:t>
+            </a:r>
+            <a:r>
+              <a:rPr lang="es-MX" sz="1200" b="0" dirty="0">
+                <a:solidFill>
+                  <a:srgbClr val="C678DD"/>
+                </a:solidFill>
+                <a:effectLst/>
+                <a:latin typeface="Consolas" panose="020B0609020204030204" pitchFamily="49" charset="0"/>
+              </a:rPr>
+              <a:t>/</a:t>
+            </a:r>
+            <a:r>
+              <a:rPr lang="es-MX" sz="1200" b="0" dirty="0">
+                <a:solidFill>
+                  <a:srgbClr val="D19A66"/>
+                </a:solidFill>
+                <a:effectLst/>
+                <a:latin typeface="Consolas" panose="020B0609020204030204" pitchFamily="49" charset="0"/>
+              </a:rPr>
+              <a:t>1000.0</a:t>
+            </a:r>
+            <a:r>
+              <a:rPr lang="es-MX" sz="1200" b="0" dirty="0">
+                <a:solidFill>
+                  <a:srgbClr val="ABB2BF"/>
+                </a:solidFill>
+                <a:effectLst/>
+                <a:latin typeface="Consolas" panose="020B0609020204030204" pitchFamily="49" charset="0"/>
+              </a:rPr>
+              <a:t>;</a:t>
+            </a:r>
+          </a:p>
+          <a:p>
+            <a:br>
+              <a:rPr lang="es-MX" sz="1200" b="0" dirty="0">
+                <a:solidFill>
+                  <a:srgbClr val="ABB2BF"/>
+                </a:solidFill>
+                <a:effectLst/>
+                <a:latin typeface="Consolas" panose="020B0609020204030204" pitchFamily="49" charset="0"/>
+              </a:rPr>
+            </a:br>
+            <a:r>
+              <a:rPr lang="es-MX" sz="1200" b="0" dirty="0">
+                <a:solidFill>
+                  <a:srgbClr val="ABB2BF"/>
+                </a:solidFill>
+                <a:effectLst/>
+                <a:latin typeface="Consolas" panose="020B0609020204030204" pitchFamily="49" charset="0"/>
+              </a:rPr>
+              <a:t>    </a:t>
+            </a:r>
+            <a:r>
+              <a:rPr lang="es-MX" sz="1200" b="1" dirty="0" err="1">
+                <a:solidFill>
+                  <a:srgbClr val="61AFEF"/>
+                </a:solidFill>
+                <a:effectLst/>
+                <a:latin typeface="Consolas" panose="020B0609020204030204" pitchFamily="49" charset="0"/>
+              </a:rPr>
+              <a:t>printf</a:t>
+            </a:r>
+            <a:r>
+              <a:rPr lang="es-MX" sz="1200" b="0" dirty="0">
+                <a:solidFill>
+                  <a:srgbClr val="ABB2BF"/>
+                </a:solidFill>
+                <a:effectLst/>
+                <a:latin typeface="Consolas" panose="020B0609020204030204" pitchFamily="49" charset="0"/>
+              </a:rPr>
+              <a:t>(</a:t>
+            </a:r>
+            <a:r>
+              <a:rPr lang="es-MX" sz="1200" b="0" dirty="0">
+                <a:solidFill>
+                  <a:srgbClr val="98C379"/>
+                </a:solidFill>
+                <a:effectLst/>
+                <a:latin typeface="Consolas" panose="020B0609020204030204" pitchFamily="49" charset="0"/>
+              </a:rPr>
+              <a:t>"</a:t>
+            </a:r>
+            <a:r>
+              <a:rPr lang="es-MX" sz="1200" b="0" dirty="0">
+                <a:solidFill>
+                  <a:srgbClr val="56B6C2"/>
+                </a:solidFill>
+                <a:effectLst/>
+                <a:latin typeface="Consolas" panose="020B0609020204030204" pitchFamily="49" charset="0"/>
+              </a:rPr>
+              <a:t>\n</a:t>
+            </a:r>
+            <a:r>
+              <a:rPr lang="es-MX" sz="1200" b="0" dirty="0">
+                <a:solidFill>
+                  <a:srgbClr val="98C379"/>
+                </a:solidFill>
+                <a:effectLst/>
+                <a:latin typeface="Consolas" panose="020B0609020204030204" pitchFamily="49" charset="0"/>
+              </a:rPr>
+              <a:t> </a:t>
+            </a:r>
+            <a:r>
+              <a:rPr lang="es-MX" sz="1200" b="0" dirty="0">
+                <a:solidFill>
+                  <a:srgbClr val="D19A66"/>
+                </a:solidFill>
+                <a:effectLst/>
+                <a:latin typeface="Consolas" panose="020B0609020204030204" pitchFamily="49" charset="0"/>
+              </a:rPr>
+              <a:t>%.3f</a:t>
+            </a:r>
+            <a:r>
+              <a:rPr lang="es-MX" sz="1200" b="0" dirty="0">
+                <a:solidFill>
+                  <a:srgbClr val="98C379"/>
+                </a:solidFill>
+                <a:effectLst/>
+                <a:latin typeface="Consolas" panose="020B0609020204030204" pitchFamily="49" charset="0"/>
+              </a:rPr>
+              <a:t> m son </a:t>
+            </a:r>
+            <a:r>
+              <a:rPr lang="es-MX" sz="1200" b="0" dirty="0">
+                <a:solidFill>
+                  <a:srgbClr val="D19A66"/>
+                </a:solidFill>
+                <a:effectLst/>
+                <a:latin typeface="Consolas" panose="020B0609020204030204" pitchFamily="49" charset="0"/>
+              </a:rPr>
+              <a:t>%.3f</a:t>
+            </a:r>
+            <a:r>
+              <a:rPr lang="es-MX" sz="1200" b="0" dirty="0">
+                <a:solidFill>
+                  <a:srgbClr val="98C379"/>
+                </a:solidFill>
+                <a:effectLst/>
+                <a:latin typeface="Consolas" panose="020B0609020204030204" pitchFamily="49" charset="0"/>
+              </a:rPr>
+              <a:t> mm"</a:t>
+            </a:r>
+            <a:r>
+              <a:rPr lang="es-MX" sz="1200" b="0" dirty="0">
+                <a:solidFill>
+                  <a:srgbClr val="ABB2BF"/>
+                </a:solidFill>
+                <a:effectLst/>
+                <a:latin typeface="Consolas" panose="020B0609020204030204" pitchFamily="49" charset="0"/>
+              </a:rPr>
+              <a:t>, </a:t>
+            </a:r>
+            <a:r>
+              <a:rPr lang="es-MX" sz="1200" b="0" dirty="0" err="1">
+                <a:solidFill>
+                  <a:srgbClr val="E06C75"/>
+                </a:solidFill>
+                <a:effectLst/>
+                <a:latin typeface="Consolas" panose="020B0609020204030204" pitchFamily="49" charset="0"/>
+              </a:rPr>
+              <a:t>num</a:t>
+            </a:r>
+            <a:r>
+              <a:rPr lang="es-MX" sz="1200" b="0" dirty="0" err="1">
+                <a:solidFill>
+                  <a:srgbClr val="ABB2BF"/>
+                </a:solidFill>
+                <a:effectLst/>
+                <a:latin typeface="Consolas" panose="020B0609020204030204" pitchFamily="49" charset="0"/>
+              </a:rPr>
+              <a:t>,</a:t>
+            </a:r>
+            <a:r>
+              <a:rPr lang="es-MX" sz="1200" b="0" dirty="0" err="1">
+                <a:solidFill>
+                  <a:srgbClr val="E06C75"/>
+                </a:solidFill>
+                <a:effectLst/>
+                <a:latin typeface="Consolas" panose="020B0609020204030204" pitchFamily="49" charset="0"/>
+              </a:rPr>
+              <a:t>mm</a:t>
+            </a:r>
+            <a:r>
+              <a:rPr lang="es-MX" sz="1200" b="0" dirty="0">
+                <a:solidFill>
+                  <a:srgbClr val="ABB2BF"/>
+                </a:solidFill>
+                <a:effectLst/>
+                <a:latin typeface="Consolas" panose="020B0609020204030204" pitchFamily="49" charset="0"/>
+              </a:rPr>
+              <a:t>);</a:t>
+            </a:r>
+          </a:p>
+          <a:p>
+            <a:r>
+              <a:rPr lang="es-MX" sz="1200" b="0" dirty="0">
+                <a:solidFill>
+                  <a:srgbClr val="ABB2BF"/>
+                </a:solidFill>
+                <a:effectLst/>
+                <a:latin typeface="Consolas" panose="020B0609020204030204" pitchFamily="49" charset="0"/>
+              </a:rPr>
+              <a:t>    </a:t>
+            </a:r>
+            <a:r>
+              <a:rPr lang="es-MX" sz="1200" b="1" dirty="0" err="1">
+                <a:solidFill>
+                  <a:srgbClr val="61AFEF"/>
+                </a:solidFill>
+                <a:effectLst/>
+                <a:latin typeface="Consolas" panose="020B0609020204030204" pitchFamily="49" charset="0"/>
+              </a:rPr>
+              <a:t>printf</a:t>
+            </a:r>
+            <a:r>
+              <a:rPr lang="es-MX" sz="1200" b="0" dirty="0">
+                <a:solidFill>
+                  <a:srgbClr val="ABB2BF"/>
+                </a:solidFill>
+                <a:effectLst/>
+                <a:latin typeface="Consolas" panose="020B0609020204030204" pitchFamily="49" charset="0"/>
+              </a:rPr>
+              <a:t>(</a:t>
+            </a:r>
+            <a:r>
+              <a:rPr lang="es-MX" sz="1200" b="0" dirty="0">
+                <a:solidFill>
+                  <a:srgbClr val="98C379"/>
+                </a:solidFill>
+                <a:effectLst/>
+                <a:latin typeface="Consolas" panose="020B0609020204030204" pitchFamily="49" charset="0"/>
+              </a:rPr>
+              <a:t>"</a:t>
+            </a:r>
+            <a:r>
+              <a:rPr lang="es-MX" sz="1200" b="0" dirty="0">
+                <a:solidFill>
+                  <a:srgbClr val="56B6C2"/>
+                </a:solidFill>
+                <a:effectLst/>
+                <a:latin typeface="Consolas" panose="020B0609020204030204" pitchFamily="49" charset="0"/>
+              </a:rPr>
+              <a:t>\n</a:t>
+            </a:r>
+            <a:r>
+              <a:rPr lang="es-MX" sz="1200" b="0" dirty="0">
+                <a:solidFill>
+                  <a:srgbClr val="98C379"/>
+                </a:solidFill>
+                <a:effectLst/>
+                <a:latin typeface="Consolas" panose="020B0609020204030204" pitchFamily="49" charset="0"/>
+              </a:rPr>
+              <a:t> </a:t>
+            </a:r>
+            <a:r>
+              <a:rPr lang="es-MX" sz="1200" b="0" dirty="0">
+                <a:solidFill>
+                  <a:srgbClr val="D19A66"/>
+                </a:solidFill>
+                <a:effectLst/>
+                <a:latin typeface="Consolas" panose="020B0609020204030204" pitchFamily="49" charset="0"/>
+              </a:rPr>
+              <a:t>%.3f</a:t>
+            </a:r>
+            <a:r>
+              <a:rPr lang="es-MX" sz="1200" b="0" dirty="0">
+                <a:solidFill>
+                  <a:srgbClr val="98C379"/>
+                </a:solidFill>
+                <a:effectLst/>
+                <a:latin typeface="Consolas" panose="020B0609020204030204" pitchFamily="49" charset="0"/>
+              </a:rPr>
+              <a:t> m son </a:t>
+            </a:r>
+            <a:r>
+              <a:rPr lang="es-MX" sz="1200" b="0" dirty="0">
+                <a:solidFill>
+                  <a:srgbClr val="D19A66"/>
+                </a:solidFill>
+                <a:effectLst/>
+                <a:latin typeface="Consolas" panose="020B0609020204030204" pitchFamily="49" charset="0"/>
+              </a:rPr>
+              <a:t>%.3f</a:t>
+            </a:r>
+            <a:r>
+              <a:rPr lang="es-MX" sz="1200" b="0" dirty="0">
+                <a:solidFill>
+                  <a:srgbClr val="98C379"/>
+                </a:solidFill>
+                <a:effectLst/>
+                <a:latin typeface="Consolas" panose="020B0609020204030204" pitchFamily="49" charset="0"/>
+              </a:rPr>
+              <a:t> cm"</a:t>
+            </a:r>
+            <a:r>
+              <a:rPr lang="es-MX" sz="1200" b="0" dirty="0">
+                <a:solidFill>
+                  <a:srgbClr val="ABB2BF"/>
+                </a:solidFill>
+                <a:effectLst/>
+                <a:latin typeface="Consolas" panose="020B0609020204030204" pitchFamily="49" charset="0"/>
+              </a:rPr>
+              <a:t>, </a:t>
+            </a:r>
+            <a:r>
+              <a:rPr lang="es-MX" sz="1200" b="0" dirty="0" err="1">
+                <a:solidFill>
+                  <a:srgbClr val="E06C75"/>
+                </a:solidFill>
+                <a:effectLst/>
+                <a:latin typeface="Consolas" panose="020B0609020204030204" pitchFamily="49" charset="0"/>
+              </a:rPr>
+              <a:t>num</a:t>
+            </a:r>
+            <a:r>
+              <a:rPr lang="es-MX" sz="1200" b="0" dirty="0" err="1">
+                <a:solidFill>
+                  <a:srgbClr val="ABB2BF"/>
+                </a:solidFill>
+                <a:effectLst/>
+                <a:latin typeface="Consolas" panose="020B0609020204030204" pitchFamily="49" charset="0"/>
+              </a:rPr>
+              <a:t>,</a:t>
+            </a:r>
+            <a:r>
+              <a:rPr lang="es-MX" sz="1200" b="0" dirty="0" err="1">
+                <a:solidFill>
+                  <a:srgbClr val="E06C75"/>
+                </a:solidFill>
+                <a:effectLst/>
+                <a:latin typeface="Consolas" panose="020B0609020204030204" pitchFamily="49" charset="0"/>
+              </a:rPr>
+              <a:t>cm</a:t>
+            </a:r>
+            <a:r>
+              <a:rPr lang="es-MX" sz="1200" b="0" dirty="0">
+                <a:solidFill>
+                  <a:srgbClr val="ABB2BF"/>
+                </a:solidFill>
+                <a:effectLst/>
+                <a:latin typeface="Consolas" panose="020B0609020204030204" pitchFamily="49" charset="0"/>
+              </a:rPr>
+              <a:t>);</a:t>
+            </a:r>
+          </a:p>
+          <a:p>
+            <a:r>
+              <a:rPr lang="es-MX" sz="1200" b="0" dirty="0">
+                <a:solidFill>
+                  <a:srgbClr val="ABB2BF"/>
+                </a:solidFill>
+                <a:effectLst/>
+                <a:latin typeface="Consolas" panose="020B0609020204030204" pitchFamily="49" charset="0"/>
+              </a:rPr>
+              <a:t>    </a:t>
+            </a:r>
+            <a:r>
+              <a:rPr lang="es-MX" sz="1200" b="1" dirty="0" err="1">
+                <a:solidFill>
+                  <a:srgbClr val="61AFEF"/>
+                </a:solidFill>
+                <a:effectLst/>
+                <a:latin typeface="Consolas" panose="020B0609020204030204" pitchFamily="49" charset="0"/>
+              </a:rPr>
+              <a:t>printf</a:t>
+            </a:r>
+            <a:r>
+              <a:rPr lang="es-MX" sz="1200" b="0" dirty="0">
+                <a:solidFill>
+                  <a:srgbClr val="ABB2BF"/>
+                </a:solidFill>
+                <a:effectLst/>
+                <a:latin typeface="Consolas" panose="020B0609020204030204" pitchFamily="49" charset="0"/>
+              </a:rPr>
+              <a:t>(</a:t>
+            </a:r>
+            <a:r>
+              <a:rPr lang="es-MX" sz="1200" b="0" dirty="0">
+                <a:solidFill>
+                  <a:srgbClr val="98C379"/>
+                </a:solidFill>
+                <a:effectLst/>
+                <a:latin typeface="Consolas" panose="020B0609020204030204" pitchFamily="49" charset="0"/>
+              </a:rPr>
+              <a:t>"</a:t>
+            </a:r>
+            <a:r>
+              <a:rPr lang="es-MX" sz="1200" b="0" dirty="0">
+                <a:solidFill>
+                  <a:srgbClr val="56B6C2"/>
+                </a:solidFill>
+                <a:effectLst/>
+                <a:latin typeface="Consolas" panose="020B0609020204030204" pitchFamily="49" charset="0"/>
+              </a:rPr>
+              <a:t>\n</a:t>
+            </a:r>
+            <a:r>
+              <a:rPr lang="es-MX" sz="1200" b="0" dirty="0">
+                <a:solidFill>
+                  <a:srgbClr val="98C379"/>
+                </a:solidFill>
+                <a:effectLst/>
+                <a:latin typeface="Consolas" panose="020B0609020204030204" pitchFamily="49" charset="0"/>
+              </a:rPr>
+              <a:t> </a:t>
+            </a:r>
+            <a:r>
+              <a:rPr lang="es-MX" sz="1200" b="0" dirty="0">
+                <a:solidFill>
+                  <a:srgbClr val="D19A66"/>
+                </a:solidFill>
+                <a:effectLst/>
+                <a:latin typeface="Consolas" panose="020B0609020204030204" pitchFamily="49" charset="0"/>
+              </a:rPr>
+              <a:t>%.3f</a:t>
+            </a:r>
+            <a:r>
+              <a:rPr lang="es-MX" sz="1200" b="0" dirty="0">
+                <a:solidFill>
+                  <a:srgbClr val="98C379"/>
+                </a:solidFill>
+                <a:effectLst/>
+                <a:latin typeface="Consolas" panose="020B0609020204030204" pitchFamily="49" charset="0"/>
+              </a:rPr>
+              <a:t> m son </a:t>
+            </a:r>
+            <a:r>
+              <a:rPr lang="es-MX" sz="1200" b="0" dirty="0">
+                <a:solidFill>
+                  <a:srgbClr val="D19A66"/>
+                </a:solidFill>
+                <a:effectLst/>
+                <a:latin typeface="Consolas" panose="020B0609020204030204" pitchFamily="49" charset="0"/>
+              </a:rPr>
+              <a:t>%.3f</a:t>
+            </a:r>
+            <a:r>
+              <a:rPr lang="es-MX" sz="1200" b="0" dirty="0">
+                <a:solidFill>
+                  <a:srgbClr val="98C379"/>
+                </a:solidFill>
+                <a:effectLst/>
+                <a:latin typeface="Consolas" panose="020B0609020204030204" pitchFamily="49" charset="0"/>
+              </a:rPr>
+              <a:t> km</a:t>
+            </a:r>
+            <a:r>
+              <a:rPr lang="es-MX" sz="1200" b="0" dirty="0">
+                <a:solidFill>
+                  <a:srgbClr val="56B6C2"/>
+                </a:solidFill>
+                <a:effectLst/>
+                <a:latin typeface="Consolas" panose="020B0609020204030204" pitchFamily="49" charset="0"/>
+              </a:rPr>
+              <a:t>\n</a:t>
+            </a:r>
+            <a:r>
+              <a:rPr lang="es-MX" sz="1200" b="0" dirty="0">
+                <a:solidFill>
+                  <a:srgbClr val="98C379"/>
+                </a:solidFill>
+                <a:effectLst/>
+                <a:latin typeface="Consolas" panose="020B0609020204030204" pitchFamily="49" charset="0"/>
+              </a:rPr>
+              <a:t>"</a:t>
+            </a:r>
+            <a:r>
+              <a:rPr lang="es-MX" sz="1200" b="0" dirty="0">
+                <a:solidFill>
+                  <a:srgbClr val="ABB2BF"/>
+                </a:solidFill>
+                <a:effectLst/>
+                <a:latin typeface="Consolas" panose="020B0609020204030204" pitchFamily="49" charset="0"/>
+              </a:rPr>
+              <a:t>, </a:t>
+            </a:r>
+            <a:r>
+              <a:rPr lang="es-MX" sz="1200" b="0" dirty="0" err="1">
+                <a:solidFill>
+                  <a:srgbClr val="E06C75"/>
+                </a:solidFill>
+                <a:effectLst/>
+                <a:latin typeface="Consolas" panose="020B0609020204030204" pitchFamily="49" charset="0"/>
+              </a:rPr>
+              <a:t>num</a:t>
+            </a:r>
+            <a:r>
+              <a:rPr lang="es-MX" sz="1200" b="0" dirty="0" err="1">
+                <a:solidFill>
+                  <a:srgbClr val="ABB2BF"/>
+                </a:solidFill>
+                <a:effectLst/>
+                <a:latin typeface="Consolas" panose="020B0609020204030204" pitchFamily="49" charset="0"/>
+              </a:rPr>
+              <a:t>,</a:t>
+            </a:r>
+            <a:r>
+              <a:rPr lang="es-MX" sz="1200" b="0" dirty="0" err="1">
+                <a:solidFill>
+                  <a:srgbClr val="E06C75"/>
+                </a:solidFill>
+                <a:effectLst/>
+                <a:latin typeface="Consolas" panose="020B0609020204030204" pitchFamily="49" charset="0"/>
+              </a:rPr>
+              <a:t>km</a:t>
+            </a:r>
+            <a:r>
+              <a:rPr lang="es-MX" sz="1200" b="0" dirty="0">
+                <a:solidFill>
+                  <a:srgbClr val="ABB2BF"/>
+                </a:solidFill>
+                <a:effectLst/>
+                <a:latin typeface="Consolas" panose="020B0609020204030204" pitchFamily="49" charset="0"/>
+              </a:rPr>
+              <a:t>);</a:t>
+            </a:r>
+          </a:p>
+          <a:p>
+            <a:br>
+              <a:rPr lang="es-MX" sz="1200" b="0" dirty="0">
+                <a:solidFill>
+                  <a:srgbClr val="ABB2BF"/>
+                </a:solidFill>
+                <a:effectLst/>
+                <a:latin typeface="Consolas" panose="020B0609020204030204" pitchFamily="49" charset="0"/>
+              </a:rPr>
+            </a:br>
+            <a:r>
+              <a:rPr lang="es-MX" sz="1200" b="0" dirty="0">
+                <a:solidFill>
+                  <a:srgbClr val="ABB2BF"/>
+                </a:solidFill>
+                <a:effectLst/>
+                <a:latin typeface="Consolas" panose="020B0609020204030204" pitchFamily="49" charset="0"/>
+              </a:rPr>
+              <a:t>    </a:t>
+            </a:r>
+            <a:r>
+              <a:rPr lang="es-MX" sz="1200" b="1" dirty="0" err="1">
+                <a:solidFill>
+                  <a:srgbClr val="61AFEF"/>
+                </a:solidFill>
+                <a:effectLst/>
+                <a:latin typeface="Consolas" panose="020B0609020204030204" pitchFamily="49" charset="0"/>
+              </a:rPr>
+              <a:t>system</a:t>
+            </a:r>
+            <a:r>
+              <a:rPr lang="es-MX" sz="1200" b="0" dirty="0">
+                <a:solidFill>
+                  <a:srgbClr val="ABB2BF"/>
+                </a:solidFill>
+                <a:effectLst/>
+                <a:latin typeface="Consolas" panose="020B0609020204030204" pitchFamily="49" charset="0"/>
+              </a:rPr>
+              <a:t>(</a:t>
+            </a:r>
+            <a:r>
+              <a:rPr lang="es-MX" sz="1200" b="0" dirty="0">
+                <a:solidFill>
+                  <a:srgbClr val="98C379"/>
+                </a:solidFill>
+                <a:effectLst/>
+                <a:latin typeface="Consolas" panose="020B0609020204030204" pitchFamily="49" charset="0"/>
+              </a:rPr>
+              <a:t>"PAUSE"</a:t>
+            </a:r>
+            <a:r>
+              <a:rPr lang="es-MX" sz="1200" b="0" dirty="0">
+                <a:solidFill>
+                  <a:srgbClr val="ABB2BF"/>
+                </a:solidFill>
+                <a:effectLst/>
+                <a:latin typeface="Consolas" panose="020B0609020204030204" pitchFamily="49" charset="0"/>
+              </a:rPr>
+              <a:t>);</a:t>
+            </a:r>
+          </a:p>
+          <a:p>
+            <a:r>
+              <a:rPr lang="es-MX" sz="1200" b="0">
+                <a:solidFill>
+                  <a:srgbClr val="ABB2BF"/>
+                </a:solidFill>
+                <a:effectLst/>
+                <a:latin typeface="Consolas" panose="020B0609020204030204" pitchFamily="49" charset="0"/>
+              </a:rPr>
+              <a:t>}</a:t>
+            </a:r>
           </a:p>
           <a:p>
             <a:endParaRPr lang="es-MX" sz="1200" dirty="0"/>
